--- a/7th semester Defence Report/Final report presentation.pptx
+++ b/7th semester Defence Report/Final report presentation.pptx
@@ -5,7 +5,7 @@
     <p:sldMasterId id="2147483658" r:id="rId1"/>
   </p:sldMasterIdLst>
   <p:notesMasterIdLst>
-    <p:notesMasterId r:id="rId16"/>
+    <p:notesMasterId r:id="rId23"/>
   </p:notesMasterIdLst>
   <p:sldIdLst>
     <p:sldId id="256" r:id="rId2"/>
@@ -15,44 +15,51 @@
     <p:sldId id="260" r:id="rId6"/>
     <p:sldId id="285" r:id="rId7"/>
     <p:sldId id="286" r:id="rId8"/>
-    <p:sldId id="261" r:id="rId9"/>
-    <p:sldId id="262" r:id="rId10"/>
-    <p:sldId id="263" r:id="rId11"/>
-    <p:sldId id="287" r:id="rId12"/>
-    <p:sldId id="267" r:id="rId13"/>
-    <p:sldId id="280" r:id="rId14"/>
-    <p:sldId id="288" r:id="rId15"/>
+    <p:sldId id="289" r:id="rId9"/>
+    <p:sldId id="290" r:id="rId10"/>
+    <p:sldId id="291" r:id="rId11"/>
+    <p:sldId id="292" r:id="rId12"/>
+    <p:sldId id="293" r:id="rId13"/>
+    <p:sldId id="294" r:id="rId14"/>
+    <p:sldId id="261" r:id="rId15"/>
+    <p:sldId id="262" r:id="rId16"/>
+    <p:sldId id="263" r:id="rId17"/>
+    <p:sldId id="287" r:id="rId18"/>
+    <p:sldId id="267" r:id="rId19"/>
+    <p:sldId id="280" r:id="rId20"/>
+    <p:sldId id="295" r:id="rId21"/>
+    <p:sldId id="288" r:id="rId22"/>
   </p:sldIdLst>
   <p:sldSz cx="9144000" cy="6858000" type="screen4x3"/>
   <p:notesSz cx="6858000" cy="9144000"/>
   <p:embeddedFontLst>
     <p:embeddedFont>
-      <p:font typeface="SuttonSignWritingOneD" panose="02000603000000000000" pitchFamily="2" charset="0"/>
-      <p:regular r:id="rId17"/>
-    </p:embeddedFont>
-    <p:embeddedFont>
       <p:font typeface="Calibri Light" panose="020F0302020204030204" pitchFamily="34" charset="0"/>
-      <p:regular r:id="rId18"/>
-      <p:italic r:id="rId19"/>
-    </p:embeddedFont>
-    <p:embeddedFont>
-      <p:font typeface="Roboto Slab" panose="020B0604020202020204" charset="0"/>
-      <p:regular r:id="rId20"/>
-      <p:bold r:id="rId21"/>
+      <p:regular r:id="rId24"/>
+      <p:italic r:id="rId25"/>
     </p:embeddedFont>
     <p:embeddedFont>
       <p:font typeface="Source Sans Pro" panose="020B0604020202020204" charset="0"/>
-      <p:regular r:id="rId22"/>
-      <p:bold r:id="rId23"/>
-      <p:italic r:id="rId24"/>
-      <p:boldItalic r:id="rId25"/>
-    </p:embeddedFont>
-    <p:embeddedFont>
-      <p:font typeface="Calibri" panose="020F0502020204030204" pitchFamily="34" charset="0"/>
       <p:regular r:id="rId26"/>
       <p:bold r:id="rId27"/>
       <p:italic r:id="rId28"/>
       <p:boldItalic r:id="rId29"/>
+    </p:embeddedFont>
+    <p:embeddedFont>
+      <p:font typeface="Calibri" panose="020F0502020204030204" pitchFamily="34" charset="0"/>
+      <p:regular r:id="rId30"/>
+      <p:bold r:id="rId31"/>
+      <p:italic r:id="rId32"/>
+      <p:boldItalic r:id="rId33"/>
+    </p:embeddedFont>
+    <p:embeddedFont>
+      <p:font typeface="Roboto Slab" panose="020B0604020202020204" charset="0"/>
+      <p:regular r:id="rId34"/>
+      <p:bold r:id="rId35"/>
+    </p:embeddedFont>
+    <p:embeddedFont>
+      <p:font typeface="SuttonSignWritingOneD" panose="02000603000000000000" pitchFamily="2" charset="0"/>
+      <p:regular r:id="rId36"/>
     </p:embeddedFont>
   </p:embeddedFontLst>
   <p:defaultTextStyle>
@@ -852,6 +859,660 @@
   <p:cSld>
     <p:spTree>
       <p:nvGrpSpPr>
+        <p:cNvPr id="1" name="Shape 100"/>
+        <p:cNvGrpSpPr/>
+        <p:nvPr/>
+      </p:nvGrpSpPr>
+      <p:grpSpPr>
+        <a:xfrm>
+          <a:off x="0" y="0"/>
+          <a:ext cx="0" cy="0"/>
+          <a:chOff x="0" y="0"/>
+          <a:chExt cx="0" cy="0"/>
+        </a:xfrm>
+      </p:grpSpPr>
+      <p:sp>
+        <p:nvSpPr>
+          <p:cNvPr id="101" name="Google Shape;101;g35f391192_09:notes"/>
+          <p:cNvSpPr>
+            <a:spLocks noGrp="1" noRot="1" noChangeAspect="1"/>
+          </p:cNvSpPr>
+          <p:nvPr>
+            <p:ph type="sldImg" idx="2"/>
+          </p:nvPr>
+        </p:nvSpPr>
+        <p:spPr>
+          <a:xfrm>
+            <a:off x="1143000" y="685800"/>
+            <a:ext cx="4572000" cy="3429000"/>
+          </a:xfrm>
+          <a:custGeom>
+            <a:avLst/>
+            <a:gdLst/>
+            <a:ahLst/>
+            <a:cxnLst/>
+            <a:rect l="l" t="t" r="r" b="b"/>
+            <a:pathLst>
+              <a:path w="120000" h="120000" extrusionOk="0">
+                <a:moveTo>
+                  <a:pt x="0" y="0"/>
+                </a:moveTo>
+                <a:lnTo>
+                  <a:pt x="120000" y="0"/>
+                </a:lnTo>
+                <a:lnTo>
+                  <a:pt x="120000" y="120000"/>
+                </a:lnTo>
+                <a:lnTo>
+                  <a:pt x="0" y="120000"/>
+                </a:lnTo>
+                <a:close/>
+              </a:path>
+            </a:pathLst>
+          </a:custGeom>
+        </p:spPr>
+      </p:sp>
+      <p:sp>
+        <p:nvSpPr>
+          <p:cNvPr id="102" name="Google Shape;102;g35f391192_09:notes"/>
+          <p:cNvSpPr txBox="1">
+            <a:spLocks noGrp="1"/>
+          </p:cNvSpPr>
+          <p:nvPr>
+            <p:ph type="body" idx="1"/>
+          </p:nvPr>
+        </p:nvSpPr>
+        <p:spPr>
+          <a:xfrm>
+            <a:off x="685800" y="4343400"/>
+            <a:ext cx="5486400" cy="4114800"/>
+          </a:xfrm>
+          <a:prstGeom prst="rect">
+            <a:avLst/>
+          </a:prstGeom>
+        </p:spPr>
+        <p:txBody>
+          <a:bodyPr spcFirstLastPara="1" wrap="square" lIns="91425" tIns="91425" rIns="91425" bIns="91425" anchor="t" anchorCtr="0">
+            <a:noAutofit/>
+          </a:bodyPr>
+          <a:lstStyle/>
+          <a:p>
+            <a:pPr marL="0" lvl="0" indent="0" algn="l" rtl="0">
+              <a:spcBef>
+                <a:spcPts val="0"/>
+              </a:spcBef>
+              <a:spcAft>
+                <a:spcPts val="0"/>
+              </a:spcAft>
+              <a:buNone/>
+            </a:pPr>
+            <a:endParaRPr/>
+          </a:p>
+        </p:txBody>
+      </p:sp>
+    </p:spTree>
+    <p:extLst>
+      <p:ext uri="{BB962C8B-B14F-4D97-AF65-F5344CB8AC3E}">
+        <p14:creationId xmlns:p14="http://schemas.microsoft.com/office/powerpoint/2010/main" val="1307032786"/>
+      </p:ext>
+    </p:extLst>
+  </p:cSld>
+  <p:clrMapOvr>
+    <a:masterClrMapping/>
+  </p:clrMapOvr>
+</p:notes>
+</file>
+
+<file path=ppt/notesSlides/notesSlide11.xml><?xml version="1.0" encoding="utf-8"?>
+<p:notes xmlns:a="http://schemas.openxmlformats.org/drawingml/2006/main" xmlns:r="http://schemas.openxmlformats.org/officeDocument/2006/relationships" xmlns:p="http://schemas.openxmlformats.org/presentationml/2006/main" showMasterSp="0" showMasterPhAnim="0">
+  <p:cSld>
+    <p:spTree>
+      <p:nvGrpSpPr>
+        <p:cNvPr id="1" name="Shape 100"/>
+        <p:cNvGrpSpPr/>
+        <p:nvPr/>
+      </p:nvGrpSpPr>
+      <p:grpSpPr>
+        <a:xfrm>
+          <a:off x="0" y="0"/>
+          <a:ext cx="0" cy="0"/>
+          <a:chOff x="0" y="0"/>
+          <a:chExt cx="0" cy="0"/>
+        </a:xfrm>
+      </p:grpSpPr>
+      <p:sp>
+        <p:nvSpPr>
+          <p:cNvPr id="101" name="Google Shape;101;g35f391192_09:notes"/>
+          <p:cNvSpPr>
+            <a:spLocks noGrp="1" noRot="1" noChangeAspect="1"/>
+          </p:cNvSpPr>
+          <p:nvPr>
+            <p:ph type="sldImg" idx="2"/>
+          </p:nvPr>
+        </p:nvSpPr>
+        <p:spPr>
+          <a:xfrm>
+            <a:off x="1143000" y="685800"/>
+            <a:ext cx="4572000" cy="3429000"/>
+          </a:xfrm>
+          <a:custGeom>
+            <a:avLst/>
+            <a:gdLst/>
+            <a:ahLst/>
+            <a:cxnLst/>
+            <a:rect l="l" t="t" r="r" b="b"/>
+            <a:pathLst>
+              <a:path w="120000" h="120000" extrusionOk="0">
+                <a:moveTo>
+                  <a:pt x="0" y="0"/>
+                </a:moveTo>
+                <a:lnTo>
+                  <a:pt x="120000" y="0"/>
+                </a:lnTo>
+                <a:lnTo>
+                  <a:pt x="120000" y="120000"/>
+                </a:lnTo>
+                <a:lnTo>
+                  <a:pt x="0" y="120000"/>
+                </a:lnTo>
+                <a:close/>
+              </a:path>
+            </a:pathLst>
+          </a:custGeom>
+        </p:spPr>
+      </p:sp>
+      <p:sp>
+        <p:nvSpPr>
+          <p:cNvPr id="102" name="Google Shape;102;g35f391192_09:notes"/>
+          <p:cNvSpPr txBox="1">
+            <a:spLocks noGrp="1"/>
+          </p:cNvSpPr>
+          <p:nvPr>
+            <p:ph type="body" idx="1"/>
+          </p:nvPr>
+        </p:nvSpPr>
+        <p:spPr>
+          <a:xfrm>
+            <a:off x="685800" y="4343400"/>
+            <a:ext cx="5486400" cy="4114800"/>
+          </a:xfrm>
+          <a:prstGeom prst="rect">
+            <a:avLst/>
+          </a:prstGeom>
+        </p:spPr>
+        <p:txBody>
+          <a:bodyPr spcFirstLastPara="1" wrap="square" lIns="91425" tIns="91425" rIns="91425" bIns="91425" anchor="t" anchorCtr="0">
+            <a:noAutofit/>
+          </a:bodyPr>
+          <a:lstStyle/>
+          <a:p>
+            <a:pPr marL="0" lvl="0" indent="0" algn="l" rtl="0">
+              <a:spcBef>
+                <a:spcPts val="0"/>
+              </a:spcBef>
+              <a:spcAft>
+                <a:spcPts val="0"/>
+              </a:spcAft>
+              <a:buNone/>
+            </a:pPr>
+            <a:endParaRPr/>
+          </a:p>
+        </p:txBody>
+      </p:sp>
+    </p:spTree>
+    <p:extLst>
+      <p:ext uri="{BB962C8B-B14F-4D97-AF65-F5344CB8AC3E}">
+        <p14:creationId xmlns:p14="http://schemas.microsoft.com/office/powerpoint/2010/main" val="691875264"/>
+      </p:ext>
+    </p:extLst>
+  </p:cSld>
+  <p:clrMapOvr>
+    <a:masterClrMapping/>
+  </p:clrMapOvr>
+</p:notes>
+</file>
+
+<file path=ppt/notesSlides/notesSlide12.xml><?xml version="1.0" encoding="utf-8"?>
+<p:notes xmlns:a="http://schemas.openxmlformats.org/drawingml/2006/main" xmlns:r="http://schemas.openxmlformats.org/officeDocument/2006/relationships" xmlns:p="http://schemas.openxmlformats.org/presentationml/2006/main" showMasterSp="0" showMasterPhAnim="0">
+  <p:cSld>
+    <p:spTree>
+      <p:nvGrpSpPr>
+        <p:cNvPr id="1" name="Shape 100"/>
+        <p:cNvGrpSpPr/>
+        <p:nvPr/>
+      </p:nvGrpSpPr>
+      <p:grpSpPr>
+        <a:xfrm>
+          <a:off x="0" y="0"/>
+          <a:ext cx="0" cy="0"/>
+          <a:chOff x="0" y="0"/>
+          <a:chExt cx="0" cy="0"/>
+        </a:xfrm>
+      </p:grpSpPr>
+      <p:sp>
+        <p:nvSpPr>
+          <p:cNvPr id="101" name="Google Shape;101;g35f391192_09:notes"/>
+          <p:cNvSpPr>
+            <a:spLocks noGrp="1" noRot="1" noChangeAspect="1"/>
+          </p:cNvSpPr>
+          <p:nvPr>
+            <p:ph type="sldImg" idx="2"/>
+          </p:nvPr>
+        </p:nvSpPr>
+        <p:spPr>
+          <a:xfrm>
+            <a:off x="1143000" y="685800"/>
+            <a:ext cx="4572000" cy="3429000"/>
+          </a:xfrm>
+          <a:custGeom>
+            <a:avLst/>
+            <a:gdLst/>
+            <a:ahLst/>
+            <a:cxnLst/>
+            <a:rect l="l" t="t" r="r" b="b"/>
+            <a:pathLst>
+              <a:path w="120000" h="120000" extrusionOk="0">
+                <a:moveTo>
+                  <a:pt x="0" y="0"/>
+                </a:moveTo>
+                <a:lnTo>
+                  <a:pt x="120000" y="0"/>
+                </a:lnTo>
+                <a:lnTo>
+                  <a:pt x="120000" y="120000"/>
+                </a:lnTo>
+                <a:lnTo>
+                  <a:pt x="0" y="120000"/>
+                </a:lnTo>
+                <a:close/>
+              </a:path>
+            </a:pathLst>
+          </a:custGeom>
+        </p:spPr>
+      </p:sp>
+      <p:sp>
+        <p:nvSpPr>
+          <p:cNvPr id="102" name="Google Shape;102;g35f391192_09:notes"/>
+          <p:cNvSpPr txBox="1">
+            <a:spLocks noGrp="1"/>
+          </p:cNvSpPr>
+          <p:nvPr>
+            <p:ph type="body" idx="1"/>
+          </p:nvPr>
+        </p:nvSpPr>
+        <p:spPr>
+          <a:xfrm>
+            <a:off x="685800" y="4343400"/>
+            <a:ext cx="5486400" cy="4114800"/>
+          </a:xfrm>
+          <a:prstGeom prst="rect">
+            <a:avLst/>
+          </a:prstGeom>
+        </p:spPr>
+        <p:txBody>
+          <a:bodyPr spcFirstLastPara="1" wrap="square" lIns="91425" tIns="91425" rIns="91425" bIns="91425" anchor="t" anchorCtr="0">
+            <a:noAutofit/>
+          </a:bodyPr>
+          <a:lstStyle/>
+          <a:p>
+            <a:pPr marL="0" lvl="0" indent="0" algn="l" rtl="0">
+              <a:spcBef>
+                <a:spcPts val="0"/>
+              </a:spcBef>
+              <a:spcAft>
+                <a:spcPts val="0"/>
+              </a:spcAft>
+              <a:buNone/>
+            </a:pPr>
+            <a:endParaRPr/>
+          </a:p>
+        </p:txBody>
+      </p:sp>
+    </p:spTree>
+    <p:extLst>
+      <p:ext uri="{BB962C8B-B14F-4D97-AF65-F5344CB8AC3E}">
+        <p14:creationId xmlns:p14="http://schemas.microsoft.com/office/powerpoint/2010/main" val="1347226921"/>
+      </p:ext>
+    </p:extLst>
+  </p:cSld>
+  <p:clrMapOvr>
+    <a:masterClrMapping/>
+  </p:clrMapOvr>
+</p:notes>
+</file>
+
+<file path=ppt/notesSlides/notesSlide13.xml><?xml version="1.0" encoding="utf-8"?>
+<p:notes xmlns:a="http://schemas.openxmlformats.org/drawingml/2006/main" xmlns:r="http://schemas.openxmlformats.org/officeDocument/2006/relationships" xmlns:p="http://schemas.openxmlformats.org/presentationml/2006/main" showMasterSp="0" showMasterPhAnim="0">
+  <p:cSld>
+    <p:spTree>
+      <p:nvGrpSpPr>
+        <p:cNvPr id="1" name="Shape 100"/>
+        <p:cNvGrpSpPr/>
+        <p:nvPr/>
+      </p:nvGrpSpPr>
+      <p:grpSpPr>
+        <a:xfrm>
+          <a:off x="0" y="0"/>
+          <a:ext cx="0" cy="0"/>
+          <a:chOff x="0" y="0"/>
+          <a:chExt cx="0" cy="0"/>
+        </a:xfrm>
+      </p:grpSpPr>
+      <p:sp>
+        <p:nvSpPr>
+          <p:cNvPr id="101" name="Google Shape;101;g35f391192_09:notes"/>
+          <p:cNvSpPr>
+            <a:spLocks noGrp="1" noRot="1" noChangeAspect="1"/>
+          </p:cNvSpPr>
+          <p:nvPr>
+            <p:ph type="sldImg" idx="2"/>
+          </p:nvPr>
+        </p:nvSpPr>
+        <p:spPr>
+          <a:xfrm>
+            <a:off x="1143000" y="685800"/>
+            <a:ext cx="4572000" cy="3429000"/>
+          </a:xfrm>
+          <a:custGeom>
+            <a:avLst/>
+            <a:gdLst/>
+            <a:ahLst/>
+            <a:cxnLst/>
+            <a:rect l="l" t="t" r="r" b="b"/>
+            <a:pathLst>
+              <a:path w="120000" h="120000" extrusionOk="0">
+                <a:moveTo>
+                  <a:pt x="0" y="0"/>
+                </a:moveTo>
+                <a:lnTo>
+                  <a:pt x="120000" y="0"/>
+                </a:lnTo>
+                <a:lnTo>
+                  <a:pt x="120000" y="120000"/>
+                </a:lnTo>
+                <a:lnTo>
+                  <a:pt x="0" y="120000"/>
+                </a:lnTo>
+                <a:close/>
+              </a:path>
+            </a:pathLst>
+          </a:custGeom>
+        </p:spPr>
+      </p:sp>
+      <p:sp>
+        <p:nvSpPr>
+          <p:cNvPr id="102" name="Google Shape;102;g35f391192_09:notes"/>
+          <p:cNvSpPr txBox="1">
+            <a:spLocks noGrp="1"/>
+          </p:cNvSpPr>
+          <p:nvPr>
+            <p:ph type="body" idx="1"/>
+          </p:nvPr>
+        </p:nvSpPr>
+        <p:spPr>
+          <a:xfrm>
+            <a:off x="685800" y="4343400"/>
+            <a:ext cx="5486400" cy="4114800"/>
+          </a:xfrm>
+          <a:prstGeom prst="rect">
+            <a:avLst/>
+          </a:prstGeom>
+        </p:spPr>
+        <p:txBody>
+          <a:bodyPr spcFirstLastPara="1" wrap="square" lIns="91425" tIns="91425" rIns="91425" bIns="91425" anchor="t" anchorCtr="0">
+            <a:noAutofit/>
+          </a:bodyPr>
+          <a:lstStyle/>
+          <a:p>
+            <a:pPr marL="0" lvl="0" indent="0" algn="l" rtl="0">
+              <a:spcBef>
+                <a:spcPts val="0"/>
+              </a:spcBef>
+              <a:spcAft>
+                <a:spcPts val="0"/>
+              </a:spcAft>
+              <a:buNone/>
+            </a:pPr>
+            <a:endParaRPr/>
+          </a:p>
+        </p:txBody>
+      </p:sp>
+    </p:spTree>
+    <p:extLst>
+      <p:ext uri="{BB962C8B-B14F-4D97-AF65-F5344CB8AC3E}">
+        <p14:creationId xmlns:p14="http://schemas.microsoft.com/office/powerpoint/2010/main" val="3901842388"/>
+      </p:ext>
+    </p:extLst>
+  </p:cSld>
+  <p:clrMapOvr>
+    <a:masterClrMapping/>
+  </p:clrMapOvr>
+</p:notes>
+</file>
+
+<file path=ppt/notesSlides/notesSlide14.xml><?xml version="1.0" encoding="utf-8"?>
+<p:notes xmlns:a="http://schemas.openxmlformats.org/drawingml/2006/main" xmlns:r="http://schemas.openxmlformats.org/officeDocument/2006/relationships" xmlns:p="http://schemas.openxmlformats.org/presentationml/2006/main" showMasterSp="0" showMasterPhAnim="0">
+  <p:cSld>
+    <p:spTree>
+      <p:nvGrpSpPr>
+        <p:cNvPr id="1" name="Shape 106"/>
+        <p:cNvGrpSpPr/>
+        <p:nvPr/>
+      </p:nvGrpSpPr>
+      <p:grpSpPr>
+        <a:xfrm>
+          <a:off x="0" y="0"/>
+          <a:ext cx="0" cy="0"/>
+          <a:chOff x="0" y="0"/>
+          <a:chExt cx="0" cy="0"/>
+        </a:xfrm>
+      </p:grpSpPr>
+      <p:sp>
+        <p:nvSpPr>
+          <p:cNvPr id="107" name="Google Shape;107;p:notes"/>
+          <p:cNvSpPr>
+            <a:spLocks noGrp="1" noRot="1" noChangeAspect="1"/>
+          </p:cNvSpPr>
+          <p:nvPr>
+            <p:ph type="sldImg" idx="2"/>
+          </p:nvPr>
+        </p:nvSpPr>
+        <p:spPr>
+          <a:xfrm>
+            <a:off x="1143000" y="685800"/>
+            <a:ext cx="4572000" cy="3429000"/>
+          </a:xfrm>
+          <a:custGeom>
+            <a:avLst/>
+            <a:gdLst/>
+            <a:ahLst/>
+            <a:cxnLst/>
+            <a:rect l="l" t="t" r="r" b="b"/>
+            <a:pathLst>
+              <a:path w="120000" h="120000" extrusionOk="0">
+                <a:moveTo>
+                  <a:pt x="0" y="0"/>
+                </a:moveTo>
+                <a:lnTo>
+                  <a:pt x="120000" y="0"/>
+                </a:lnTo>
+                <a:lnTo>
+                  <a:pt x="120000" y="120000"/>
+                </a:lnTo>
+                <a:lnTo>
+                  <a:pt x="0" y="120000"/>
+                </a:lnTo>
+                <a:close/>
+              </a:path>
+            </a:pathLst>
+          </a:custGeom>
+        </p:spPr>
+      </p:sp>
+      <p:sp>
+        <p:nvSpPr>
+          <p:cNvPr id="108" name="Google Shape;108;p:notes"/>
+          <p:cNvSpPr txBox="1">
+            <a:spLocks noGrp="1"/>
+          </p:cNvSpPr>
+          <p:nvPr>
+            <p:ph type="body" idx="1"/>
+          </p:nvPr>
+        </p:nvSpPr>
+        <p:spPr>
+          <a:xfrm>
+            <a:off x="685800" y="4343400"/>
+            <a:ext cx="5486400" cy="4114800"/>
+          </a:xfrm>
+          <a:prstGeom prst="rect">
+            <a:avLst/>
+          </a:prstGeom>
+        </p:spPr>
+        <p:txBody>
+          <a:bodyPr spcFirstLastPara="1" wrap="square" lIns="91425" tIns="91425" rIns="91425" bIns="91425" anchor="t" anchorCtr="0">
+            <a:noAutofit/>
+          </a:bodyPr>
+          <a:lstStyle/>
+          <a:p>
+            <a:pPr marL="0" lvl="0" indent="0" algn="l" rtl="0">
+              <a:spcBef>
+                <a:spcPts val="0"/>
+              </a:spcBef>
+              <a:spcAft>
+                <a:spcPts val="0"/>
+              </a:spcAft>
+              <a:buNone/>
+            </a:pPr>
+            <a:endParaRPr/>
+          </a:p>
+        </p:txBody>
+      </p:sp>
+    </p:spTree>
+    <p:extLst>
+      <p:ext uri="{BB962C8B-B14F-4D97-AF65-F5344CB8AC3E}">
+        <p14:creationId xmlns:p14="http://schemas.microsoft.com/office/powerpoint/2010/main" val="2387406001"/>
+      </p:ext>
+    </p:extLst>
+  </p:cSld>
+  <p:clrMapOvr>
+    <a:masterClrMapping/>
+  </p:clrMapOvr>
+</p:notes>
+</file>
+
+<file path=ppt/notesSlides/notesSlide15.xml><?xml version="1.0" encoding="utf-8"?>
+<p:notes xmlns:a="http://schemas.openxmlformats.org/drawingml/2006/main" xmlns:r="http://schemas.openxmlformats.org/officeDocument/2006/relationships" xmlns:p="http://schemas.openxmlformats.org/presentationml/2006/main" showMasterSp="0" showMasterPhAnim="0">
+  <p:cSld>
+    <p:spTree>
+      <p:nvGrpSpPr>
+        <p:cNvPr id="1" name="Shape 113"/>
+        <p:cNvGrpSpPr/>
+        <p:nvPr/>
+      </p:nvGrpSpPr>
+      <p:grpSpPr>
+        <a:xfrm>
+          <a:off x="0" y="0"/>
+          <a:ext cx="0" cy="0"/>
+          <a:chOff x="0" y="0"/>
+          <a:chExt cx="0" cy="0"/>
+        </a:xfrm>
+      </p:grpSpPr>
+      <p:sp>
+        <p:nvSpPr>
+          <p:cNvPr id="114" name="Google Shape;114;g35ed75ccf_015:notes"/>
+          <p:cNvSpPr>
+            <a:spLocks noGrp="1" noRot="1" noChangeAspect="1"/>
+          </p:cNvSpPr>
+          <p:nvPr>
+            <p:ph type="sldImg" idx="2"/>
+          </p:nvPr>
+        </p:nvSpPr>
+        <p:spPr>
+          <a:xfrm>
+            <a:off x="1143000" y="685800"/>
+            <a:ext cx="4572000" cy="3429000"/>
+          </a:xfrm>
+          <a:custGeom>
+            <a:avLst/>
+            <a:gdLst/>
+            <a:ahLst/>
+            <a:cxnLst/>
+            <a:rect l="l" t="t" r="r" b="b"/>
+            <a:pathLst>
+              <a:path w="120000" h="120000" extrusionOk="0">
+                <a:moveTo>
+                  <a:pt x="0" y="0"/>
+                </a:moveTo>
+                <a:lnTo>
+                  <a:pt x="120000" y="0"/>
+                </a:lnTo>
+                <a:lnTo>
+                  <a:pt x="120000" y="120000"/>
+                </a:lnTo>
+                <a:lnTo>
+                  <a:pt x="0" y="120000"/>
+                </a:lnTo>
+                <a:close/>
+              </a:path>
+            </a:pathLst>
+          </a:custGeom>
+        </p:spPr>
+      </p:sp>
+      <p:sp>
+        <p:nvSpPr>
+          <p:cNvPr id="115" name="Google Shape;115;g35ed75ccf_015:notes"/>
+          <p:cNvSpPr txBox="1">
+            <a:spLocks noGrp="1"/>
+          </p:cNvSpPr>
+          <p:nvPr>
+            <p:ph type="body" idx="1"/>
+          </p:nvPr>
+        </p:nvSpPr>
+        <p:spPr>
+          <a:xfrm>
+            <a:off x="685800" y="4343400"/>
+            <a:ext cx="5486400" cy="4114800"/>
+          </a:xfrm>
+          <a:prstGeom prst="rect">
+            <a:avLst/>
+          </a:prstGeom>
+        </p:spPr>
+        <p:txBody>
+          <a:bodyPr spcFirstLastPara="1" wrap="square" lIns="91425" tIns="91425" rIns="91425" bIns="91425" anchor="t" anchorCtr="0">
+            <a:noAutofit/>
+          </a:bodyPr>
+          <a:lstStyle/>
+          <a:p>
+            <a:pPr marL="0" lvl="0" indent="0" algn="l" rtl="0">
+              <a:spcBef>
+                <a:spcPts val="0"/>
+              </a:spcBef>
+              <a:spcAft>
+                <a:spcPts val="0"/>
+              </a:spcAft>
+              <a:buNone/>
+            </a:pPr>
+            <a:endParaRPr/>
+          </a:p>
+        </p:txBody>
+      </p:sp>
+    </p:spTree>
+    <p:extLst>
+      <p:ext uri="{BB962C8B-B14F-4D97-AF65-F5344CB8AC3E}">
+        <p14:creationId xmlns:p14="http://schemas.microsoft.com/office/powerpoint/2010/main" val="788581519"/>
+      </p:ext>
+    </p:extLst>
+  </p:cSld>
+  <p:clrMapOvr>
+    <a:masterClrMapping/>
+  </p:clrMapOvr>
+</p:notes>
+</file>
+
+<file path=ppt/notesSlides/notesSlide16.xml><?xml version="1.0" encoding="utf-8"?>
+<p:notes xmlns:a="http://schemas.openxmlformats.org/drawingml/2006/main" xmlns:r="http://schemas.openxmlformats.org/officeDocument/2006/relationships" xmlns:p="http://schemas.openxmlformats.org/presentationml/2006/main" showMasterSp="0" showMasterPhAnim="0">
+  <p:cSld>
+    <p:spTree>
+      <p:nvGrpSpPr>
         <p:cNvPr id="1" name="Shape 128"/>
         <p:cNvGrpSpPr/>
         <p:nvPr/>
@@ -956,7 +1617,7 @@
 </p:notes>
 </file>
 
-<file path=ppt/notesSlides/notesSlide11.xml><?xml version="1.0" encoding="utf-8"?>
+<file path=ppt/notesSlides/notesSlide17.xml><?xml version="1.0" encoding="utf-8"?>
 <p:notes xmlns:a="http://schemas.openxmlformats.org/drawingml/2006/main" xmlns:r="http://schemas.openxmlformats.org/officeDocument/2006/relationships" xmlns:p="http://schemas.openxmlformats.org/presentationml/2006/main" showMasterSp="0" showMasterPhAnim="0">
   <p:cSld>
     <p:spTree>
@@ -1065,7 +1726,7 @@
 </p:notes>
 </file>
 
-<file path=ppt/notesSlides/notesSlide12.xml><?xml version="1.0" encoding="utf-8"?>
+<file path=ppt/notesSlides/notesSlide18.xml><?xml version="1.0" encoding="utf-8"?>
 <p:notes xmlns:a="http://schemas.openxmlformats.org/drawingml/2006/main" xmlns:r="http://schemas.openxmlformats.org/officeDocument/2006/relationships" xmlns:p="http://schemas.openxmlformats.org/presentationml/2006/main" showMasterSp="0" showMasterPhAnim="0">
   <p:cSld>
     <p:spTree>
@@ -1174,7 +1835,7 @@
 </p:notes>
 </file>
 
-<file path=ppt/notesSlides/notesSlide13.xml><?xml version="1.0" encoding="utf-8"?>
+<file path=ppt/notesSlides/notesSlide19.xml><?xml version="1.0" encoding="utf-8"?>
 <p:notes xmlns:a="http://schemas.openxmlformats.org/drawingml/2006/main" xmlns:r="http://schemas.openxmlformats.org/officeDocument/2006/relationships" xmlns:p="http://schemas.openxmlformats.org/presentationml/2006/main" showMasterSp="0" showMasterPhAnim="0">
   <p:cSld>
     <p:spTree>
@@ -1274,115 +1935,6 @@
     <p:extLst>
       <p:ext uri="{BB962C8B-B14F-4D97-AF65-F5344CB8AC3E}">
         <p14:creationId xmlns:p14="http://schemas.microsoft.com/office/powerpoint/2010/main" val="2528267126"/>
-      </p:ext>
-    </p:extLst>
-  </p:cSld>
-  <p:clrMapOvr>
-    <a:masterClrMapping/>
-  </p:clrMapOvr>
-</p:notes>
-</file>
-
-<file path=ppt/notesSlides/notesSlide14.xml><?xml version="1.0" encoding="utf-8"?>
-<p:notes xmlns:a="http://schemas.openxmlformats.org/drawingml/2006/main" xmlns:r="http://schemas.openxmlformats.org/officeDocument/2006/relationships" xmlns:p="http://schemas.openxmlformats.org/presentationml/2006/main" showMasterSp="0" showMasterPhAnim="0">
-  <p:cSld>
-    <p:spTree>
-      <p:nvGrpSpPr>
-        <p:cNvPr id="1" name="Shape 371"/>
-        <p:cNvGrpSpPr/>
-        <p:nvPr/>
-      </p:nvGrpSpPr>
-      <p:grpSpPr>
-        <a:xfrm>
-          <a:off x="0" y="0"/>
-          <a:ext cx="0" cy="0"/>
-          <a:chOff x="0" y="0"/>
-          <a:chExt cx="0" cy="0"/>
-        </a:xfrm>
-      </p:grpSpPr>
-      <p:sp>
-        <p:nvSpPr>
-          <p:cNvPr id="372" name="Google Shape;372;g35ed75ccf_022:notes"/>
-          <p:cNvSpPr>
-            <a:spLocks noGrp="1" noRot="1" noChangeAspect="1"/>
-          </p:cNvSpPr>
-          <p:nvPr>
-            <p:ph type="sldImg" idx="2"/>
-          </p:nvPr>
-        </p:nvSpPr>
-        <p:spPr>
-          <a:xfrm>
-            <a:off x="1143000" y="685800"/>
-            <a:ext cx="4572000" cy="3429000"/>
-          </a:xfrm>
-          <a:custGeom>
-            <a:avLst/>
-            <a:gdLst/>
-            <a:ahLst/>
-            <a:cxnLst/>
-            <a:rect l="l" t="t" r="r" b="b"/>
-            <a:pathLst>
-              <a:path w="120000" h="120000" extrusionOk="0">
-                <a:moveTo>
-                  <a:pt x="0" y="0"/>
-                </a:moveTo>
-                <a:lnTo>
-                  <a:pt x="120000" y="0"/>
-                </a:lnTo>
-                <a:lnTo>
-                  <a:pt x="120000" y="120000"/>
-                </a:lnTo>
-                <a:lnTo>
-                  <a:pt x="0" y="120000"/>
-                </a:lnTo>
-                <a:close/>
-              </a:path>
-            </a:pathLst>
-          </a:custGeom>
-        </p:spPr>
-      </p:sp>
-      <p:sp>
-        <p:nvSpPr>
-          <p:cNvPr id="373" name="Google Shape;373;g35ed75ccf_022:notes"/>
-          <p:cNvSpPr txBox="1">
-            <a:spLocks noGrp="1"/>
-          </p:cNvSpPr>
-          <p:nvPr>
-            <p:ph type="body" idx="1"/>
-          </p:nvPr>
-        </p:nvSpPr>
-        <p:spPr>
-          <a:xfrm>
-            <a:off x="685800" y="4343400"/>
-            <a:ext cx="5486400" cy="4114800"/>
-          </a:xfrm>
-          <a:prstGeom prst="rect">
-            <a:avLst/>
-          </a:prstGeom>
-        </p:spPr>
-        <p:txBody>
-          <a:bodyPr spcFirstLastPara="1" wrap="square" lIns="91425" tIns="91425" rIns="91425" bIns="91425" anchor="t" anchorCtr="0">
-            <a:noAutofit/>
-          </a:bodyPr>
-          <a:lstStyle/>
-          <a:p>
-            <a:pPr marL="0" lvl="0" indent="0" algn="l" rtl="0">
-              <a:spcBef>
-                <a:spcPts val="0"/>
-              </a:spcBef>
-              <a:spcAft>
-                <a:spcPts val="0"/>
-              </a:spcAft>
-              <a:buNone/>
-            </a:pPr>
-            <a:endParaRPr/>
-          </a:p>
-        </p:txBody>
-      </p:sp>
-    </p:spTree>
-    <p:extLst>
-      <p:ext uri="{BB962C8B-B14F-4D97-AF65-F5344CB8AC3E}">
-        <p14:creationId xmlns:p14="http://schemas.microsoft.com/office/powerpoint/2010/main" val="1449216416"/>
       </p:ext>
     </p:extLst>
   </p:cSld>
@@ -1492,6 +2044,224 @@
     <p:extLst>
       <p:ext uri="{BB962C8B-B14F-4D97-AF65-F5344CB8AC3E}">
         <p14:creationId xmlns:p14="http://schemas.microsoft.com/office/powerpoint/2010/main" val="1065169047"/>
+      </p:ext>
+    </p:extLst>
+  </p:cSld>
+  <p:clrMapOvr>
+    <a:masterClrMapping/>
+  </p:clrMapOvr>
+</p:notes>
+</file>
+
+<file path=ppt/notesSlides/notesSlide20.xml><?xml version="1.0" encoding="utf-8"?>
+<p:notes xmlns:a="http://schemas.openxmlformats.org/drawingml/2006/main" xmlns:r="http://schemas.openxmlformats.org/officeDocument/2006/relationships" xmlns:p="http://schemas.openxmlformats.org/presentationml/2006/main" showMasterSp="0" showMasterPhAnim="0">
+  <p:cSld>
+    <p:spTree>
+      <p:nvGrpSpPr>
+        <p:cNvPr id="1" name="Shape 371"/>
+        <p:cNvGrpSpPr/>
+        <p:nvPr/>
+      </p:nvGrpSpPr>
+      <p:grpSpPr>
+        <a:xfrm>
+          <a:off x="0" y="0"/>
+          <a:ext cx="0" cy="0"/>
+          <a:chOff x="0" y="0"/>
+          <a:chExt cx="0" cy="0"/>
+        </a:xfrm>
+      </p:grpSpPr>
+      <p:sp>
+        <p:nvSpPr>
+          <p:cNvPr id="372" name="Google Shape;372;g35ed75ccf_022:notes"/>
+          <p:cNvSpPr>
+            <a:spLocks noGrp="1" noRot="1" noChangeAspect="1"/>
+          </p:cNvSpPr>
+          <p:nvPr>
+            <p:ph type="sldImg" idx="2"/>
+          </p:nvPr>
+        </p:nvSpPr>
+        <p:spPr>
+          <a:xfrm>
+            <a:off x="1143000" y="685800"/>
+            <a:ext cx="4572000" cy="3429000"/>
+          </a:xfrm>
+          <a:custGeom>
+            <a:avLst/>
+            <a:gdLst/>
+            <a:ahLst/>
+            <a:cxnLst/>
+            <a:rect l="l" t="t" r="r" b="b"/>
+            <a:pathLst>
+              <a:path w="120000" h="120000" extrusionOk="0">
+                <a:moveTo>
+                  <a:pt x="0" y="0"/>
+                </a:moveTo>
+                <a:lnTo>
+                  <a:pt x="120000" y="0"/>
+                </a:lnTo>
+                <a:lnTo>
+                  <a:pt x="120000" y="120000"/>
+                </a:lnTo>
+                <a:lnTo>
+                  <a:pt x="0" y="120000"/>
+                </a:lnTo>
+                <a:close/>
+              </a:path>
+            </a:pathLst>
+          </a:custGeom>
+        </p:spPr>
+      </p:sp>
+      <p:sp>
+        <p:nvSpPr>
+          <p:cNvPr id="373" name="Google Shape;373;g35ed75ccf_022:notes"/>
+          <p:cNvSpPr txBox="1">
+            <a:spLocks noGrp="1"/>
+          </p:cNvSpPr>
+          <p:nvPr>
+            <p:ph type="body" idx="1"/>
+          </p:nvPr>
+        </p:nvSpPr>
+        <p:spPr>
+          <a:xfrm>
+            <a:off x="685800" y="4343400"/>
+            <a:ext cx="5486400" cy="4114800"/>
+          </a:xfrm>
+          <a:prstGeom prst="rect">
+            <a:avLst/>
+          </a:prstGeom>
+        </p:spPr>
+        <p:txBody>
+          <a:bodyPr spcFirstLastPara="1" wrap="square" lIns="91425" tIns="91425" rIns="91425" bIns="91425" anchor="t" anchorCtr="0">
+            <a:noAutofit/>
+          </a:bodyPr>
+          <a:lstStyle/>
+          <a:p>
+            <a:pPr marL="0" lvl="0" indent="0" algn="l" rtl="0">
+              <a:spcBef>
+                <a:spcPts val="0"/>
+              </a:spcBef>
+              <a:spcAft>
+                <a:spcPts val="0"/>
+              </a:spcAft>
+              <a:buNone/>
+            </a:pPr>
+            <a:endParaRPr/>
+          </a:p>
+        </p:txBody>
+      </p:sp>
+    </p:spTree>
+    <p:extLst>
+      <p:ext uri="{BB962C8B-B14F-4D97-AF65-F5344CB8AC3E}">
+        <p14:creationId xmlns:p14="http://schemas.microsoft.com/office/powerpoint/2010/main" val="3651148261"/>
+      </p:ext>
+    </p:extLst>
+  </p:cSld>
+  <p:clrMapOvr>
+    <a:masterClrMapping/>
+  </p:clrMapOvr>
+</p:notes>
+</file>
+
+<file path=ppt/notesSlides/notesSlide21.xml><?xml version="1.0" encoding="utf-8"?>
+<p:notes xmlns:a="http://schemas.openxmlformats.org/drawingml/2006/main" xmlns:r="http://schemas.openxmlformats.org/officeDocument/2006/relationships" xmlns:p="http://schemas.openxmlformats.org/presentationml/2006/main" showMasterSp="0" showMasterPhAnim="0">
+  <p:cSld>
+    <p:spTree>
+      <p:nvGrpSpPr>
+        <p:cNvPr id="1" name="Shape 371"/>
+        <p:cNvGrpSpPr/>
+        <p:nvPr/>
+      </p:nvGrpSpPr>
+      <p:grpSpPr>
+        <a:xfrm>
+          <a:off x="0" y="0"/>
+          <a:ext cx="0" cy="0"/>
+          <a:chOff x="0" y="0"/>
+          <a:chExt cx="0" cy="0"/>
+        </a:xfrm>
+      </p:grpSpPr>
+      <p:sp>
+        <p:nvSpPr>
+          <p:cNvPr id="372" name="Google Shape;372;g35ed75ccf_022:notes"/>
+          <p:cNvSpPr>
+            <a:spLocks noGrp="1" noRot="1" noChangeAspect="1"/>
+          </p:cNvSpPr>
+          <p:nvPr>
+            <p:ph type="sldImg" idx="2"/>
+          </p:nvPr>
+        </p:nvSpPr>
+        <p:spPr>
+          <a:xfrm>
+            <a:off x="1143000" y="685800"/>
+            <a:ext cx="4572000" cy="3429000"/>
+          </a:xfrm>
+          <a:custGeom>
+            <a:avLst/>
+            <a:gdLst/>
+            <a:ahLst/>
+            <a:cxnLst/>
+            <a:rect l="l" t="t" r="r" b="b"/>
+            <a:pathLst>
+              <a:path w="120000" h="120000" extrusionOk="0">
+                <a:moveTo>
+                  <a:pt x="0" y="0"/>
+                </a:moveTo>
+                <a:lnTo>
+                  <a:pt x="120000" y="0"/>
+                </a:lnTo>
+                <a:lnTo>
+                  <a:pt x="120000" y="120000"/>
+                </a:lnTo>
+                <a:lnTo>
+                  <a:pt x="0" y="120000"/>
+                </a:lnTo>
+                <a:close/>
+              </a:path>
+            </a:pathLst>
+          </a:custGeom>
+        </p:spPr>
+      </p:sp>
+      <p:sp>
+        <p:nvSpPr>
+          <p:cNvPr id="373" name="Google Shape;373;g35ed75ccf_022:notes"/>
+          <p:cNvSpPr txBox="1">
+            <a:spLocks noGrp="1"/>
+          </p:cNvSpPr>
+          <p:nvPr>
+            <p:ph type="body" idx="1"/>
+          </p:nvPr>
+        </p:nvSpPr>
+        <p:spPr>
+          <a:xfrm>
+            <a:off x="685800" y="4343400"/>
+            <a:ext cx="5486400" cy="4114800"/>
+          </a:xfrm>
+          <a:prstGeom prst="rect">
+            <a:avLst/>
+          </a:prstGeom>
+        </p:spPr>
+        <p:txBody>
+          <a:bodyPr spcFirstLastPara="1" wrap="square" lIns="91425" tIns="91425" rIns="91425" bIns="91425" anchor="t" anchorCtr="0">
+            <a:noAutofit/>
+          </a:bodyPr>
+          <a:lstStyle/>
+          <a:p>
+            <a:pPr marL="0" lvl="0" indent="0" algn="l" rtl="0">
+              <a:spcBef>
+                <a:spcPts val="0"/>
+              </a:spcBef>
+              <a:spcAft>
+                <a:spcPts val="0"/>
+              </a:spcAft>
+              <a:buNone/>
+            </a:pPr>
+            <a:endParaRPr/>
+          </a:p>
+        </p:txBody>
+      </p:sp>
+    </p:spTree>
+    <p:extLst>
+      <p:ext uri="{BB962C8B-B14F-4D97-AF65-F5344CB8AC3E}">
+        <p14:creationId xmlns:p14="http://schemas.microsoft.com/office/powerpoint/2010/main" val="1449216416"/>
       </p:ext>
     </p:extLst>
   </p:cSld>
@@ -2051,7 +2821,7 @@
   <p:cSld>
     <p:spTree>
       <p:nvGrpSpPr>
-        <p:cNvPr id="1" name="Shape 106"/>
+        <p:cNvPr id="1" name="Shape 100"/>
         <p:cNvGrpSpPr/>
         <p:nvPr/>
       </p:nvGrpSpPr>
@@ -2065,7 +2835,7 @@
       </p:grpSpPr>
       <p:sp>
         <p:nvSpPr>
-          <p:cNvPr id="107" name="Google Shape;107;p:notes"/>
+          <p:cNvPr id="101" name="Google Shape;101;g35f391192_09:notes"/>
           <p:cNvSpPr>
             <a:spLocks noGrp="1" noRot="1" noChangeAspect="1"/>
           </p:cNvSpPr>
@@ -2106,7 +2876,7 @@
       </p:sp>
       <p:sp>
         <p:nvSpPr>
-          <p:cNvPr id="108" name="Google Shape;108;p:notes"/>
+          <p:cNvPr id="102" name="Google Shape;102;g35f391192_09:notes"/>
           <p:cNvSpPr txBox="1">
             <a:spLocks noGrp="1"/>
           </p:cNvSpPr>
@@ -2145,7 +2915,7 @@
     </p:spTree>
     <p:extLst>
       <p:ext uri="{BB962C8B-B14F-4D97-AF65-F5344CB8AC3E}">
-        <p14:creationId xmlns:p14="http://schemas.microsoft.com/office/powerpoint/2010/main" val="2387406001"/>
+        <p14:creationId xmlns:p14="http://schemas.microsoft.com/office/powerpoint/2010/main" val="3754131636"/>
       </p:ext>
     </p:extLst>
   </p:cSld>
@@ -2160,7 +2930,7 @@
   <p:cSld>
     <p:spTree>
       <p:nvGrpSpPr>
-        <p:cNvPr id="1" name="Shape 113"/>
+        <p:cNvPr id="1" name="Shape 100"/>
         <p:cNvGrpSpPr/>
         <p:nvPr/>
       </p:nvGrpSpPr>
@@ -2174,7 +2944,7 @@
       </p:grpSpPr>
       <p:sp>
         <p:nvSpPr>
-          <p:cNvPr id="114" name="Google Shape;114;g35ed75ccf_015:notes"/>
+          <p:cNvPr id="101" name="Google Shape;101;g35f391192_09:notes"/>
           <p:cNvSpPr>
             <a:spLocks noGrp="1" noRot="1" noChangeAspect="1"/>
           </p:cNvSpPr>
@@ -2215,7 +2985,7 @@
       </p:sp>
       <p:sp>
         <p:nvSpPr>
-          <p:cNvPr id="115" name="Google Shape;115;g35ed75ccf_015:notes"/>
+          <p:cNvPr id="102" name="Google Shape;102;g35f391192_09:notes"/>
           <p:cNvSpPr txBox="1">
             <a:spLocks noGrp="1"/>
           </p:cNvSpPr>
@@ -2254,7 +3024,7 @@
     </p:spTree>
     <p:extLst>
       <p:ext uri="{BB962C8B-B14F-4D97-AF65-F5344CB8AC3E}">
-        <p14:creationId xmlns:p14="http://schemas.microsoft.com/office/powerpoint/2010/main" val="788581519"/>
+        <p14:creationId xmlns:p14="http://schemas.microsoft.com/office/powerpoint/2010/main" val="122972929"/>
       </p:ext>
     </p:extLst>
   </p:cSld>
@@ -6749,11 +7519,7 @@
             </a:br>
             <a:r>
               <a:rPr lang="en-US" sz="1600" b="0" dirty="0" smtClean="0"/>
-              <a:t>Assist.Prof </a:t>
-            </a:r>
-            <a:r>
-              <a:rPr lang="en-US" sz="1600" b="0" dirty="0" smtClean="0"/>
-              <a:t>Rafiullah Momand</a:t>
+              <a:t>Assist.Prof Rafiullah Momand</a:t>
             </a:r>
             <a:br>
               <a:rPr lang="en-US" sz="1600" b="0" dirty="0" smtClean="0"/>
@@ -6805,6 +7571,2120 @@
 </file>
 
 <file path=ppt/slides/slide10.xml><?xml version="1.0" encoding="utf-8"?>
+<p:sld xmlns:a="http://schemas.openxmlformats.org/drawingml/2006/main" xmlns:r="http://schemas.openxmlformats.org/officeDocument/2006/relationships" xmlns:p="http://schemas.openxmlformats.org/presentationml/2006/main">
+  <p:cSld>
+    <p:spTree>
+      <p:nvGrpSpPr>
+        <p:cNvPr id="1" name="Shape 103"/>
+        <p:cNvGrpSpPr/>
+        <p:nvPr/>
+      </p:nvGrpSpPr>
+      <p:grpSpPr>
+        <a:xfrm>
+          <a:off x="0" y="0"/>
+          <a:ext cx="0" cy="0"/>
+          <a:chOff x="0" y="0"/>
+          <a:chExt cx="0" cy="0"/>
+        </a:xfrm>
+      </p:grpSpPr>
+      <p:sp>
+        <p:nvSpPr>
+          <p:cNvPr id="104" name="Google Shape;104;p16"/>
+          <p:cNvSpPr txBox="1">
+            <a:spLocks noGrp="1"/>
+          </p:cNvSpPr>
+          <p:nvPr>
+            <p:ph type="body" idx="1"/>
+          </p:nvPr>
+        </p:nvSpPr>
+        <p:spPr>
+          <a:xfrm>
+            <a:off x="1131819" y="1998480"/>
+            <a:ext cx="6713400" cy="1093200"/>
+          </a:xfrm>
+          <a:prstGeom prst="rect">
+            <a:avLst/>
+          </a:prstGeom>
+        </p:spPr>
+        <p:txBody>
+          <a:bodyPr spcFirstLastPara="1" wrap="square" lIns="91425" tIns="91425" rIns="91425" bIns="91425" anchor="t" anchorCtr="0">
+            <a:noAutofit/>
+          </a:bodyPr>
+          <a:lstStyle/>
+          <a:p>
+            <a:pPr marL="0" indent="0">
+              <a:buNone/>
+            </a:pPr>
+            <a:r>
+              <a:rPr lang="en-US" sz="4400" dirty="0" smtClean="0"/>
+              <a:t>Area </a:t>
+            </a:r>
+            <a:r>
+              <a:rPr lang="en-US" sz="4400" dirty="0" smtClean="0"/>
+              <a:t>5</a:t>
+            </a:r>
+            <a:r>
+              <a:rPr lang="en-US" sz="4800" dirty="0" smtClean="0"/>
+              <a:t>: </a:t>
+            </a:r>
+            <a:r>
+              <a:rPr lang="en-US" sz="2400" dirty="0"/>
+              <a:t>Arabic Sign Language Interpreter</a:t>
+            </a:r>
+            <a:endParaRPr lang="en-US" sz="5400" dirty="0"/>
+          </a:p>
+        </p:txBody>
+      </p:sp>
+      <p:sp>
+        <p:nvSpPr>
+          <p:cNvPr id="105" name="Google Shape;105;p16"/>
+          <p:cNvSpPr txBox="1">
+            <a:spLocks noGrp="1"/>
+          </p:cNvSpPr>
+          <p:nvPr>
+            <p:ph type="sldNum" idx="12"/>
+          </p:nvPr>
+        </p:nvSpPr>
+        <p:spPr>
+          <a:xfrm>
+            <a:off x="-87" y="6333125"/>
+            <a:ext cx="9144000" cy="525000"/>
+          </a:xfrm>
+          <a:prstGeom prst="rect">
+            <a:avLst/>
+          </a:prstGeom>
+        </p:spPr>
+        <p:txBody>
+          <a:bodyPr spcFirstLastPara="1" wrap="square" lIns="91425" tIns="91425" rIns="91425" bIns="91425" anchor="t" anchorCtr="0">
+            <a:noAutofit/>
+          </a:bodyPr>
+          <a:lstStyle/>
+          <a:p>
+            <a:pPr marL="0" lvl="0" indent="0" algn="ctr" rtl="0">
+              <a:spcBef>
+                <a:spcPts val="0"/>
+              </a:spcBef>
+              <a:spcAft>
+                <a:spcPts val="0"/>
+              </a:spcAft>
+              <a:buNone/>
+            </a:pPr>
+            <a:fld id="{00000000-1234-1234-1234-123412341234}" type="slidenum">
+              <a:rPr lang="en"/>
+              <a:t>10</a:t>
+            </a:fld>
+            <a:endParaRPr/>
+          </a:p>
+        </p:txBody>
+      </p:sp>
+      <p:sp>
+        <p:nvSpPr>
+          <p:cNvPr id="4" name="Google Shape;104;p16"/>
+          <p:cNvSpPr txBox="1">
+            <a:spLocks/>
+          </p:cNvSpPr>
+          <p:nvPr/>
+        </p:nvSpPr>
+        <p:spPr>
+          <a:xfrm>
+            <a:off x="1131819" y="3184152"/>
+            <a:ext cx="6880188" cy="2860032"/>
+          </a:xfrm>
+          <a:prstGeom prst="rect">
+            <a:avLst/>
+          </a:prstGeom>
+          <a:noFill/>
+          <a:ln>
+            <a:noFill/>
+          </a:ln>
+        </p:spPr>
+        <p:txBody>
+          <a:bodyPr spcFirstLastPara="1" wrap="square" lIns="91425" tIns="91425" rIns="91425" bIns="91425" anchor="t" anchorCtr="0">
+            <a:noAutofit/>
+          </a:bodyPr>
+          <a:lstStyle>
+            <a:defPPr marR="0" lvl="0" algn="l" rtl="0">
+              <a:lnSpc>
+                <a:spcPct val="100000"/>
+              </a:lnSpc>
+              <a:spcBef>
+                <a:spcPts val="0"/>
+              </a:spcBef>
+              <a:spcAft>
+                <a:spcPts val="0"/>
+              </a:spcAft>
+            </a:defPPr>
+            <a:lvl1pPr marL="457200" marR="0" lvl="0" indent="-457200" algn="ctr" rtl="0">
+              <a:lnSpc>
+                <a:spcPct val="100000"/>
+              </a:lnSpc>
+              <a:spcBef>
+                <a:spcPts val="600"/>
+              </a:spcBef>
+              <a:spcAft>
+                <a:spcPts val="0"/>
+              </a:spcAft>
+              <a:buClr>
+                <a:srgbClr val="263238"/>
+              </a:buClr>
+              <a:buSzPts val="3600"/>
+              <a:buFont typeface="Source Sans Pro"/>
+              <a:buChar char="◎"/>
+              <a:defRPr sz="3600" b="0" i="1" u="none" strike="noStrike" cap="none">
+                <a:solidFill>
+                  <a:srgbClr val="263238"/>
+                </a:solidFill>
+                <a:latin typeface="Source Sans Pro"/>
+                <a:ea typeface="Source Sans Pro"/>
+                <a:cs typeface="Source Sans Pro"/>
+                <a:sym typeface="Source Sans Pro"/>
+              </a:defRPr>
+            </a:lvl1pPr>
+            <a:lvl2pPr marL="914400" marR="0" lvl="1" indent="-457200" algn="ctr" rtl="0">
+              <a:lnSpc>
+                <a:spcPct val="100000"/>
+              </a:lnSpc>
+              <a:spcBef>
+                <a:spcPts val="0"/>
+              </a:spcBef>
+              <a:spcAft>
+                <a:spcPts val="0"/>
+              </a:spcAft>
+              <a:buClr>
+                <a:srgbClr val="263238"/>
+              </a:buClr>
+              <a:buSzPts val="3600"/>
+              <a:buFont typeface="Source Sans Pro"/>
+              <a:buChar char="○"/>
+              <a:defRPr sz="3600" b="0" i="1" u="none" strike="noStrike" cap="none">
+                <a:solidFill>
+                  <a:srgbClr val="263238"/>
+                </a:solidFill>
+                <a:latin typeface="Source Sans Pro"/>
+                <a:ea typeface="Source Sans Pro"/>
+                <a:cs typeface="Source Sans Pro"/>
+                <a:sym typeface="Source Sans Pro"/>
+              </a:defRPr>
+            </a:lvl2pPr>
+            <a:lvl3pPr marL="1371600" marR="0" lvl="2" indent="-457200" algn="ctr" rtl="0">
+              <a:lnSpc>
+                <a:spcPct val="100000"/>
+              </a:lnSpc>
+              <a:spcBef>
+                <a:spcPts val="0"/>
+              </a:spcBef>
+              <a:spcAft>
+                <a:spcPts val="0"/>
+              </a:spcAft>
+              <a:buClr>
+                <a:srgbClr val="263238"/>
+              </a:buClr>
+              <a:buSzPts val="3600"/>
+              <a:buFont typeface="Source Sans Pro"/>
+              <a:buChar char="◉"/>
+              <a:defRPr sz="3600" b="0" i="1" u="none" strike="noStrike" cap="none">
+                <a:solidFill>
+                  <a:srgbClr val="263238"/>
+                </a:solidFill>
+                <a:latin typeface="Source Sans Pro"/>
+                <a:ea typeface="Source Sans Pro"/>
+                <a:cs typeface="Source Sans Pro"/>
+                <a:sym typeface="Source Sans Pro"/>
+              </a:defRPr>
+            </a:lvl3pPr>
+            <a:lvl4pPr marL="1828800" marR="0" lvl="3" indent="-457200" algn="ctr" rtl="0">
+              <a:lnSpc>
+                <a:spcPct val="100000"/>
+              </a:lnSpc>
+              <a:spcBef>
+                <a:spcPts val="0"/>
+              </a:spcBef>
+              <a:spcAft>
+                <a:spcPts val="0"/>
+              </a:spcAft>
+              <a:buClr>
+                <a:srgbClr val="263238"/>
+              </a:buClr>
+              <a:buSzPts val="3600"/>
+              <a:buFont typeface="Source Sans Pro"/>
+              <a:buChar char="●"/>
+              <a:defRPr sz="3600" b="0" i="1" u="none" strike="noStrike" cap="none">
+                <a:solidFill>
+                  <a:srgbClr val="263238"/>
+                </a:solidFill>
+                <a:latin typeface="Source Sans Pro"/>
+                <a:ea typeface="Source Sans Pro"/>
+                <a:cs typeface="Source Sans Pro"/>
+                <a:sym typeface="Source Sans Pro"/>
+              </a:defRPr>
+            </a:lvl4pPr>
+            <a:lvl5pPr marL="2286000" marR="0" lvl="4" indent="-457200" algn="ctr" rtl="0">
+              <a:lnSpc>
+                <a:spcPct val="100000"/>
+              </a:lnSpc>
+              <a:spcBef>
+                <a:spcPts val="0"/>
+              </a:spcBef>
+              <a:spcAft>
+                <a:spcPts val="0"/>
+              </a:spcAft>
+              <a:buClr>
+                <a:srgbClr val="263238"/>
+              </a:buClr>
+              <a:buSzPts val="3600"/>
+              <a:buFont typeface="Source Sans Pro"/>
+              <a:buChar char="○"/>
+              <a:defRPr sz="3600" b="0" i="1" u="none" strike="noStrike" cap="none">
+                <a:solidFill>
+                  <a:srgbClr val="263238"/>
+                </a:solidFill>
+                <a:latin typeface="Source Sans Pro"/>
+                <a:ea typeface="Source Sans Pro"/>
+                <a:cs typeface="Source Sans Pro"/>
+                <a:sym typeface="Source Sans Pro"/>
+              </a:defRPr>
+            </a:lvl5pPr>
+            <a:lvl6pPr marL="2743200" marR="0" lvl="5" indent="-457200" algn="ctr" rtl="0">
+              <a:lnSpc>
+                <a:spcPct val="100000"/>
+              </a:lnSpc>
+              <a:spcBef>
+                <a:spcPts val="0"/>
+              </a:spcBef>
+              <a:spcAft>
+                <a:spcPts val="0"/>
+              </a:spcAft>
+              <a:buClr>
+                <a:srgbClr val="263238"/>
+              </a:buClr>
+              <a:buSzPts val="3600"/>
+              <a:buFont typeface="Source Sans Pro"/>
+              <a:buChar char="■"/>
+              <a:defRPr sz="3600" b="0" i="1" u="none" strike="noStrike" cap="none">
+                <a:solidFill>
+                  <a:srgbClr val="263238"/>
+                </a:solidFill>
+                <a:latin typeface="Source Sans Pro"/>
+                <a:ea typeface="Source Sans Pro"/>
+                <a:cs typeface="Source Sans Pro"/>
+                <a:sym typeface="Source Sans Pro"/>
+              </a:defRPr>
+            </a:lvl6pPr>
+            <a:lvl7pPr marL="3200400" marR="0" lvl="6" indent="-457200" algn="ctr" rtl="0">
+              <a:lnSpc>
+                <a:spcPct val="100000"/>
+              </a:lnSpc>
+              <a:spcBef>
+                <a:spcPts val="0"/>
+              </a:spcBef>
+              <a:spcAft>
+                <a:spcPts val="0"/>
+              </a:spcAft>
+              <a:buClr>
+                <a:srgbClr val="263238"/>
+              </a:buClr>
+              <a:buSzPts val="3600"/>
+              <a:buFont typeface="Source Sans Pro"/>
+              <a:buChar char="●"/>
+              <a:defRPr sz="3600" b="0" i="1" u="none" strike="noStrike" cap="none">
+                <a:solidFill>
+                  <a:srgbClr val="263238"/>
+                </a:solidFill>
+                <a:latin typeface="Source Sans Pro"/>
+                <a:ea typeface="Source Sans Pro"/>
+                <a:cs typeface="Source Sans Pro"/>
+                <a:sym typeface="Source Sans Pro"/>
+              </a:defRPr>
+            </a:lvl7pPr>
+            <a:lvl8pPr marL="3657600" marR="0" lvl="7" indent="-457200" algn="ctr" rtl="0">
+              <a:lnSpc>
+                <a:spcPct val="100000"/>
+              </a:lnSpc>
+              <a:spcBef>
+                <a:spcPts val="0"/>
+              </a:spcBef>
+              <a:spcAft>
+                <a:spcPts val="0"/>
+              </a:spcAft>
+              <a:buClr>
+                <a:srgbClr val="263238"/>
+              </a:buClr>
+              <a:buSzPts val="3600"/>
+              <a:buFont typeface="Source Sans Pro"/>
+              <a:buChar char="○"/>
+              <a:defRPr sz="3600" b="0" i="1" u="none" strike="noStrike" cap="none">
+                <a:solidFill>
+                  <a:srgbClr val="263238"/>
+                </a:solidFill>
+                <a:latin typeface="Source Sans Pro"/>
+                <a:ea typeface="Source Sans Pro"/>
+                <a:cs typeface="Source Sans Pro"/>
+                <a:sym typeface="Source Sans Pro"/>
+              </a:defRPr>
+            </a:lvl8pPr>
+            <a:lvl9pPr marL="4114800" marR="0" lvl="8" indent="-457200" algn="ctr" rtl="0">
+              <a:lnSpc>
+                <a:spcPct val="100000"/>
+              </a:lnSpc>
+              <a:spcBef>
+                <a:spcPts val="0"/>
+              </a:spcBef>
+              <a:spcAft>
+                <a:spcPts val="0"/>
+              </a:spcAft>
+              <a:buClr>
+                <a:srgbClr val="263238"/>
+              </a:buClr>
+              <a:buSzPts val="3600"/>
+              <a:buFont typeface="Source Sans Pro"/>
+              <a:buChar char="■"/>
+              <a:defRPr sz="3600" b="0" i="1" u="none" strike="noStrike" cap="none">
+                <a:solidFill>
+                  <a:srgbClr val="263238"/>
+                </a:solidFill>
+                <a:latin typeface="Source Sans Pro"/>
+                <a:ea typeface="Source Sans Pro"/>
+                <a:cs typeface="Source Sans Pro"/>
+                <a:sym typeface="Source Sans Pro"/>
+              </a:defRPr>
+            </a:lvl9pPr>
+          </a:lstStyle>
+          <a:p>
+            <a:pPr marL="0" indent="0">
+              <a:buNone/>
+            </a:pPr>
+            <a:r>
+              <a:rPr lang="en-US" sz="2800" dirty="0" smtClean="0"/>
+              <a:t>Translates Arabic language to Arabic Sign Language. [8] </a:t>
+            </a:r>
+            <a:endParaRPr lang="en-US" sz="2800" dirty="0"/>
+          </a:p>
+        </p:txBody>
+      </p:sp>
+    </p:spTree>
+    <p:extLst>
+      <p:ext uri="{BB962C8B-B14F-4D97-AF65-F5344CB8AC3E}">
+        <p14:creationId xmlns:p14="http://schemas.microsoft.com/office/powerpoint/2010/main" val="3400343848"/>
+      </p:ext>
+    </p:extLst>
+  </p:cSld>
+  <p:clrMapOvr>
+    <a:masterClrMapping/>
+  </p:clrMapOvr>
+</p:sld>
+</file>
+
+<file path=ppt/slides/slide11.xml><?xml version="1.0" encoding="utf-8"?>
+<p:sld xmlns:a="http://schemas.openxmlformats.org/drawingml/2006/main" xmlns:r="http://schemas.openxmlformats.org/officeDocument/2006/relationships" xmlns:p="http://schemas.openxmlformats.org/presentationml/2006/main">
+  <p:cSld>
+    <p:spTree>
+      <p:nvGrpSpPr>
+        <p:cNvPr id="1" name="Shape 103"/>
+        <p:cNvGrpSpPr/>
+        <p:nvPr/>
+      </p:nvGrpSpPr>
+      <p:grpSpPr>
+        <a:xfrm>
+          <a:off x="0" y="0"/>
+          <a:ext cx="0" cy="0"/>
+          <a:chOff x="0" y="0"/>
+          <a:chExt cx="0" cy="0"/>
+        </a:xfrm>
+      </p:grpSpPr>
+      <p:sp>
+        <p:nvSpPr>
+          <p:cNvPr id="104" name="Google Shape;104;p16"/>
+          <p:cNvSpPr txBox="1">
+            <a:spLocks noGrp="1"/>
+          </p:cNvSpPr>
+          <p:nvPr>
+            <p:ph type="body" idx="1"/>
+          </p:nvPr>
+        </p:nvSpPr>
+        <p:spPr>
+          <a:xfrm>
+            <a:off x="1131819" y="1998480"/>
+            <a:ext cx="6713400" cy="1093200"/>
+          </a:xfrm>
+          <a:prstGeom prst="rect">
+            <a:avLst/>
+          </a:prstGeom>
+        </p:spPr>
+        <p:txBody>
+          <a:bodyPr spcFirstLastPara="1" wrap="square" lIns="91425" tIns="91425" rIns="91425" bIns="91425" anchor="t" anchorCtr="0">
+            <a:noAutofit/>
+          </a:bodyPr>
+          <a:lstStyle/>
+          <a:p>
+            <a:pPr marL="0" indent="0">
+              <a:buNone/>
+            </a:pPr>
+            <a:r>
+              <a:rPr lang="en-US" sz="4400" dirty="0" smtClean="0"/>
+              <a:t>Area </a:t>
+            </a:r>
+            <a:r>
+              <a:rPr lang="en-US" sz="4400" dirty="0"/>
+              <a:t>6</a:t>
+            </a:r>
+            <a:r>
+              <a:rPr lang="en-US" sz="4800" dirty="0" smtClean="0"/>
+              <a:t>: </a:t>
+            </a:r>
+            <a:r>
+              <a:rPr lang="en-US" sz="3200" dirty="0"/>
+              <a:t>Scribe4Me</a:t>
+            </a:r>
+          </a:p>
+        </p:txBody>
+      </p:sp>
+      <p:sp>
+        <p:nvSpPr>
+          <p:cNvPr id="105" name="Google Shape;105;p16"/>
+          <p:cNvSpPr txBox="1">
+            <a:spLocks noGrp="1"/>
+          </p:cNvSpPr>
+          <p:nvPr>
+            <p:ph type="sldNum" idx="12"/>
+          </p:nvPr>
+        </p:nvSpPr>
+        <p:spPr>
+          <a:xfrm>
+            <a:off x="-87" y="6333125"/>
+            <a:ext cx="9144000" cy="525000"/>
+          </a:xfrm>
+          <a:prstGeom prst="rect">
+            <a:avLst/>
+          </a:prstGeom>
+        </p:spPr>
+        <p:txBody>
+          <a:bodyPr spcFirstLastPara="1" wrap="square" lIns="91425" tIns="91425" rIns="91425" bIns="91425" anchor="t" anchorCtr="0">
+            <a:noAutofit/>
+          </a:bodyPr>
+          <a:lstStyle/>
+          <a:p>
+            <a:pPr marL="0" lvl="0" indent="0" algn="ctr" rtl="0">
+              <a:spcBef>
+                <a:spcPts val="0"/>
+              </a:spcBef>
+              <a:spcAft>
+                <a:spcPts val="0"/>
+              </a:spcAft>
+              <a:buNone/>
+            </a:pPr>
+            <a:fld id="{00000000-1234-1234-1234-123412341234}" type="slidenum">
+              <a:rPr lang="en"/>
+              <a:t>11</a:t>
+            </a:fld>
+            <a:endParaRPr/>
+          </a:p>
+        </p:txBody>
+      </p:sp>
+      <p:sp>
+        <p:nvSpPr>
+          <p:cNvPr id="4" name="Google Shape;104;p16"/>
+          <p:cNvSpPr txBox="1">
+            <a:spLocks/>
+          </p:cNvSpPr>
+          <p:nvPr/>
+        </p:nvSpPr>
+        <p:spPr>
+          <a:xfrm>
+            <a:off x="1131819" y="3184152"/>
+            <a:ext cx="6880188" cy="2860032"/>
+          </a:xfrm>
+          <a:prstGeom prst="rect">
+            <a:avLst/>
+          </a:prstGeom>
+          <a:noFill/>
+          <a:ln>
+            <a:noFill/>
+          </a:ln>
+        </p:spPr>
+        <p:txBody>
+          <a:bodyPr spcFirstLastPara="1" wrap="square" lIns="91425" tIns="91425" rIns="91425" bIns="91425" anchor="t" anchorCtr="0">
+            <a:noAutofit/>
+          </a:bodyPr>
+          <a:lstStyle>
+            <a:defPPr marR="0" lvl="0" algn="l" rtl="0">
+              <a:lnSpc>
+                <a:spcPct val="100000"/>
+              </a:lnSpc>
+              <a:spcBef>
+                <a:spcPts val="0"/>
+              </a:spcBef>
+              <a:spcAft>
+                <a:spcPts val="0"/>
+              </a:spcAft>
+            </a:defPPr>
+            <a:lvl1pPr marL="457200" marR="0" lvl="0" indent="-457200" algn="ctr" rtl="0">
+              <a:lnSpc>
+                <a:spcPct val="100000"/>
+              </a:lnSpc>
+              <a:spcBef>
+                <a:spcPts val="600"/>
+              </a:spcBef>
+              <a:spcAft>
+                <a:spcPts val="0"/>
+              </a:spcAft>
+              <a:buClr>
+                <a:srgbClr val="263238"/>
+              </a:buClr>
+              <a:buSzPts val="3600"/>
+              <a:buFont typeface="Source Sans Pro"/>
+              <a:buChar char="◎"/>
+              <a:defRPr sz="3600" b="0" i="1" u="none" strike="noStrike" cap="none">
+                <a:solidFill>
+                  <a:srgbClr val="263238"/>
+                </a:solidFill>
+                <a:latin typeface="Source Sans Pro"/>
+                <a:ea typeface="Source Sans Pro"/>
+                <a:cs typeface="Source Sans Pro"/>
+                <a:sym typeface="Source Sans Pro"/>
+              </a:defRPr>
+            </a:lvl1pPr>
+            <a:lvl2pPr marL="914400" marR="0" lvl="1" indent="-457200" algn="ctr" rtl="0">
+              <a:lnSpc>
+                <a:spcPct val="100000"/>
+              </a:lnSpc>
+              <a:spcBef>
+                <a:spcPts val="0"/>
+              </a:spcBef>
+              <a:spcAft>
+                <a:spcPts val="0"/>
+              </a:spcAft>
+              <a:buClr>
+                <a:srgbClr val="263238"/>
+              </a:buClr>
+              <a:buSzPts val="3600"/>
+              <a:buFont typeface="Source Sans Pro"/>
+              <a:buChar char="○"/>
+              <a:defRPr sz="3600" b="0" i="1" u="none" strike="noStrike" cap="none">
+                <a:solidFill>
+                  <a:srgbClr val="263238"/>
+                </a:solidFill>
+                <a:latin typeface="Source Sans Pro"/>
+                <a:ea typeface="Source Sans Pro"/>
+                <a:cs typeface="Source Sans Pro"/>
+                <a:sym typeface="Source Sans Pro"/>
+              </a:defRPr>
+            </a:lvl2pPr>
+            <a:lvl3pPr marL="1371600" marR="0" lvl="2" indent="-457200" algn="ctr" rtl="0">
+              <a:lnSpc>
+                <a:spcPct val="100000"/>
+              </a:lnSpc>
+              <a:spcBef>
+                <a:spcPts val="0"/>
+              </a:spcBef>
+              <a:spcAft>
+                <a:spcPts val="0"/>
+              </a:spcAft>
+              <a:buClr>
+                <a:srgbClr val="263238"/>
+              </a:buClr>
+              <a:buSzPts val="3600"/>
+              <a:buFont typeface="Source Sans Pro"/>
+              <a:buChar char="◉"/>
+              <a:defRPr sz="3600" b="0" i="1" u="none" strike="noStrike" cap="none">
+                <a:solidFill>
+                  <a:srgbClr val="263238"/>
+                </a:solidFill>
+                <a:latin typeface="Source Sans Pro"/>
+                <a:ea typeface="Source Sans Pro"/>
+                <a:cs typeface="Source Sans Pro"/>
+                <a:sym typeface="Source Sans Pro"/>
+              </a:defRPr>
+            </a:lvl3pPr>
+            <a:lvl4pPr marL="1828800" marR="0" lvl="3" indent="-457200" algn="ctr" rtl="0">
+              <a:lnSpc>
+                <a:spcPct val="100000"/>
+              </a:lnSpc>
+              <a:spcBef>
+                <a:spcPts val="0"/>
+              </a:spcBef>
+              <a:spcAft>
+                <a:spcPts val="0"/>
+              </a:spcAft>
+              <a:buClr>
+                <a:srgbClr val="263238"/>
+              </a:buClr>
+              <a:buSzPts val="3600"/>
+              <a:buFont typeface="Source Sans Pro"/>
+              <a:buChar char="●"/>
+              <a:defRPr sz="3600" b="0" i="1" u="none" strike="noStrike" cap="none">
+                <a:solidFill>
+                  <a:srgbClr val="263238"/>
+                </a:solidFill>
+                <a:latin typeface="Source Sans Pro"/>
+                <a:ea typeface="Source Sans Pro"/>
+                <a:cs typeface="Source Sans Pro"/>
+                <a:sym typeface="Source Sans Pro"/>
+              </a:defRPr>
+            </a:lvl4pPr>
+            <a:lvl5pPr marL="2286000" marR="0" lvl="4" indent="-457200" algn="ctr" rtl="0">
+              <a:lnSpc>
+                <a:spcPct val="100000"/>
+              </a:lnSpc>
+              <a:spcBef>
+                <a:spcPts val="0"/>
+              </a:spcBef>
+              <a:spcAft>
+                <a:spcPts val="0"/>
+              </a:spcAft>
+              <a:buClr>
+                <a:srgbClr val="263238"/>
+              </a:buClr>
+              <a:buSzPts val="3600"/>
+              <a:buFont typeface="Source Sans Pro"/>
+              <a:buChar char="○"/>
+              <a:defRPr sz="3600" b="0" i="1" u="none" strike="noStrike" cap="none">
+                <a:solidFill>
+                  <a:srgbClr val="263238"/>
+                </a:solidFill>
+                <a:latin typeface="Source Sans Pro"/>
+                <a:ea typeface="Source Sans Pro"/>
+                <a:cs typeface="Source Sans Pro"/>
+                <a:sym typeface="Source Sans Pro"/>
+              </a:defRPr>
+            </a:lvl5pPr>
+            <a:lvl6pPr marL="2743200" marR="0" lvl="5" indent="-457200" algn="ctr" rtl="0">
+              <a:lnSpc>
+                <a:spcPct val="100000"/>
+              </a:lnSpc>
+              <a:spcBef>
+                <a:spcPts val="0"/>
+              </a:spcBef>
+              <a:spcAft>
+                <a:spcPts val="0"/>
+              </a:spcAft>
+              <a:buClr>
+                <a:srgbClr val="263238"/>
+              </a:buClr>
+              <a:buSzPts val="3600"/>
+              <a:buFont typeface="Source Sans Pro"/>
+              <a:buChar char="■"/>
+              <a:defRPr sz="3600" b="0" i="1" u="none" strike="noStrike" cap="none">
+                <a:solidFill>
+                  <a:srgbClr val="263238"/>
+                </a:solidFill>
+                <a:latin typeface="Source Sans Pro"/>
+                <a:ea typeface="Source Sans Pro"/>
+                <a:cs typeface="Source Sans Pro"/>
+                <a:sym typeface="Source Sans Pro"/>
+              </a:defRPr>
+            </a:lvl6pPr>
+            <a:lvl7pPr marL="3200400" marR="0" lvl="6" indent="-457200" algn="ctr" rtl="0">
+              <a:lnSpc>
+                <a:spcPct val="100000"/>
+              </a:lnSpc>
+              <a:spcBef>
+                <a:spcPts val="0"/>
+              </a:spcBef>
+              <a:spcAft>
+                <a:spcPts val="0"/>
+              </a:spcAft>
+              <a:buClr>
+                <a:srgbClr val="263238"/>
+              </a:buClr>
+              <a:buSzPts val="3600"/>
+              <a:buFont typeface="Source Sans Pro"/>
+              <a:buChar char="●"/>
+              <a:defRPr sz="3600" b="0" i="1" u="none" strike="noStrike" cap="none">
+                <a:solidFill>
+                  <a:srgbClr val="263238"/>
+                </a:solidFill>
+                <a:latin typeface="Source Sans Pro"/>
+                <a:ea typeface="Source Sans Pro"/>
+                <a:cs typeface="Source Sans Pro"/>
+                <a:sym typeface="Source Sans Pro"/>
+              </a:defRPr>
+            </a:lvl7pPr>
+            <a:lvl8pPr marL="3657600" marR="0" lvl="7" indent="-457200" algn="ctr" rtl="0">
+              <a:lnSpc>
+                <a:spcPct val="100000"/>
+              </a:lnSpc>
+              <a:spcBef>
+                <a:spcPts val="0"/>
+              </a:spcBef>
+              <a:spcAft>
+                <a:spcPts val="0"/>
+              </a:spcAft>
+              <a:buClr>
+                <a:srgbClr val="263238"/>
+              </a:buClr>
+              <a:buSzPts val="3600"/>
+              <a:buFont typeface="Source Sans Pro"/>
+              <a:buChar char="○"/>
+              <a:defRPr sz="3600" b="0" i="1" u="none" strike="noStrike" cap="none">
+                <a:solidFill>
+                  <a:srgbClr val="263238"/>
+                </a:solidFill>
+                <a:latin typeface="Source Sans Pro"/>
+                <a:ea typeface="Source Sans Pro"/>
+                <a:cs typeface="Source Sans Pro"/>
+                <a:sym typeface="Source Sans Pro"/>
+              </a:defRPr>
+            </a:lvl8pPr>
+            <a:lvl9pPr marL="4114800" marR="0" lvl="8" indent="-457200" algn="ctr" rtl="0">
+              <a:lnSpc>
+                <a:spcPct val="100000"/>
+              </a:lnSpc>
+              <a:spcBef>
+                <a:spcPts val="0"/>
+              </a:spcBef>
+              <a:spcAft>
+                <a:spcPts val="0"/>
+              </a:spcAft>
+              <a:buClr>
+                <a:srgbClr val="263238"/>
+              </a:buClr>
+              <a:buSzPts val="3600"/>
+              <a:buFont typeface="Source Sans Pro"/>
+              <a:buChar char="■"/>
+              <a:defRPr sz="3600" b="0" i="1" u="none" strike="noStrike" cap="none">
+                <a:solidFill>
+                  <a:srgbClr val="263238"/>
+                </a:solidFill>
+                <a:latin typeface="Source Sans Pro"/>
+                <a:ea typeface="Source Sans Pro"/>
+                <a:cs typeface="Source Sans Pro"/>
+                <a:sym typeface="Source Sans Pro"/>
+              </a:defRPr>
+            </a:lvl9pPr>
+          </a:lstStyle>
+          <a:p>
+            <a:pPr marL="0" indent="0">
+              <a:buNone/>
+            </a:pPr>
+            <a:r>
+              <a:rPr lang="en-US" sz="2800" dirty="0"/>
+              <a:t>When a user presses a button on her Scribe4Me PDA, the last 30 seconds of sound is uploaded, transcribed and sent back to her as a text message. </a:t>
+            </a:r>
+            <a:r>
+              <a:rPr lang="en-US" sz="2800" dirty="0" smtClean="0"/>
+              <a:t>[9]</a:t>
+            </a:r>
+            <a:endParaRPr lang="en-US" sz="2800" dirty="0"/>
+          </a:p>
+        </p:txBody>
+      </p:sp>
+    </p:spTree>
+    <p:extLst>
+      <p:ext uri="{BB962C8B-B14F-4D97-AF65-F5344CB8AC3E}">
+        <p14:creationId xmlns:p14="http://schemas.microsoft.com/office/powerpoint/2010/main" val="2125594299"/>
+      </p:ext>
+    </p:extLst>
+  </p:cSld>
+  <p:clrMapOvr>
+    <a:masterClrMapping/>
+  </p:clrMapOvr>
+</p:sld>
+</file>
+
+<file path=ppt/slides/slide12.xml><?xml version="1.0" encoding="utf-8"?>
+<p:sld xmlns:a="http://schemas.openxmlformats.org/drawingml/2006/main" xmlns:r="http://schemas.openxmlformats.org/officeDocument/2006/relationships" xmlns:p="http://schemas.openxmlformats.org/presentationml/2006/main">
+  <p:cSld>
+    <p:spTree>
+      <p:nvGrpSpPr>
+        <p:cNvPr id="1" name="Shape 103"/>
+        <p:cNvGrpSpPr/>
+        <p:nvPr/>
+      </p:nvGrpSpPr>
+      <p:grpSpPr>
+        <a:xfrm>
+          <a:off x="0" y="0"/>
+          <a:ext cx="0" cy="0"/>
+          <a:chOff x="0" y="0"/>
+          <a:chExt cx="0" cy="0"/>
+        </a:xfrm>
+      </p:grpSpPr>
+      <p:sp>
+        <p:nvSpPr>
+          <p:cNvPr id="104" name="Google Shape;104;p16"/>
+          <p:cNvSpPr txBox="1">
+            <a:spLocks noGrp="1"/>
+          </p:cNvSpPr>
+          <p:nvPr>
+            <p:ph type="body" idx="1"/>
+          </p:nvPr>
+        </p:nvSpPr>
+        <p:spPr>
+          <a:xfrm>
+            <a:off x="958082" y="1495560"/>
+            <a:ext cx="7737861" cy="1185672"/>
+          </a:xfrm>
+          <a:prstGeom prst="rect">
+            <a:avLst/>
+          </a:prstGeom>
+        </p:spPr>
+        <p:txBody>
+          <a:bodyPr spcFirstLastPara="1" wrap="square" lIns="91425" tIns="91425" rIns="91425" bIns="91425" anchor="t" anchorCtr="0">
+            <a:noAutofit/>
+          </a:bodyPr>
+          <a:lstStyle/>
+          <a:p>
+            <a:pPr marL="0" indent="0">
+              <a:buNone/>
+            </a:pPr>
+            <a:r>
+              <a:rPr lang="en-US" sz="4400" dirty="0" smtClean="0"/>
+              <a:t>Area </a:t>
+            </a:r>
+            <a:r>
+              <a:rPr lang="en-US" sz="4400" dirty="0" smtClean="0"/>
+              <a:t>7</a:t>
+            </a:r>
+            <a:r>
+              <a:rPr lang="en-US" sz="4800" dirty="0" smtClean="0"/>
+              <a:t>: </a:t>
+            </a:r>
+            <a:r>
+              <a:rPr lang="en-US" sz="2000" dirty="0"/>
+              <a:t>A Spanish speech to sign language translation system for assisting Deaf-Mute People</a:t>
+            </a:r>
+          </a:p>
+        </p:txBody>
+      </p:sp>
+      <p:sp>
+        <p:nvSpPr>
+          <p:cNvPr id="105" name="Google Shape;105;p16"/>
+          <p:cNvSpPr txBox="1">
+            <a:spLocks noGrp="1"/>
+          </p:cNvSpPr>
+          <p:nvPr>
+            <p:ph type="sldNum" idx="12"/>
+          </p:nvPr>
+        </p:nvSpPr>
+        <p:spPr>
+          <a:xfrm>
+            <a:off x="-87" y="6333125"/>
+            <a:ext cx="9144000" cy="525000"/>
+          </a:xfrm>
+          <a:prstGeom prst="rect">
+            <a:avLst/>
+          </a:prstGeom>
+        </p:spPr>
+        <p:txBody>
+          <a:bodyPr spcFirstLastPara="1" wrap="square" lIns="91425" tIns="91425" rIns="91425" bIns="91425" anchor="t" anchorCtr="0">
+            <a:noAutofit/>
+          </a:bodyPr>
+          <a:lstStyle/>
+          <a:p>
+            <a:pPr marL="0" lvl="0" indent="0" algn="ctr" rtl="0">
+              <a:spcBef>
+                <a:spcPts val="0"/>
+              </a:spcBef>
+              <a:spcAft>
+                <a:spcPts val="0"/>
+              </a:spcAft>
+              <a:buNone/>
+            </a:pPr>
+            <a:fld id="{00000000-1234-1234-1234-123412341234}" type="slidenum">
+              <a:rPr lang="en"/>
+              <a:t>12</a:t>
+            </a:fld>
+            <a:endParaRPr/>
+          </a:p>
+        </p:txBody>
+      </p:sp>
+      <p:sp>
+        <p:nvSpPr>
+          <p:cNvPr id="4" name="Google Shape;104;p16"/>
+          <p:cNvSpPr txBox="1">
+            <a:spLocks/>
+          </p:cNvSpPr>
+          <p:nvPr/>
+        </p:nvSpPr>
+        <p:spPr>
+          <a:xfrm>
+            <a:off x="1131819" y="3184152"/>
+            <a:ext cx="6880188" cy="2860032"/>
+          </a:xfrm>
+          <a:prstGeom prst="rect">
+            <a:avLst/>
+          </a:prstGeom>
+          <a:noFill/>
+          <a:ln>
+            <a:noFill/>
+          </a:ln>
+        </p:spPr>
+        <p:txBody>
+          <a:bodyPr spcFirstLastPara="1" wrap="square" lIns="91425" tIns="91425" rIns="91425" bIns="91425" anchor="t" anchorCtr="0">
+            <a:noAutofit/>
+          </a:bodyPr>
+          <a:lstStyle>
+            <a:defPPr marR="0" lvl="0" algn="l" rtl="0">
+              <a:lnSpc>
+                <a:spcPct val="100000"/>
+              </a:lnSpc>
+              <a:spcBef>
+                <a:spcPts val="0"/>
+              </a:spcBef>
+              <a:spcAft>
+                <a:spcPts val="0"/>
+              </a:spcAft>
+            </a:defPPr>
+            <a:lvl1pPr marL="457200" marR="0" lvl="0" indent="-457200" algn="ctr" rtl="0">
+              <a:lnSpc>
+                <a:spcPct val="100000"/>
+              </a:lnSpc>
+              <a:spcBef>
+                <a:spcPts val="600"/>
+              </a:spcBef>
+              <a:spcAft>
+                <a:spcPts val="0"/>
+              </a:spcAft>
+              <a:buClr>
+                <a:srgbClr val="263238"/>
+              </a:buClr>
+              <a:buSzPts val="3600"/>
+              <a:buFont typeface="Source Sans Pro"/>
+              <a:buChar char="◎"/>
+              <a:defRPr sz="3600" b="0" i="1" u="none" strike="noStrike" cap="none">
+                <a:solidFill>
+                  <a:srgbClr val="263238"/>
+                </a:solidFill>
+                <a:latin typeface="Source Sans Pro"/>
+                <a:ea typeface="Source Sans Pro"/>
+                <a:cs typeface="Source Sans Pro"/>
+                <a:sym typeface="Source Sans Pro"/>
+              </a:defRPr>
+            </a:lvl1pPr>
+            <a:lvl2pPr marL="914400" marR="0" lvl="1" indent="-457200" algn="ctr" rtl="0">
+              <a:lnSpc>
+                <a:spcPct val="100000"/>
+              </a:lnSpc>
+              <a:spcBef>
+                <a:spcPts val="0"/>
+              </a:spcBef>
+              <a:spcAft>
+                <a:spcPts val="0"/>
+              </a:spcAft>
+              <a:buClr>
+                <a:srgbClr val="263238"/>
+              </a:buClr>
+              <a:buSzPts val="3600"/>
+              <a:buFont typeface="Source Sans Pro"/>
+              <a:buChar char="○"/>
+              <a:defRPr sz="3600" b="0" i="1" u="none" strike="noStrike" cap="none">
+                <a:solidFill>
+                  <a:srgbClr val="263238"/>
+                </a:solidFill>
+                <a:latin typeface="Source Sans Pro"/>
+                <a:ea typeface="Source Sans Pro"/>
+                <a:cs typeface="Source Sans Pro"/>
+                <a:sym typeface="Source Sans Pro"/>
+              </a:defRPr>
+            </a:lvl2pPr>
+            <a:lvl3pPr marL="1371600" marR="0" lvl="2" indent="-457200" algn="ctr" rtl="0">
+              <a:lnSpc>
+                <a:spcPct val="100000"/>
+              </a:lnSpc>
+              <a:spcBef>
+                <a:spcPts val="0"/>
+              </a:spcBef>
+              <a:spcAft>
+                <a:spcPts val="0"/>
+              </a:spcAft>
+              <a:buClr>
+                <a:srgbClr val="263238"/>
+              </a:buClr>
+              <a:buSzPts val="3600"/>
+              <a:buFont typeface="Source Sans Pro"/>
+              <a:buChar char="◉"/>
+              <a:defRPr sz="3600" b="0" i="1" u="none" strike="noStrike" cap="none">
+                <a:solidFill>
+                  <a:srgbClr val="263238"/>
+                </a:solidFill>
+                <a:latin typeface="Source Sans Pro"/>
+                <a:ea typeface="Source Sans Pro"/>
+                <a:cs typeface="Source Sans Pro"/>
+                <a:sym typeface="Source Sans Pro"/>
+              </a:defRPr>
+            </a:lvl3pPr>
+            <a:lvl4pPr marL="1828800" marR="0" lvl="3" indent="-457200" algn="ctr" rtl="0">
+              <a:lnSpc>
+                <a:spcPct val="100000"/>
+              </a:lnSpc>
+              <a:spcBef>
+                <a:spcPts val="0"/>
+              </a:spcBef>
+              <a:spcAft>
+                <a:spcPts val="0"/>
+              </a:spcAft>
+              <a:buClr>
+                <a:srgbClr val="263238"/>
+              </a:buClr>
+              <a:buSzPts val="3600"/>
+              <a:buFont typeface="Source Sans Pro"/>
+              <a:buChar char="●"/>
+              <a:defRPr sz="3600" b="0" i="1" u="none" strike="noStrike" cap="none">
+                <a:solidFill>
+                  <a:srgbClr val="263238"/>
+                </a:solidFill>
+                <a:latin typeface="Source Sans Pro"/>
+                <a:ea typeface="Source Sans Pro"/>
+                <a:cs typeface="Source Sans Pro"/>
+                <a:sym typeface="Source Sans Pro"/>
+              </a:defRPr>
+            </a:lvl4pPr>
+            <a:lvl5pPr marL="2286000" marR="0" lvl="4" indent="-457200" algn="ctr" rtl="0">
+              <a:lnSpc>
+                <a:spcPct val="100000"/>
+              </a:lnSpc>
+              <a:spcBef>
+                <a:spcPts val="0"/>
+              </a:spcBef>
+              <a:spcAft>
+                <a:spcPts val="0"/>
+              </a:spcAft>
+              <a:buClr>
+                <a:srgbClr val="263238"/>
+              </a:buClr>
+              <a:buSzPts val="3600"/>
+              <a:buFont typeface="Source Sans Pro"/>
+              <a:buChar char="○"/>
+              <a:defRPr sz="3600" b="0" i="1" u="none" strike="noStrike" cap="none">
+                <a:solidFill>
+                  <a:srgbClr val="263238"/>
+                </a:solidFill>
+                <a:latin typeface="Source Sans Pro"/>
+                <a:ea typeface="Source Sans Pro"/>
+                <a:cs typeface="Source Sans Pro"/>
+                <a:sym typeface="Source Sans Pro"/>
+              </a:defRPr>
+            </a:lvl5pPr>
+            <a:lvl6pPr marL="2743200" marR="0" lvl="5" indent="-457200" algn="ctr" rtl="0">
+              <a:lnSpc>
+                <a:spcPct val="100000"/>
+              </a:lnSpc>
+              <a:spcBef>
+                <a:spcPts val="0"/>
+              </a:spcBef>
+              <a:spcAft>
+                <a:spcPts val="0"/>
+              </a:spcAft>
+              <a:buClr>
+                <a:srgbClr val="263238"/>
+              </a:buClr>
+              <a:buSzPts val="3600"/>
+              <a:buFont typeface="Source Sans Pro"/>
+              <a:buChar char="■"/>
+              <a:defRPr sz="3600" b="0" i="1" u="none" strike="noStrike" cap="none">
+                <a:solidFill>
+                  <a:srgbClr val="263238"/>
+                </a:solidFill>
+                <a:latin typeface="Source Sans Pro"/>
+                <a:ea typeface="Source Sans Pro"/>
+                <a:cs typeface="Source Sans Pro"/>
+                <a:sym typeface="Source Sans Pro"/>
+              </a:defRPr>
+            </a:lvl6pPr>
+            <a:lvl7pPr marL="3200400" marR="0" lvl="6" indent="-457200" algn="ctr" rtl="0">
+              <a:lnSpc>
+                <a:spcPct val="100000"/>
+              </a:lnSpc>
+              <a:spcBef>
+                <a:spcPts val="0"/>
+              </a:spcBef>
+              <a:spcAft>
+                <a:spcPts val="0"/>
+              </a:spcAft>
+              <a:buClr>
+                <a:srgbClr val="263238"/>
+              </a:buClr>
+              <a:buSzPts val="3600"/>
+              <a:buFont typeface="Source Sans Pro"/>
+              <a:buChar char="●"/>
+              <a:defRPr sz="3600" b="0" i="1" u="none" strike="noStrike" cap="none">
+                <a:solidFill>
+                  <a:srgbClr val="263238"/>
+                </a:solidFill>
+                <a:latin typeface="Source Sans Pro"/>
+                <a:ea typeface="Source Sans Pro"/>
+                <a:cs typeface="Source Sans Pro"/>
+                <a:sym typeface="Source Sans Pro"/>
+              </a:defRPr>
+            </a:lvl7pPr>
+            <a:lvl8pPr marL="3657600" marR="0" lvl="7" indent="-457200" algn="ctr" rtl="0">
+              <a:lnSpc>
+                <a:spcPct val="100000"/>
+              </a:lnSpc>
+              <a:spcBef>
+                <a:spcPts val="0"/>
+              </a:spcBef>
+              <a:spcAft>
+                <a:spcPts val="0"/>
+              </a:spcAft>
+              <a:buClr>
+                <a:srgbClr val="263238"/>
+              </a:buClr>
+              <a:buSzPts val="3600"/>
+              <a:buFont typeface="Source Sans Pro"/>
+              <a:buChar char="○"/>
+              <a:defRPr sz="3600" b="0" i="1" u="none" strike="noStrike" cap="none">
+                <a:solidFill>
+                  <a:srgbClr val="263238"/>
+                </a:solidFill>
+                <a:latin typeface="Source Sans Pro"/>
+                <a:ea typeface="Source Sans Pro"/>
+                <a:cs typeface="Source Sans Pro"/>
+                <a:sym typeface="Source Sans Pro"/>
+              </a:defRPr>
+            </a:lvl8pPr>
+            <a:lvl9pPr marL="4114800" marR="0" lvl="8" indent="-457200" algn="ctr" rtl="0">
+              <a:lnSpc>
+                <a:spcPct val="100000"/>
+              </a:lnSpc>
+              <a:spcBef>
+                <a:spcPts val="0"/>
+              </a:spcBef>
+              <a:spcAft>
+                <a:spcPts val="0"/>
+              </a:spcAft>
+              <a:buClr>
+                <a:srgbClr val="263238"/>
+              </a:buClr>
+              <a:buSzPts val="3600"/>
+              <a:buFont typeface="Source Sans Pro"/>
+              <a:buChar char="■"/>
+              <a:defRPr sz="3600" b="0" i="1" u="none" strike="noStrike" cap="none">
+                <a:solidFill>
+                  <a:srgbClr val="263238"/>
+                </a:solidFill>
+                <a:latin typeface="Source Sans Pro"/>
+                <a:ea typeface="Source Sans Pro"/>
+                <a:cs typeface="Source Sans Pro"/>
+                <a:sym typeface="Source Sans Pro"/>
+              </a:defRPr>
+            </a:lvl9pPr>
+          </a:lstStyle>
+          <a:p>
+            <a:pPr marL="0" indent="0">
+              <a:buNone/>
+            </a:pPr>
+            <a:r>
+              <a:rPr lang="en-US" sz="2000" dirty="0"/>
+              <a:t>This system translates officer explanations into sign language for deaf-mute people. The translation system is composed by a speech recognizer (for decoding the spoken utterance into a word sequence), a natural language translator (for converting a word sequence into a sequence of gestures belonging to the sign language), and a 3D avatar animation </a:t>
+            </a:r>
+            <a:r>
+              <a:rPr lang="en-US" sz="2000" dirty="0" smtClean="0"/>
+              <a:t>module. [10]</a:t>
+            </a:r>
+            <a:endParaRPr lang="en-US" sz="2000" dirty="0"/>
+          </a:p>
+        </p:txBody>
+      </p:sp>
+    </p:spTree>
+    <p:extLst>
+      <p:ext uri="{BB962C8B-B14F-4D97-AF65-F5344CB8AC3E}">
+        <p14:creationId xmlns:p14="http://schemas.microsoft.com/office/powerpoint/2010/main" val="1916904709"/>
+      </p:ext>
+    </p:extLst>
+  </p:cSld>
+  <p:clrMapOvr>
+    <a:masterClrMapping/>
+  </p:clrMapOvr>
+</p:sld>
+</file>
+
+<file path=ppt/slides/slide13.xml><?xml version="1.0" encoding="utf-8"?>
+<p:sld xmlns:a="http://schemas.openxmlformats.org/drawingml/2006/main" xmlns:r="http://schemas.openxmlformats.org/officeDocument/2006/relationships" xmlns:p="http://schemas.openxmlformats.org/presentationml/2006/main">
+  <p:cSld>
+    <p:spTree>
+      <p:nvGrpSpPr>
+        <p:cNvPr id="1" name="Shape 103"/>
+        <p:cNvGrpSpPr/>
+        <p:nvPr/>
+      </p:nvGrpSpPr>
+      <p:grpSpPr>
+        <a:xfrm>
+          <a:off x="0" y="0"/>
+          <a:ext cx="0" cy="0"/>
+          <a:chOff x="0" y="0"/>
+          <a:chExt cx="0" cy="0"/>
+        </a:xfrm>
+      </p:grpSpPr>
+      <p:sp>
+        <p:nvSpPr>
+          <p:cNvPr id="104" name="Google Shape;104;p16"/>
+          <p:cNvSpPr txBox="1">
+            <a:spLocks noGrp="1"/>
+          </p:cNvSpPr>
+          <p:nvPr>
+            <p:ph type="body" idx="1"/>
+          </p:nvPr>
+        </p:nvSpPr>
+        <p:spPr>
+          <a:xfrm>
+            <a:off x="958082" y="1495560"/>
+            <a:ext cx="7737861" cy="1185672"/>
+          </a:xfrm>
+          <a:prstGeom prst="rect">
+            <a:avLst/>
+          </a:prstGeom>
+        </p:spPr>
+        <p:txBody>
+          <a:bodyPr spcFirstLastPara="1" wrap="square" lIns="91425" tIns="91425" rIns="91425" bIns="91425" anchor="t" anchorCtr="0">
+            <a:noAutofit/>
+          </a:bodyPr>
+          <a:lstStyle/>
+          <a:p>
+            <a:pPr marL="0" indent="0">
+              <a:buNone/>
+            </a:pPr>
+            <a:r>
+              <a:rPr lang="en-US" sz="4400" dirty="0" smtClean="0"/>
+              <a:t>Area </a:t>
+            </a:r>
+            <a:r>
+              <a:rPr lang="en-US" sz="4400" dirty="0"/>
+              <a:t>8</a:t>
+            </a:r>
+            <a:r>
+              <a:rPr lang="en-US" sz="4800" dirty="0" smtClean="0"/>
+              <a:t>: </a:t>
+            </a:r>
+            <a:r>
+              <a:rPr lang="en-US" dirty="0"/>
+              <a:t>ATLAS</a:t>
+            </a:r>
+          </a:p>
+          <a:p>
+            <a:pPr marL="0" indent="0">
+              <a:buNone/>
+            </a:pPr>
+            <a:endParaRPr lang="en-US" sz="2000" dirty="0"/>
+          </a:p>
+        </p:txBody>
+      </p:sp>
+      <p:sp>
+        <p:nvSpPr>
+          <p:cNvPr id="105" name="Google Shape;105;p16"/>
+          <p:cNvSpPr txBox="1">
+            <a:spLocks noGrp="1"/>
+          </p:cNvSpPr>
+          <p:nvPr>
+            <p:ph type="sldNum" idx="12"/>
+          </p:nvPr>
+        </p:nvSpPr>
+        <p:spPr>
+          <a:xfrm>
+            <a:off x="-87" y="6333125"/>
+            <a:ext cx="9144000" cy="525000"/>
+          </a:xfrm>
+          <a:prstGeom prst="rect">
+            <a:avLst/>
+          </a:prstGeom>
+        </p:spPr>
+        <p:txBody>
+          <a:bodyPr spcFirstLastPara="1" wrap="square" lIns="91425" tIns="91425" rIns="91425" bIns="91425" anchor="t" anchorCtr="0">
+            <a:noAutofit/>
+          </a:bodyPr>
+          <a:lstStyle/>
+          <a:p>
+            <a:pPr marL="0" lvl="0" indent="0" algn="ctr" rtl="0">
+              <a:spcBef>
+                <a:spcPts val="0"/>
+              </a:spcBef>
+              <a:spcAft>
+                <a:spcPts val="0"/>
+              </a:spcAft>
+              <a:buNone/>
+            </a:pPr>
+            <a:fld id="{00000000-1234-1234-1234-123412341234}" type="slidenum">
+              <a:rPr lang="en"/>
+              <a:t>13</a:t>
+            </a:fld>
+            <a:endParaRPr/>
+          </a:p>
+        </p:txBody>
+      </p:sp>
+      <p:sp>
+        <p:nvSpPr>
+          <p:cNvPr id="4" name="Google Shape;104;p16"/>
+          <p:cNvSpPr txBox="1">
+            <a:spLocks/>
+          </p:cNvSpPr>
+          <p:nvPr/>
+        </p:nvSpPr>
+        <p:spPr>
+          <a:xfrm>
+            <a:off x="1159251" y="3165864"/>
+            <a:ext cx="6880188" cy="2860032"/>
+          </a:xfrm>
+          <a:prstGeom prst="rect">
+            <a:avLst/>
+          </a:prstGeom>
+          <a:noFill/>
+          <a:ln>
+            <a:noFill/>
+          </a:ln>
+        </p:spPr>
+        <p:txBody>
+          <a:bodyPr spcFirstLastPara="1" wrap="square" lIns="91425" tIns="91425" rIns="91425" bIns="91425" anchor="t" anchorCtr="0">
+            <a:noAutofit/>
+          </a:bodyPr>
+          <a:lstStyle>
+            <a:defPPr marR="0" lvl="0" algn="l" rtl="0">
+              <a:lnSpc>
+                <a:spcPct val="100000"/>
+              </a:lnSpc>
+              <a:spcBef>
+                <a:spcPts val="0"/>
+              </a:spcBef>
+              <a:spcAft>
+                <a:spcPts val="0"/>
+              </a:spcAft>
+            </a:defPPr>
+            <a:lvl1pPr marL="457200" marR="0" lvl="0" indent="-457200" algn="ctr" rtl="0">
+              <a:lnSpc>
+                <a:spcPct val="100000"/>
+              </a:lnSpc>
+              <a:spcBef>
+                <a:spcPts val="600"/>
+              </a:spcBef>
+              <a:spcAft>
+                <a:spcPts val="0"/>
+              </a:spcAft>
+              <a:buClr>
+                <a:srgbClr val="263238"/>
+              </a:buClr>
+              <a:buSzPts val="3600"/>
+              <a:buFont typeface="Source Sans Pro"/>
+              <a:buChar char="◎"/>
+              <a:defRPr sz="3600" b="0" i="1" u="none" strike="noStrike" cap="none">
+                <a:solidFill>
+                  <a:srgbClr val="263238"/>
+                </a:solidFill>
+                <a:latin typeface="Source Sans Pro"/>
+                <a:ea typeface="Source Sans Pro"/>
+                <a:cs typeface="Source Sans Pro"/>
+                <a:sym typeface="Source Sans Pro"/>
+              </a:defRPr>
+            </a:lvl1pPr>
+            <a:lvl2pPr marL="914400" marR="0" lvl="1" indent="-457200" algn="ctr" rtl="0">
+              <a:lnSpc>
+                <a:spcPct val="100000"/>
+              </a:lnSpc>
+              <a:spcBef>
+                <a:spcPts val="0"/>
+              </a:spcBef>
+              <a:spcAft>
+                <a:spcPts val="0"/>
+              </a:spcAft>
+              <a:buClr>
+                <a:srgbClr val="263238"/>
+              </a:buClr>
+              <a:buSzPts val="3600"/>
+              <a:buFont typeface="Source Sans Pro"/>
+              <a:buChar char="○"/>
+              <a:defRPr sz="3600" b="0" i="1" u="none" strike="noStrike" cap="none">
+                <a:solidFill>
+                  <a:srgbClr val="263238"/>
+                </a:solidFill>
+                <a:latin typeface="Source Sans Pro"/>
+                <a:ea typeface="Source Sans Pro"/>
+                <a:cs typeface="Source Sans Pro"/>
+                <a:sym typeface="Source Sans Pro"/>
+              </a:defRPr>
+            </a:lvl2pPr>
+            <a:lvl3pPr marL="1371600" marR="0" lvl="2" indent="-457200" algn="ctr" rtl="0">
+              <a:lnSpc>
+                <a:spcPct val="100000"/>
+              </a:lnSpc>
+              <a:spcBef>
+                <a:spcPts val="0"/>
+              </a:spcBef>
+              <a:spcAft>
+                <a:spcPts val="0"/>
+              </a:spcAft>
+              <a:buClr>
+                <a:srgbClr val="263238"/>
+              </a:buClr>
+              <a:buSzPts val="3600"/>
+              <a:buFont typeface="Source Sans Pro"/>
+              <a:buChar char="◉"/>
+              <a:defRPr sz="3600" b="0" i="1" u="none" strike="noStrike" cap="none">
+                <a:solidFill>
+                  <a:srgbClr val="263238"/>
+                </a:solidFill>
+                <a:latin typeface="Source Sans Pro"/>
+                <a:ea typeface="Source Sans Pro"/>
+                <a:cs typeface="Source Sans Pro"/>
+                <a:sym typeface="Source Sans Pro"/>
+              </a:defRPr>
+            </a:lvl3pPr>
+            <a:lvl4pPr marL="1828800" marR="0" lvl="3" indent="-457200" algn="ctr" rtl="0">
+              <a:lnSpc>
+                <a:spcPct val="100000"/>
+              </a:lnSpc>
+              <a:spcBef>
+                <a:spcPts val="0"/>
+              </a:spcBef>
+              <a:spcAft>
+                <a:spcPts val="0"/>
+              </a:spcAft>
+              <a:buClr>
+                <a:srgbClr val="263238"/>
+              </a:buClr>
+              <a:buSzPts val="3600"/>
+              <a:buFont typeface="Source Sans Pro"/>
+              <a:buChar char="●"/>
+              <a:defRPr sz="3600" b="0" i="1" u="none" strike="noStrike" cap="none">
+                <a:solidFill>
+                  <a:srgbClr val="263238"/>
+                </a:solidFill>
+                <a:latin typeface="Source Sans Pro"/>
+                <a:ea typeface="Source Sans Pro"/>
+                <a:cs typeface="Source Sans Pro"/>
+                <a:sym typeface="Source Sans Pro"/>
+              </a:defRPr>
+            </a:lvl4pPr>
+            <a:lvl5pPr marL="2286000" marR="0" lvl="4" indent="-457200" algn="ctr" rtl="0">
+              <a:lnSpc>
+                <a:spcPct val="100000"/>
+              </a:lnSpc>
+              <a:spcBef>
+                <a:spcPts val="0"/>
+              </a:spcBef>
+              <a:spcAft>
+                <a:spcPts val="0"/>
+              </a:spcAft>
+              <a:buClr>
+                <a:srgbClr val="263238"/>
+              </a:buClr>
+              <a:buSzPts val="3600"/>
+              <a:buFont typeface="Source Sans Pro"/>
+              <a:buChar char="○"/>
+              <a:defRPr sz="3600" b="0" i="1" u="none" strike="noStrike" cap="none">
+                <a:solidFill>
+                  <a:srgbClr val="263238"/>
+                </a:solidFill>
+                <a:latin typeface="Source Sans Pro"/>
+                <a:ea typeface="Source Sans Pro"/>
+                <a:cs typeface="Source Sans Pro"/>
+                <a:sym typeface="Source Sans Pro"/>
+              </a:defRPr>
+            </a:lvl5pPr>
+            <a:lvl6pPr marL="2743200" marR="0" lvl="5" indent="-457200" algn="ctr" rtl="0">
+              <a:lnSpc>
+                <a:spcPct val="100000"/>
+              </a:lnSpc>
+              <a:spcBef>
+                <a:spcPts val="0"/>
+              </a:spcBef>
+              <a:spcAft>
+                <a:spcPts val="0"/>
+              </a:spcAft>
+              <a:buClr>
+                <a:srgbClr val="263238"/>
+              </a:buClr>
+              <a:buSzPts val="3600"/>
+              <a:buFont typeface="Source Sans Pro"/>
+              <a:buChar char="■"/>
+              <a:defRPr sz="3600" b="0" i="1" u="none" strike="noStrike" cap="none">
+                <a:solidFill>
+                  <a:srgbClr val="263238"/>
+                </a:solidFill>
+                <a:latin typeface="Source Sans Pro"/>
+                <a:ea typeface="Source Sans Pro"/>
+                <a:cs typeface="Source Sans Pro"/>
+                <a:sym typeface="Source Sans Pro"/>
+              </a:defRPr>
+            </a:lvl6pPr>
+            <a:lvl7pPr marL="3200400" marR="0" lvl="6" indent="-457200" algn="ctr" rtl="0">
+              <a:lnSpc>
+                <a:spcPct val="100000"/>
+              </a:lnSpc>
+              <a:spcBef>
+                <a:spcPts val="0"/>
+              </a:spcBef>
+              <a:spcAft>
+                <a:spcPts val="0"/>
+              </a:spcAft>
+              <a:buClr>
+                <a:srgbClr val="263238"/>
+              </a:buClr>
+              <a:buSzPts val="3600"/>
+              <a:buFont typeface="Source Sans Pro"/>
+              <a:buChar char="●"/>
+              <a:defRPr sz="3600" b="0" i="1" u="none" strike="noStrike" cap="none">
+                <a:solidFill>
+                  <a:srgbClr val="263238"/>
+                </a:solidFill>
+                <a:latin typeface="Source Sans Pro"/>
+                <a:ea typeface="Source Sans Pro"/>
+                <a:cs typeface="Source Sans Pro"/>
+                <a:sym typeface="Source Sans Pro"/>
+              </a:defRPr>
+            </a:lvl7pPr>
+            <a:lvl8pPr marL="3657600" marR="0" lvl="7" indent="-457200" algn="ctr" rtl="0">
+              <a:lnSpc>
+                <a:spcPct val="100000"/>
+              </a:lnSpc>
+              <a:spcBef>
+                <a:spcPts val="0"/>
+              </a:spcBef>
+              <a:spcAft>
+                <a:spcPts val="0"/>
+              </a:spcAft>
+              <a:buClr>
+                <a:srgbClr val="263238"/>
+              </a:buClr>
+              <a:buSzPts val="3600"/>
+              <a:buFont typeface="Source Sans Pro"/>
+              <a:buChar char="○"/>
+              <a:defRPr sz="3600" b="0" i="1" u="none" strike="noStrike" cap="none">
+                <a:solidFill>
+                  <a:srgbClr val="263238"/>
+                </a:solidFill>
+                <a:latin typeface="Source Sans Pro"/>
+                <a:ea typeface="Source Sans Pro"/>
+                <a:cs typeface="Source Sans Pro"/>
+                <a:sym typeface="Source Sans Pro"/>
+              </a:defRPr>
+            </a:lvl8pPr>
+            <a:lvl9pPr marL="4114800" marR="0" lvl="8" indent="-457200" algn="ctr" rtl="0">
+              <a:lnSpc>
+                <a:spcPct val="100000"/>
+              </a:lnSpc>
+              <a:spcBef>
+                <a:spcPts val="0"/>
+              </a:spcBef>
+              <a:spcAft>
+                <a:spcPts val="0"/>
+              </a:spcAft>
+              <a:buClr>
+                <a:srgbClr val="263238"/>
+              </a:buClr>
+              <a:buSzPts val="3600"/>
+              <a:buFont typeface="Source Sans Pro"/>
+              <a:buChar char="■"/>
+              <a:defRPr sz="3600" b="0" i="1" u="none" strike="noStrike" cap="none">
+                <a:solidFill>
+                  <a:srgbClr val="263238"/>
+                </a:solidFill>
+                <a:latin typeface="Source Sans Pro"/>
+                <a:ea typeface="Source Sans Pro"/>
+                <a:cs typeface="Source Sans Pro"/>
+                <a:sym typeface="Source Sans Pro"/>
+              </a:defRPr>
+            </a:lvl9pPr>
+          </a:lstStyle>
+          <a:p>
+            <a:pPr marL="0" indent="0">
+              <a:buNone/>
+            </a:pPr>
+            <a:r>
+              <a:rPr lang="en-US" sz="2000" dirty="0"/>
+              <a:t>A system for the computer-assisted translation from Italian Language to LIS that provides the output of the translation resorting to a virtual avatar. </a:t>
+            </a:r>
+            <a:r>
+              <a:rPr lang="en-US" sz="2000" dirty="0" smtClean="0"/>
+              <a:t>[11]</a:t>
+            </a:r>
+            <a:endParaRPr lang="en-US" sz="2000" dirty="0"/>
+          </a:p>
+        </p:txBody>
+      </p:sp>
+    </p:spTree>
+    <p:extLst>
+      <p:ext uri="{BB962C8B-B14F-4D97-AF65-F5344CB8AC3E}">
+        <p14:creationId xmlns:p14="http://schemas.microsoft.com/office/powerpoint/2010/main" val="348631380"/>
+      </p:ext>
+    </p:extLst>
+  </p:cSld>
+  <p:clrMapOvr>
+    <a:masterClrMapping/>
+  </p:clrMapOvr>
+</p:sld>
+</file>
+
+<file path=ppt/slides/slide14.xml><?xml version="1.0" encoding="utf-8"?>
+<p:sld xmlns:a="http://schemas.openxmlformats.org/drawingml/2006/main" xmlns:r="http://schemas.openxmlformats.org/officeDocument/2006/relationships" xmlns:p="http://schemas.openxmlformats.org/presentationml/2006/main">
+  <p:cSld>
+    <p:spTree>
+      <p:nvGrpSpPr>
+        <p:cNvPr id="1" name="Shape 109"/>
+        <p:cNvGrpSpPr/>
+        <p:nvPr/>
+      </p:nvGrpSpPr>
+      <p:grpSpPr>
+        <a:xfrm>
+          <a:off x="0" y="0"/>
+          <a:ext cx="0" cy="0"/>
+          <a:chOff x="0" y="0"/>
+          <a:chExt cx="0" cy="0"/>
+        </a:xfrm>
+      </p:grpSpPr>
+      <p:sp>
+        <p:nvSpPr>
+          <p:cNvPr id="110" name="Google Shape;110;p17"/>
+          <p:cNvSpPr txBox="1">
+            <a:spLocks noGrp="1"/>
+          </p:cNvSpPr>
+          <p:nvPr>
+            <p:ph type="title"/>
+          </p:nvPr>
+        </p:nvSpPr>
+        <p:spPr>
+          <a:xfrm>
+            <a:off x="502920" y="483978"/>
+            <a:ext cx="7571700" cy="936900"/>
+          </a:xfrm>
+          <a:prstGeom prst="rect">
+            <a:avLst/>
+          </a:prstGeom>
+        </p:spPr>
+        <p:txBody>
+          <a:bodyPr spcFirstLastPara="1" wrap="square" lIns="91425" tIns="91425" rIns="91425" bIns="91425" anchor="b" anchorCtr="0">
+            <a:noAutofit/>
+          </a:bodyPr>
+          <a:lstStyle/>
+          <a:p>
+            <a:pPr marL="0" lvl="0" indent="0" algn="l" rtl="0">
+              <a:spcBef>
+                <a:spcPts val="0"/>
+              </a:spcBef>
+              <a:spcAft>
+                <a:spcPts val="0"/>
+              </a:spcAft>
+              <a:buNone/>
+            </a:pPr>
+            <a:r>
+              <a:rPr lang="en-US" sz="4000" dirty="0" smtClean="0"/>
+              <a:t>Goals</a:t>
+            </a:r>
+            <a:endParaRPr sz="4000" dirty="0"/>
+          </a:p>
+        </p:txBody>
+      </p:sp>
+      <p:sp>
+        <p:nvSpPr>
+          <p:cNvPr id="111" name="Google Shape;111;p17"/>
+          <p:cNvSpPr txBox="1">
+            <a:spLocks noGrp="1"/>
+          </p:cNvSpPr>
+          <p:nvPr>
+            <p:ph type="body" idx="1"/>
+          </p:nvPr>
+        </p:nvSpPr>
+        <p:spPr>
+          <a:xfrm>
+            <a:off x="502920" y="1682267"/>
+            <a:ext cx="8275320" cy="4764900"/>
+          </a:xfrm>
+          <a:prstGeom prst="rect">
+            <a:avLst/>
+          </a:prstGeom>
+        </p:spPr>
+        <p:txBody>
+          <a:bodyPr spcFirstLastPara="1" wrap="square" lIns="91425" tIns="91425" rIns="91425" bIns="91425" anchor="t" anchorCtr="0">
+            <a:noAutofit/>
+          </a:bodyPr>
+          <a:lstStyle/>
+          <a:p>
+            <a:pPr marL="38100" indent="0">
+              <a:buNone/>
+            </a:pPr>
+            <a:r>
+              <a:rPr lang="en-US" sz="2400" b="1" dirty="0"/>
+              <a:t>This in turn requires the solution of the following problems</a:t>
+            </a:r>
+            <a:r>
+              <a:rPr lang="en-US" sz="2400" b="1" dirty="0" smtClean="0"/>
+              <a:t>:</a:t>
+            </a:r>
+          </a:p>
+          <a:p>
+            <a:pPr marL="38100" indent="0">
+              <a:buNone/>
+            </a:pPr>
+            <a:endParaRPr lang="en-US" sz="2400" b="1" dirty="0"/>
+          </a:p>
+          <a:p>
+            <a:pPr lvl="0"/>
+            <a:r>
+              <a:rPr lang="en-US" sz="1800" dirty="0"/>
+              <a:t>Automatic speech to text conversion (speech Recognition).</a:t>
+            </a:r>
+          </a:p>
+          <a:p>
+            <a:pPr lvl="0"/>
+            <a:r>
+              <a:rPr lang="en-US" sz="1800" dirty="0"/>
+              <a:t>Automatic translation of English text into a suitable representation of sign language using Machine Translation.</a:t>
+            </a:r>
+          </a:p>
+          <a:p>
+            <a:pPr lvl="0"/>
+            <a:r>
+              <a:rPr lang="en-US" sz="1800" dirty="0"/>
+              <a:t>Display of this representation as a sequence of Signs using computer graphics techniques</a:t>
+            </a:r>
+            <a:r>
+              <a:rPr lang="en-US" sz="1800" dirty="0" smtClean="0"/>
+              <a:t>.</a:t>
+            </a:r>
+          </a:p>
+          <a:p>
+            <a:pPr lvl="0"/>
+            <a:r>
+              <a:rPr lang="en-US" sz="1800" dirty="0" smtClean="0"/>
+              <a:t>We </a:t>
+            </a:r>
+            <a:r>
+              <a:rPr lang="en-US" sz="1800" dirty="0"/>
+              <a:t>will suggest an efficient mechanism/system that Deaf can easily communicate with ordinary people to understand their thoughts</a:t>
+            </a:r>
+            <a:r>
+              <a:rPr lang="en-US" sz="1800" dirty="0" smtClean="0"/>
+              <a:t>.</a:t>
+            </a:r>
+          </a:p>
+          <a:p>
+            <a:pPr lvl="0"/>
+            <a:r>
+              <a:rPr lang="en-US" sz="1800" dirty="0" smtClean="0"/>
+              <a:t>We are using International Sign language that later any sign language can be embedded with it.</a:t>
+            </a:r>
+          </a:p>
+          <a:p>
+            <a:pPr lvl="0"/>
+            <a:r>
+              <a:rPr lang="en-US" sz="1800" dirty="0" smtClean="0"/>
+              <a:t>We are using SignWritingOneD.</a:t>
+            </a:r>
+          </a:p>
+          <a:p>
+            <a:pPr lvl="0"/>
+            <a:endParaRPr sz="2000" dirty="0"/>
+          </a:p>
+        </p:txBody>
+      </p:sp>
+      <p:sp>
+        <p:nvSpPr>
+          <p:cNvPr id="112" name="Google Shape;112;p17"/>
+          <p:cNvSpPr txBox="1">
+            <a:spLocks noGrp="1"/>
+          </p:cNvSpPr>
+          <p:nvPr>
+            <p:ph type="sldNum" idx="12"/>
+          </p:nvPr>
+        </p:nvSpPr>
+        <p:spPr>
+          <a:xfrm>
+            <a:off x="8404384" y="6333134"/>
+            <a:ext cx="548700" cy="525000"/>
+          </a:xfrm>
+          <a:prstGeom prst="rect">
+            <a:avLst/>
+          </a:prstGeom>
+        </p:spPr>
+        <p:txBody>
+          <a:bodyPr spcFirstLastPara="1" wrap="square" lIns="91425" tIns="91425" rIns="91425" bIns="91425" anchor="t" anchorCtr="0">
+            <a:noAutofit/>
+          </a:bodyPr>
+          <a:lstStyle/>
+          <a:p>
+            <a:pPr marL="0" lvl="0" indent="0" algn="r" rtl="0">
+              <a:spcBef>
+                <a:spcPts val="0"/>
+              </a:spcBef>
+              <a:spcAft>
+                <a:spcPts val="0"/>
+              </a:spcAft>
+              <a:buNone/>
+            </a:pPr>
+            <a:fld id="{00000000-1234-1234-1234-123412341234}" type="slidenum">
+              <a:rPr lang="en"/>
+              <a:t>14</a:t>
+            </a:fld>
+            <a:endParaRPr/>
+          </a:p>
+        </p:txBody>
+      </p:sp>
+    </p:spTree>
+  </p:cSld>
+  <p:clrMapOvr>
+    <a:masterClrMapping/>
+  </p:clrMapOvr>
+</p:sld>
+</file>
+
+<file path=ppt/slides/slide15.xml><?xml version="1.0" encoding="utf-8"?>
+<p:sld xmlns:a="http://schemas.openxmlformats.org/drawingml/2006/main" xmlns:r="http://schemas.openxmlformats.org/officeDocument/2006/relationships" xmlns:p="http://schemas.openxmlformats.org/presentationml/2006/main">
+  <p:cSld>
+    <p:spTree>
+      <p:nvGrpSpPr>
+        <p:cNvPr id="1" name="Shape 116"/>
+        <p:cNvGrpSpPr/>
+        <p:nvPr/>
+      </p:nvGrpSpPr>
+      <p:grpSpPr>
+        <a:xfrm>
+          <a:off x="0" y="0"/>
+          <a:ext cx="0" cy="0"/>
+          <a:chOff x="0" y="0"/>
+          <a:chExt cx="0" cy="0"/>
+        </a:xfrm>
+      </p:grpSpPr>
+      <p:sp>
+        <p:nvSpPr>
+          <p:cNvPr id="118" name="Google Shape;118;p18"/>
+          <p:cNvSpPr txBox="1">
+            <a:spLocks noGrp="1"/>
+          </p:cNvSpPr>
+          <p:nvPr>
+            <p:ph type="ctrTitle" idx="4294967295"/>
+          </p:nvPr>
+        </p:nvSpPr>
+        <p:spPr>
+          <a:xfrm>
+            <a:off x="700576" y="378434"/>
+            <a:ext cx="7697248" cy="1172579"/>
+          </a:xfrm>
+          <a:prstGeom prst="rect">
+            <a:avLst/>
+          </a:prstGeom>
+        </p:spPr>
+        <p:txBody>
+          <a:bodyPr spcFirstLastPara="1" wrap="square" lIns="91425" tIns="91425" rIns="91425" bIns="91425" anchor="b" anchorCtr="0">
+            <a:noAutofit/>
+          </a:bodyPr>
+          <a:lstStyle/>
+          <a:p>
+            <a:pPr marL="0" lvl="0" indent="0" algn="ctr" rtl="0">
+              <a:spcBef>
+                <a:spcPts val="0"/>
+              </a:spcBef>
+              <a:spcAft>
+                <a:spcPts val="0"/>
+              </a:spcAft>
+              <a:buNone/>
+            </a:pPr>
+            <a:r>
+              <a:rPr lang="en" sz="6000" b="1" dirty="0" smtClean="0"/>
+              <a:t>Dataset Gathering</a:t>
+            </a:r>
+            <a:endParaRPr sz="6000" b="1" dirty="0"/>
+          </a:p>
+        </p:txBody>
+      </p:sp>
+      <p:sp>
+        <p:nvSpPr>
+          <p:cNvPr id="119" name="Google Shape;119;p18"/>
+          <p:cNvSpPr txBox="1">
+            <a:spLocks noGrp="1"/>
+          </p:cNvSpPr>
+          <p:nvPr>
+            <p:ph type="subTitle" idx="4294967295"/>
+          </p:nvPr>
+        </p:nvSpPr>
+        <p:spPr>
+          <a:xfrm>
+            <a:off x="533400" y="1751075"/>
+            <a:ext cx="8244840" cy="4027933"/>
+          </a:xfrm>
+          <a:prstGeom prst="rect">
+            <a:avLst/>
+          </a:prstGeom>
+        </p:spPr>
+        <p:txBody>
+          <a:bodyPr spcFirstLastPara="1" wrap="square" lIns="91425" tIns="91425" rIns="91425" bIns="91425" anchor="t" anchorCtr="0">
+            <a:noAutofit/>
+          </a:bodyPr>
+          <a:lstStyle/>
+          <a:p>
+            <a:pPr marL="285750" indent="-285750"/>
+            <a:r>
+              <a:rPr lang="en-US" sz="1600" dirty="0"/>
+              <a:t>The dataset used is a sample of common words and sentences that deaf are using daily.</a:t>
+            </a:r>
+          </a:p>
+          <a:p>
+            <a:pPr marL="285750" indent="-285750"/>
+            <a:endParaRPr lang="en-US" sz="1600" dirty="0" smtClean="0"/>
+          </a:p>
+          <a:p>
+            <a:pPr marL="285750" indent="-285750"/>
+            <a:r>
+              <a:rPr lang="en-US" sz="1600" dirty="0"/>
+              <a:t>We have searched many sources for gathering dataset such as Wikipedia pages, some books like (Goldilocks &amp; the Three Bears in American Sign Language, The Book of Jonah) , Signbank and other </a:t>
+            </a:r>
+            <a:r>
+              <a:rPr lang="en-US" sz="1600" dirty="0" smtClean="0"/>
+              <a:t>sources</a:t>
+            </a:r>
+          </a:p>
+          <a:p>
+            <a:pPr marL="285750" indent="-285750"/>
+            <a:endParaRPr lang="en-US" sz="1600" dirty="0"/>
+          </a:p>
+          <a:p>
+            <a:pPr marL="285750" indent="-285750"/>
+            <a:r>
+              <a:rPr lang="en-US" sz="1600" dirty="0"/>
+              <a:t>the dataset that was used for this project is a subset of a much larger dataset, as described in </a:t>
+            </a:r>
+            <a:r>
+              <a:rPr lang="en-US" sz="1600" u="sng" dirty="0">
+                <a:hlinkClick r:id="rId3"/>
+              </a:rPr>
+              <a:t>http://</a:t>
+            </a:r>
+            <a:r>
+              <a:rPr lang="en-US" sz="1600" u="sng" dirty="0" smtClean="0">
+                <a:hlinkClick r:id="rId3"/>
+              </a:rPr>
+              <a:t>www.signbank.org/signbank.html</a:t>
+            </a:r>
+            <a:endParaRPr lang="en-US" sz="1600" u="sng" dirty="0" smtClean="0"/>
+          </a:p>
+          <a:p>
+            <a:pPr marL="285750" indent="-285750"/>
+            <a:endParaRPr lang="en-US" sz="1600" u="sng" dirty="0"/>
+          </a:p>
+          <a:p>
+            <a:pPr marL="285750" indent="-285750"/>
+            <a:r>
+              <a:rPr lang="en-US" sz="1600" dirty="0" smtClean="0"/>
+              <a:t>This source includes around 10000 words and sentences.</a:t>
+            </a:r>
+            <a:endParaRPr sz="1600" dirty="0"/>
+          </a:p>
+        </p:txBody>
+      </p:sp>
+      <p:cxnSp>
+        <p:nvCxnSpPr>
+          <p:cNvPr id="120" name="Google Shape;120;p18"/>
+          <p:cNvCxnSpPr/>
+          <p:nvPr/>
+        </p:nvCxnSpPr>
+        <p:spPr>
+          <a:xfrm rot="10800000" flipH="1">
+            <a:off x="6282450" y="705375"/>
+            <a:ext cx="121500" cy="518700"/>
+          </a:xfrm>
+          <a:prstGeom prst="straightConnector1">
+            <a:avLst/>
+          </a:prstGeom>
+          <a:noFill/>
+          <a:ln w="9525" cap="flat" cmpd="sng">
+            <a:solidFill>
+              <a:srgbClr val="CFD8DC"/>
+            </a:solidFill>
+            <a:prstDash val="solid"/>
+            <a:round/>
+            <a:headEnd type="none" w="med" len="med"/>
+            <a:tailEnd type="none" w="med" len="med"/>
+          </a:ln>
+        </p:spPr>
+      </p:cxnSp>
+      <p:cxnSp>
+        <p:nvCxnSpPr>
+          <p:cNvPr id="121" name="Google Shape;121;p18"/>
+          <p:cNvCxnSpPr/>
+          <p:nvPr/>
+        </p:nvCxnSpPr>
+        <p:spPr>
+          <a:xfrm flipH="1">
+            <a:off x="7133575" y="1483475"/>
+            <a:ext cx="332400" cy="267600"/>
+          </a:xfrm>
+          <a:prstGeom prst="straightConnector1">
+            <a:avLst/>
+          </a:prstGeom>
+          <a:noFill/>
+          <a:ln w="9525" cap="flat" cmpd="sng">
+            <a:solidFill>
+              <a:srgbClr val="CFD8DC"/>
+            </a:solidFill>
+            <a:prstDash val="solid"/>
+            <a:round/>
+            <a:headEnd type="none" w="med" len="med"/>
+            <a:tailEnd type="none" w="med" len="med"/>
+          </a:ln>
+        </p:spPr>
+      </p:cxnSp>
+      <p:cxnSp>
+        <p:nvCxnSpPr>
+          <p:cNvPr id="122" name="Google Shape;122;p18"/>
+          <p:cNvCxnSpPr/>
+          <p:nvPr/>
+        </p:nvCxnSpPr>
+        <p:spPr>
+          <a:xfrm flipH="1">
+            <a:off x="7330800" y="2440126"/>
+            <a:ext cx="1124100" cy="7800"/>
+          </a:xfrm>
+          <a:prstGeom prst="straightConnector1">
+            <a:avLst/>
+          </a:prstGeom>
+          <a:noFill/>
+          <a:ln w="9525" cap="flat" cmpd="sng">
+            <a:solidFill>
+              <a:srgbClr val="CFD8DC"/>
+            </a:solidFill>
+            <a:prstDash val="solid"/>
+            <a:round/>
+            <a:headEnd type="none" w="med" len="med"/>
+            <a:tailEnd type="none" w="med" len="med"/>
+          </a:ln>
+        </p:spPr>
+      </p:cxnSp>
+      <p:sp>
+        <p:nvSpPr>
+          <p:cNvPr id="127" name="Google Shape;127;p18"/>
+          <p:cNvSpPr txBox="1">
+            <a:spLocks noGrp="1"/>
+          </p:cNvSpPr>
+          <p:nvPr>
+            <p:ph type="sldNum" idx="12"/>
+          </p:nvPr>
+        </p:nvSpPr>
+        <p:spPr>
+          <a:xfrm>
+            <a:off x="8404384" y="6333134"/>
+            <a:ext cx="548700" cy="525000"/>
+          </a:xfrm>
+          <a:prstGeom prst="rect">
+            <a:avLst/>
+          </a:prstGeom>
+        </p:spPr>
+        <p:txBody>
+          <a:bodyPr spcFirstLastPara="1" wrap="square" lIns="91425" tIns="91425" rIns="91425" bIns="91425" anchor="t" anchorCtr="0">
+            <a:noAutofit/>
+          </a:bodyPr>
+          <a:lstStyle/>
+          <a:p>
+            <a:pPr marL="0" lvl="0" indent="0" algn="r" rtl="0">
+              <a:spcBef>
+                <a:spcPts val="0"/>
+              </a:spcBef>
+              <a:spcAft>
+                <a:spcPts val="0"/>
+              </a:spcAft>
+              <a:buNone/>
+            </a:pPr>
+            <a:fld id="{00000000-1234-1234-1234-123412341234}" type="slidenum">
+              <a:rPr lang="en"/>
+              <a:t>15</a:t>
+            </a:fld>
+            <a:endParaRPr/>
+          </a:p>
+        </p:txBody>
+      </p:sp>
+    </p:spTree>
+  </p:cSld>
+  <p:clrMapOvr>
+    <a:masterClrMapping/>
+  </p:clrMapOvr>
+</p:sld>
+</file>
+
+<file path=ppt/slides/slide16.xml><?xml version="1.0" encoding="utf-8"?>
 <p:sld xmlns:a="http://schemas.openxmlformats.org/drawingml/2006/main" xmlns:r="http://schemas.openxmlformats.org/officeDocument/2006/relationships" xmlns:p="http://schemas.openxmlformats.org/presentationml/2006/main">
   <p:cSld>
     <p:spTree>
@@ -7028,7 +9908,7 @@
             </a:pPr>
             <a:fld id="{00000000-1234-1234-1234-123412341234}" type="slidenum">
               <a:rPr lang="en"/>
-              <a:t>10</a:t>
+              <a:t>16</a:t>
             </a:fld>
             <a:endParaRPr/>
           </a:p>
@@ -7042,7 +9922,7 @@
 </p:sld>
 </file>
 
-<file path=ppt/slides/slide11.xml><?xml version="1.0" encoding="utf-8"?>
+<file path=ppt/slides/slide17.xml><?xml version="1.0" encoding="utf-8"?>
 <p:sld xmlns:a="http://schemas.openxmlformats.org/drawingml/2006/main" xmlns:r="http://schemas.openxmlformats.org/officeDocument/2006/relationships" xmlns:p="http://schemas.openxmlformats.org/presentationml/2006/main">
   <p:cSld>
     <p:spTree>
@@ -7159,7 +10039,7 @@
             </a:pPr>
             <a:fld id="{00000000-1234-1234-1234-123412341234}" type="slidenum">
               <a:rPr lang="en"/>
-              <a:t>11</a:t>
+              <a:t>17</a:t>
             </a:fld>
             <a:endParaRPr/>
           </a:p>
@@ -7178,7 +10058,7 @@
 </p:sld>
 </file>
 
-<file path=ppt/slides/slide12.xml><?xml version="1.0" encoding="utf-8"?>
+<file path=ppt/slides/slide18.xml><?xml version="1.0" encoding="utf-8"?>
 <p:sld xmlns:a="http://schemas.openxmlformats.org/drawingml/2006/main" xmlns:r="http://schemas.openxmlformats.org/officeDocument/2006/relationships" xmlns:p="http://schemas.openxmlformats.org/presentationml/2006/main">
   <p:cSld>
     <p:spTree>
@@ -7448,7 +10328,7 @@
             </a:pPr>
             <a:fld id="{00000000-1234-1234-1234-123412341234}" type="slidenum">
               <a:rPr lang="en"/>
-              <a:t>12</a:t>
+              <a:t>18</a:t>
             </a:fld>
             <a:endParaRPr/>
           </a:p>
@@ -7703,7 +10583,7 @@
 </p:sld>
 </file>
 
-<file path=ppt/slides/slide13.xml><?xml version="1.0" encoding="utf-8"?>
+<file path=ppt/slides/slide19.xml><?xml version="1.0" encoding="utf-8"?>
 <p:sld xmlns:a="http://schemas.openxmlformats.org/drawingml/2006/main" xmlns:r="http://schemas.openxmlformats.org/officeDocument/2006/relationships" xmlns:p="http://schemas.openxmlformats.org/presentationml/2006/main">
   <p:cSld>
     <p:spTree>
@@ -7798,7 +10678,7 @@
             </a:pPr>
             <a:fld id="{00000000-1234-1234-1234-123412341234}" type="slidenum">
               <a:rPr lang="en"/>
-              <a:t>13</a:t>
+              <a:t>19</a:t>
             </a:fld>
             <a:endParaRPr/>
           </a:p>
@@ -8078,7 +10958,7 @@
           </a:lstStyle>
           <a:p>
             <a:r>
-              <a:rPr lang="en-US" sz="1600" i="1" dirty="0" smtClean="0">
+              <a:rPr lang="en-US" sz="1400" i="1" dirty="0" smtClean="0">
                 <a:solidFill>
                   <a:schemeClr val="bg2">
                     <a:lumMod val="75000"/>
@@ -8090,7 +10970,7 @@
               <a:t>[1] Al-</a:t>
             </a:r>
             <a:r>
-              <a:rPr lang="en-US" sz="1600" i="1" dirty="0" err="1" smtClean="0">
+              <a:rPr lang="en-US" sz="1400" i="1" dirty="0" err="1" smtClean="0">
                 <a:solidFill>
                   <a:schemeClr val="bg2">
                     <a:lumMod val="75000"/>
@@ -8102,7 +10982,7 @@
               <a:t>Fityani</a:t>
             </a:r>
             <a:r>
-              <a:rPr lang="en-US" sz="1600" i="1" dirty="0">
+              <a:rPr lang="en-US" sz="1400" i="1" dirty="0">
                 <a:solidFill>
                   <a:schemeClr val="bg2">
                     <a:lumMod val="75000"/>
@@ -8114,7 +10994,7 @@
               <a:t>, </a:t>
             </a:r>
             <a:r>
-              <a:rPr lang="en-US" sz="1600" i="1" dirty="0" err="1">
+              <a:rPr lang="en-US" sz="1400" i="1" dirty="0" err="1">
                 <a:solidFill>
                   <a:schemeClr val="bg2">
                     <a:lumMod val="75000"/>
@@ -8126,7 +11006,7 @@
               <a:t>Kinda</a:t>
             </a:r>
             <a:r>
-              <a:rPr lang="en-US" sz="1600" i="1" dirty="0">
+              <a:rPr lang="en-US" sz="1400" i="1" dirty="0">
                 <a:solidFill>
                   <a:schemeClr val="bg2">
                     <a:lumMod val="75000"/>
@@ -8138,7 +11018,7 @@
               <a:t>, and Carol </a:t>
             </a:r>
             <a:r>
-              <a:rPr lang="en-US" sz="1600" i="1" dirty="0" err="1">
+              <a:rPr lang="en-US" sz="1400" i="1" dirty="0" err="1">
                 <a:solidFill>
                   <a:schemeClr val="bg2">
                     <a:lumMod val="75000"/>
@@ -8150,7 +11030,7 @@
               <a:t>Padden</a:t>
             </a:r>
             <a:r>
-              <a:rPr lang="en-US" sz="1600" i="1" dirty="0">
+              <a:rPr lang="en-US" sz="1400" i="1" dirty="0">
                 <a:solidFill>
                   <a:schemeClr val="bg2">
                     <a:lumMod val="75000"/>
@@ -8162,7 +11042,7 @@
               <a:t>. "Sign language geography in the Arab world." Sign languages: A Cambridge survey (2010): 433-450</a:t>
             </a:r>
             <a:r>
-              <a:rPr lang="en-US" sz="1600" i="1" dirty="0" smtClean="0">
+              <a:rPr lang="en-US" sz="1400" i="1" dirty="0" smtClean="0">
                 <a:solidFill>
                   <a:schemeClr val="bg2">
                     <a:lumMod val="75000"/>
@@ -8175,7 +11055,7 @@
             </a:r>
           </a:p>
           <a:p>
-            <a:endParaRPr lang="en-US" sz="1600" dirty="0" smtClean="0">
+            <a:endParaRPr lang="en-US" sz="1400" dirty="0" smtClean="0">
               <a:solidFill>
                 <a:schemeClr val="bg2">
                   <a:lumMod val="75000"/>
@@ -8187,7 +11067,7 @@
           </a:p>
           <a:p>
             <a:r>
-              <a:rPr lang="en-US" sz="1600" i="1" dirty="0" smtClean="0">
+              <a:rPr lang="en-US" sz="1400" i="1" dirty="0" smtClean="0">
                 <a:solidFill>
                   <a:schemeClr val="bg2"/>
                 </a:solidFill>
@@ -8197,7 +11077,7 @@
               <a:t>[2] </a:t>
             </a:r>
             <a:r>
-              <a:rPr lang="en-US" sz="1600" i="1" dirty="0">
+              <a:rPr lang="en-US" sz="1400" i="1" dirty="0">
                 <a:solidFill>
                   <a:schemeClr val="bg2"/>
                 </a:solidFill>
@@ -8207,7 +11087,7 @@
               <a:t>Kato, </a:t>
             </a:r>
             <a:r>
-              <a:rPr lang="en-US" sz="1600" i="1" dirty="0" err="1">
+              <a:rPr lang="en-US" sz="1400" i="1" dirty="0" err="1">
                 <a:solidFill>
                   <a:schemeClr val="bg2"/>
                 </a:solidFill>
@@ -8217,7 +11097,7 @@
               <a:t>Mihoko</a:t>
             </a:r>
             <a:r>
-              <a:rPr lang="en-US" sz="1600" i="1" dirty="0">
+              <a:rPr lang="en-US" sz="1400" i="1" dirty="0">
                 <a:solidFill>
                   <a:schemeClr val="bg2"/>
                 </a:solidFill>
@@ -8227,7 +11107,7 @@
               <a:t>. "A study of notation and sign writing systems for the deaf." Intercultural Communication Studies 17, no. 4 (2008): 97-114</a:t>
             </a:r>
             <a:r>
-              <a:rPr lang="en-US" sz="1600" i="1" dirty="0" smtClean="0">
+              <a:rPr lang="en-US" sz="1400" i="1" dirty="0" smtClean="0">
                 <a:solidFill>
                   <a:schemeClr val="bg2"/>
                 </a:solidFill>
@@ -8238,7 +11118,7 @@
             </a:r>
           </a:p>
           <a:p>
-            <a:endParaRPr lang="en-US" sz="1600" i="1" dirty="0" smtClean="0">
+            <a:endParaRPr lang="en-US" sz="1400" i="1" dirty="0" smtClean="0">
               <a:solidFill>
                 <a:schemeClr val="bg2"/>
               </a:solidFill>
@@ -8248,7 +11128,7 @@
           </a:p>
           <a:p>
             <a:r>
-              <a:rPr lang="en-US" sz="1600" i="1" dirty="0" smtClean="0">
+              <a:rPr lang="en-US" sz="1400" i="1" dirty="0" smtClean="0">
                 <a:solidFill>
                   <a:schemeClr val="bg2"/>
                 </a:solidFill>
@@ -8258,7 +11138,7 @@
               <a:t>[3] </a:t>
             </a:r>
             <a:r>
-              <a:rPr lang="en-US" sz="1600" i="1" dirty="0">
+              <a:rPr lang="en-US" sz="1400" i="1" dirty="0">
                 <a:solidFill>
                   <a:schemeClr val="bg2"/>
                 </a:solidFill>
@@ -8268,7 +11148,7 @@
               <a:t>Al-</a:t>
             </a:r>
             <a:r>
-              <a:rPr lang="en-US" sz="1600" i="1" dirty="0" err="1">
+              <a:rPr lang="en-US" sz="1400" i="1" dirty="0" err="1">
                 <a:solidFill>
                   <a:schemeClr val="bg2"/>
                 </a:solidFill>
@@ -8278,7 +11158,7 @@
               <a:t>Fityani</a:t>
             </a:r>
             <a:r>
-              <a:rPr lang="en-US" sz="1600" i="1" dirty="0">
+              <a:rPr lang="en-US" sz="1400" i="1" dirty="0">
                 <a:solidFill>
                   <a:schemeClr val="bg2"/>
                 </a:solidFill>
@@ -8288,7 +11168,7 @@
               <a:t>, </a:t>
             </a:r>
             <a:r>
-              <a:rPr lang="en-US" sz="1600" i="1" dirty="0" err="1">
+              <a:rPr lang="en-US" sz="1400" i="1" dirty="0" err="1">
                 <a:solidFill>
                   <a:schemeClr val="bg2"/>
                 </a:solidFill>
@@ -8298,7 +11178,7 @@
               <a:t>Kinda</a:t>
             </a:r>
             <a:r>
-              <a:rPr lang="en-US" sz="1600" i="1" dirty="0">
+              <a:rPr lang="en-US" sz="1400" i="1" dirty="0">
                 <a:solidFill>
                   <a:schemeClr val="bg2"/>
                 </a:solidFill>
@@ -8308,7 +11188,7 @@
               <a:t>, and Carol </a:t>
             </a:r>
             <a:r>
-              <a:rPr lang="en-US" sz="1600" i="1" dirty="0" err="1">
+              <a:rPr lang="en-US" sz="1400" i="1" dirty="0" err="1">
                 <a:solidFill>
                   <a:schemeClr val="bg2"/>
                 </a:solidFill>
@@ -8318,7 +11198,7 @@
               <a:t>Padden</a:t>
             </a:r>
             <a:r>
-              <a:rPr lang="en-US" sz="1600" i="1" dirty="0">
+              <a:rPr lang="en-US" sz="1400" i="1" dirty="0">
                 <a:solidFill>
                   <a:schemeClr val="bg2"/>
                 </a:solidFill>
@@ -8328,7 +11208,7 @@
               <a:t>. "Sign language geography in the Arab world." Sign languages: A Cambridge survey (2010): 433-450</a:t>
             </a:r>
             <a:r>
-              <a:rPr lang="en-US" sz="1600" i="1" dirty="0" smtClean="0">
+              <a:rPr lang="en-US" sz="1400" i="1" dirty="0" smtClean="0">
                 <a:solidFill>
                   <a:schemeClr val="bg2"/>
                 </a:solidFill>
@@ -8339,7 +11219,7 @@
             </a:r>
           </a:p>
           <a:p>
-            <a:endParaRPr lang="en-US" sz="1600" i="1" dirty="0">
+            <a:endParaRPr lang="en-US" sz="1400" i="1" dirty="0">
               <a:solidFill>
                 <a:schemeClr val="bg2"/>
               </a:solidFill>
@@ -8349,7 +11229,7 @@
           </a:p>
           <a:p>
             <a:r>
-              <a:rPr lang="en-US" sz="1600" i="1" dirty="0" smtClean="0">
+              <a:rPr lang="en-US" sz="1400" i="1" dirty="0" smtClean="0">
                 <a:solidFill>
                   <a:schemeClr val="bg2"/>
                 </a:solidFill>
@@ -8359,7 +11239,7 @@
               <a:t>[4] </a:t>
             </a:r>
             <a:r>
-              <a:rPr lang="en-US" sz="1600" i="1" dirty="0">
+              <a:rPr lang="en-US" sz="1400" i="1" dirty="0">
                 <a:solidFill>
                   <a:schemeClr val="bg2"/>
                 </a:solidFill>
@@ -8369,7 +11249,7 @@
               <a:t>Cox, S., Lincoln, M., </a:t>
             </a:r>
             <a:r>
-              <a:rPr lang="en-US" sz="1600" i="1" dirty="0" err="1">
+              <a:rPr lang="en-US" sz="1400" i="1" dirty="0" err="1">
                 <a:solidFill>
                   <a:schemeClr val="bg2"/>
                 </a:solidFill>
@@ -8379,7 +11259,7 @@
               <a:t>Tryggvason</a:t>
             </a:r>
             <a:r>
-              <a:rPr lang="en-US" sz="1600" i="1" dirty="0">
+              <a:rPr lang="en-US" sz="1400" i="1" dirty="0">
                 <a:solidFill>
                   <a:schemeClr val="bg2"/>
                 </a:solidFill>
@@ -8389,7 +11269,7 @@
               <a:t>, J., </a:t>
             </a:r>
             <a:r>
-              <a:rPr lang="en-US" sz="1600" i="1" dirty="0" err="1">
+              <a:rPr lang="en-US" sz="1400" i="1" dirty="0" err="1">
                 <a:solidFill>
                   <a:schemeClr val="bg2"/>
                 </a:solidFill>
@@ -8399,7 +11279,7 @@
               <a:t>Nakisa</a:t>
             </a:r>
             <a:r>
-              <a:rPr lang="en-US" sz="1600" i="1" dirty="0">
+              <a:rPr lang="en-US" sz="1400" i="1" dirty="0">
                 <a:solidFill>
                   <a:schemeClr val="bg2"/>
                 </a:solidFill>
@@ -8409,7 +11289,7 @@
               <a:t>, M., Wells, M., </a:t>
             </a:r>
             <a:r>
-              <a:rPr lang="en-US" sz="1600" i="1" dirty="0" err="1">
+              <a:rPr lang="en-US" sz="1400" i="1" dirty="0" err="1">
                 <a:solidFill>
                   <a:schemeClr val="bg2"/>
                 </a:solidFill>
@@ -8419,7 +11299,7 @@
               <a:t>Tutt</a:t>
             </a:r>
             <a:r>
-              <a:rPr lang="en-US" sz="1600" i="1" dirty="0">
+              <a:rPr lang="en-US" sz="1400" i="1" dirty="0">
                 <a:solidFill>
                   <a:schemeClr val="bg2"/>
                 </a:solidFill>
@@ -8428,7 +11308,7 @@
               </a:rPr>
               <a:t>, M. and Abbott, S., 2002, July. Tessa, a system to aid communication with deaf people. In Proceedings of the fifth international ACM conference on Assistive technologies (pp. 205-212). ACM.</a:t>
             </a:r>
-            <a:endParaRPr lang="en-US" sz="1600" dirty="0">
+            <a:endParaRPr lang="en-US" sz="1400" dirty="0">
               <a:solidFill>
                 <a:schemeClr val="bg2"/>
               </a:solidFill>
@@ -8437,7 +11317,7 @@
             </a:endParaRPr>
           </a:p>
           <a:p>
-            <a:endParaRPr lang="en-US" sz="1600" i="1" dirty="0" smtClean="0">
+            <a:endParaRPr lang="en-US" sz="1400" i="1" dirty="0" smtClean="0">
               <a:solidFill>
                 <a:schemeClr val="bg2"/>
               </a:solidFill>
@@ -8447,7 +11327,7 @@
           </a:p>
           <a:p>
             <a:r>
-              <a:rPr lang="en-US" sz="1600" i="1" dirty="0" smtClean="0">
+              <a:rPr lang="en-US" sz="1400" i="1" dirty="0" smtClean="0">
                 <a:solidFill>
                   <a:schemeClr val="bg2"/>
                 </a:solidFill>
@@ -8457,7 +11337,7 @@
               <a:t>[5] </a:t>
             </a:r>
             <a:r>
-              <a:rPr lang="en-US" sz="1600" u="sng" dirty="0">
+              <a:rPr lang="en-US" sz="1400" u="sng" dirty="0">
                 <a:solidFill>
                   <a:schemeClr val="bg2"/>
                 </a:solidFill>
@@ -8465,21 +11345,10 @@
                 <a:cs typeface="Calibri Light" panose="020F0302020204030204" pitchFamily="34" charset="0"/>
                 <a:hlinkClick r:id="rId3"/>
               </a:rPr>
-              <a:t>https</a:t>
-            </a:r>
-            <a:r>
-              <a:rPr lang="en-US" sz="1600" u="sng">
-                <a:solidFill>
-                  <a:schemeClr val="bg2"/>
-                </a:solidFill>
-                <a:latin typeface="Calibri Light" panose="020F0302020204030204" pitchFamily="34" charset="0"/>
-                <a:cs typeface="Calibri Light" panose="020F0302020204030204" pitchFamily="34" charset="0"/>
-                <a:hlinkClick r:id="rId3"/>
-              </a:rPr>
-              <a:t>://</a:t>
-            </a:r>
-            <a:r>
-              <a:rPr lang="en-US" sz="1600" u="sng" smtClean="0">
+              <a:t>https://</a:t>
+            </a:r>
+            <a:r>
+              <a:rPr lang="en-US" sz="1400" u="sng" dirty="0" smtClean="0">
                 <a:solidFill>
                   <a:schemeClr val="bg2"/>
                 </a:solidFill>
@@ -8489,7 +11358,87 @@
               </a:rPr>
               <a:t>www.handtalk.me/sobre</a:t>
             </a:r>
-            <a:endParaRPr lang="en-US" sz="1600" u="sng" smtClean="0">
+            <a:endParaRPr lang="en-US" sz="1400" u="sng" dirty="0" smtClean="0">
+              <a:solidFill>
+                <a:schemeClr val="bg2"/>
+              </a:solidFill>
+              <a:latin typeface="Calibri Light" panose="020F0302020204030204" pitchFamily="34" charset="0"/>
+              <a:cs typeface="Calibri Light" panose="020F0302020204030204" pitchFamily="34" charset="0"/>
+            </a:endParaRPr>
+          </a:p>
+          <a:p>
+            <a:endParaRPr lang="en-US" sz="1400" u="sng" dirty="0">
+              <a:solidFill>
+                <a:schemeClr val="bg2"/>
+              </a:solidFill>
+              <a:latin typeface="Calibri Light" panose="020F0302020204030204" pitchFamily="34" charset="0"/>
+              <a:cs typeface="Calibri Light" panose="020F0302020204030204" pitchFamily="34" charset="0"/>
+            </a:endParaRPr>
+          </a:p>
+          <a:p>
+            <a:r>
+              <a:rPr lang="en-US" sz="1400" i="1" dirty="0" smtClean="0">
+                <a:solidFill>
+                  <a:schemeClr val="bg2"/>
+                </a:solidFill>
+                <a:latin typeface="Calibri Light" panose="020F0302020204030204" pitchFamily="34" charset="0"/>
+                <a:cs typeface="Calibri Light" panose="020F0302020204030204" pitchFamily="34" charset="0"/>
+              </a:rPr>
+              <a:t>[6] </a:t>
+            </a:r>
+            <a:r>
+              <a:rPr lang="en-US" sz="1400" i="1" dirty="0">
+                <a:solidFill>
+                  <a:schemeClr val="bg2"/>
+                </a:solidFill>
+                <a:latin typeface="Calibri Light" panose="020F0302020204030204" pitchFamily="34" charset="0"/>
+                <a:cs typeface="Calibri Light" panose="020F0302020204030204" pitchFamily="34" charset="0"/>
+              </a:rPr>
+              <a:t>U. </a:t>
+            </a:r>
+            <a:r>
+              <a:rPr lang="en-US" sz="1400" i="1" dirty="0" err="1">
+                <a:solidFill>
+                  <a:schemeClr val="bg2"/>
+                </a:solidFill>
+                <a:latin typeface="Calibri Light" panose="020F0302020204030204" pitchFamily="34" charset="0"/>
+                <a:cs typeface="Calibri Light" panose="020F0302020204030204" pitchFamily="34" charset="0"/>
+              </a:rPr>
+              <a:t>Gollner</a:t>
+            </a:r>
+            <a:r>
+              <a:rPr lang="en-US" sz="1400" i="1" dirty="0">
+                <a:solidFill>
+                  <a:schemeClr val="bg2"/>
+                </a:solidFill>
+                <a:latin typeface="Calibri Light" panose="020F0302020204030204" pitchFamily="34" charset="0"/>
+                <a:cs typeface="Calibri Light" panose="020F0302020204030204" pitchFamily="34" charset="0"/>
+              </a:rPr>
+              <a:t> et al., "Mobile </a:t>
+            </a:r>
+            <a:r>
+              <a:rPr lang="en-US" sz="1400" i="1" dirty="0" err="1">
+                <a:solidFill>
+                  <a:schemeClr val="bg2"/>
+                </a:solidFill>
+                <a:latin typeface="Calibri Light" panose="020F0302020204030204" pitchFamily="34" charset="0"/>
+                <a:cs typeface="Calibri Light" panose="020F0302020204030204" pitchFamily="34" charset="0"/>
+              </a:rPr>
+              <a:t>Lorm</a:t>
+            </a:r>
+            <a:r>
+              <a:rPr lang="en-US" sz="1400" i="1" dirty="0">
+                <a:solidFill>
+                  <a:schemeClr val="bg2"/>
+                </a:solidFill>
+                <a:latin typeface="Calibri Light" panose="020F0302020204030204" pitchFamily="34" charset="0"/>
+                <a:cs typeface="Calibri Light" panose="020F0302020204030204" pitchFamily="34" charset="0"/>
+              </a:rPr>
+              <a:t> glove introducing a communication device for deaf-blind people", Proc. 6th Int. Conf. Tangible Embedded and Embodied Interaction, pp. 127-130, 2012.</a:t>
+            </a:r>
+          </a:p>
+          <a:p>
+            <a:endParaRPr lang="en-US" sz="1600" u="sng" dirty="0" smtClean="0">
               <a:solidFill>
                 <a:schemeClr val="bg2"/>
               </a:solidFill>
@@ -8529,120 +11478,6 @@
         </p:txBody>
       </p:sp>
     </p:spTree>
-  </p:cSld>
-  <p:clrMapOvr>
-    <a:masterClrMapping/>
-  </p:clrMapOvr>
-</p:sld>
-</file>
-
-<file path=ppt/slides/slide14.xml><?xml version="1.0" encoding="utf-8"?>
-<p:sld xmlns:a="http://schemas.openxmlformats.org/drawingml/2006/main" xmlns:r="http://schemas.openxmlformats.org/officeDocument/2006/relationships" xmlns:p="http://schemas.openxmlformats.org/presentationml/2006/main">
-  <p:cSld>
-    <p:spTree>
-      <p:nvGrpSpPr>
-        <p:cNvPr id="1" name="Shape 374"/>
-        <p:cNvGrpSpPr/>
-        <p:nvPr/>
-      </p:nvGrpSpPr>
-      <p:grpSpPr>
-        <a:xfrm>
-          <a:off x="0" y="0"/>
-          <a:ext cx="0" cy="0"/>
-          <a:chOff x="0" y="0"/>
-          <a:chExt cx="0" cy="0"/>
-        </a:xfrm>
-      </p:grpSpPr>
-      <p:sp>
-        <p:nvSpPr>
-          <p:cNvPr id="375" name="Google Shape;375;p36"/>
-          <p:cNvSpPr txBox="1">
-            <a:spLocks noGrp="1"/>
-          </p:cNvSpPr>
-          <p:nvPr>
-            <p:ph type="ctrTitle" idx="4294967295"/>
-          </p:nvPr>
-        </p:nvSpPr>
-        <p:spPr>
-          <a:xfrm>
-            <a:off x="1371600" y="1986155"/>
-            <a:ext cx="6373368" cy="1546500"/>
-          </a:xfrm>
-          <a:prstGeom prst="rect">
-            <a:avLst/>
-          </a:prstGeom>
-        </p:spPr>
-        <p:txBody>
-          <a:bodyPr spcFirstLastPara="1" wrap="square" lIns="91425" tIns="91425" rIns="91425" bIns="91425" anchor="b" anchorCtr="0">
-            <a:noAutofit/>
-          </a:bodyPr>
-          <a:lstStyle/>
-          <a:p>
-            <a:pPr marL="0" lvl="0" indent="0" algn="ctr" rtl="0">
-              <a:spcBef>
-                <a:spcPts val="0"/>
-              </a:spcBef>
-              <a:spcAft>
-                <a:spcPts val="0"/>
-              </a:spcAft>
-              <a:buNone/>
-            </a:pPr>
-            <a:r>
-              <a:rPr lang="en" sz="6000" b="1" dirty="0"/>
-              <a:t>Thanks!</a:t>
-            </a:r>
-            <a:endParaRPr sz="6000" b="1" dirty="0"/>
-          </a:p>
-        </p:txBody>
-      </p:sp>
-      <p:sp>
-        <p:nvSpPr>
-          <p:cNvPr id="378" name="Google Shape;378;p36"/>
-          <p:cNvSpPr txBox="1">
-            <a:spLocks noGrp="1"/>
-          </p:cNvSpPr>
-          <p:nvPr>
-            <p:ph type="sldNum" idx="12"/>
-          </p:nvPr>
-        </p:nvSpPr>
-        <p:spPr>
-          <a:xfrm>
-            <a:off x="8404384" y="6333134"/>
-            <a:ext cx="548700" cy="525000"/>
-          </a:xfrm>
-          <a:prstGeom prst="rect">
-            <a:avLst/>
-          </a:prstGeom>
-        </p:spPr>
-        <p:txBody>
-          <a:bodyPr spcFirstLastPara="1" wrap="square" lIns="91425" tIns="91425" rIns="91425" bIns="91425" anchor="t" anchorCtr="0">
-            <a:noAutofit/>
-          </a:bodyPr>
-          <a:lstStyle/>
-          <a:p>
-            <a:pPr marL="0" lvl="0" indent="0" algn="r" rtl="0">
-              <a:spcBef>
-                <a:spcPts val="0"/>
-              </a:spcBef>
-              <a:spcAft>
-                <a:spcPts val="0"/>
-              </a:spcAft>
-              <a:buNone/>
-            </a:pPr>
-            <a:fld id="{00000000-1234-1234-1234-123412341234}" type="slidenum">
-              <a:rPr lang="en"/>
-              <a:t>14</a:t>
-            </a:fld>
-            <a:endParaRPr/>
-          </a:p>
-        </p:txBody>
-      </p:sp>
-    </p:spTree>
-    <p:extLst>
-      <p:ext uri="{BB962C8B-B14F-4D97-AF65-F5344CB8AC3E}">
-        <p14:creationId xmlns:p14="http://schemas.microsoft.com/office/powerpoint/2010/main" val="1230752816"/>
-      </p:ext>
-    </p:extLst>
   </p:cSld>
   <p:clrMapOvr>
     <a:masterClrMapping/>
@@ -9021,6 +11856,1157 @@
       </p:par>
     </p:tnLst>
   </p:timing>
+</p:sld>
+</file>
+
+<file path=ppt/slides/slide20.xml><?xml version="1.0" encoding="utf-8"?>
+<p:sld xmlns:a="http://schemas.openxmlformats.org/drawingml/2006/main" xmlns:r="http://schemas.openxmlformats.org/officeDocument/2006/relationships" xmlns:p="http://schemas.openxmlformats.org/presentationml/2006/main">
+  <p:cSld>
+    <p:spTree>
+      <p:nvGrpSpPr>
+        <p:cNvPr id="1" name="Shape 374"/>
+        <p:cNvGrpSpPr/>
+        <p:nvPr/>
+      </p:nvGrpSpPr>
+      <p:grpSpPr>
+        <a:xfrm>
+          <a:off x="0" y="0"/>
+          <a:ext cx="0" cy="0"/>
+          <a:chOff x="0" y="0"/>
+          <a:chExt cx="0" cy="0"/>
+        </a:xfrm>
+      </p:grpSpPr>
+      <p:sp>
+        <p:nvSpPr>
+          <p:cNvPr id="375" name="Google Shape;375;p36"/>
+          <p:cNvSpPr txBox="1">
+            <a:spLocks noGrp="1"/>
+          </p:cNvSpPr>
+          <p:nvPr>
+            <p:ph type="ctrTitle" idx="4294967295"/>
+          </p:nvPr>
+        </p:nvSpPr>
+        <p:spPr>
+          <a:xfrm>
+            <a:off x="219456" y="265175"/>
+            <a:ext cx="6373368" cy="771167"/>
+          </a:xfrm>
+          <a:prstGeom prst="rect">
+            <a:avLst/>
+          </a:prstGeom>
+        </p:spPr>
+        <p:txBody>
+          <a:bodyPr spcFirstLastPara="1" wrap="square" lIns="91425" tIns="91425" rIns="91425" bIns="91425" anchor="b" anchorCtr="0">
+            <a:noAutofit/>
+          </a:bodyPr>
+          <a:lstStyle/>
+          <a:p>
+            <a:pPr marL="0" lvl="0" indent="0" rtl="0">
+              <a:spcBef>
+                <a:spcPts val="0"/>
+              </a:spcBef>
+              <a:spcAft>
+                <a:spcPts val="0"/>
+              </a:spcAft>
+              <a:buNone/>
+            </a:pPr>
+            <a:r>
+              <a:rPr lang="en" sz="2800" b="1" dirty="0" smtClean="0"/>
+              <a:t>References</a:t>
+            </a:r>
+            <a:endParaRPr sz="2800" b="1" dirty="0"/>
+          </a:p>
+        </p:txBody>
+      </p:sp>
+      <p:sp>
+        <p:nvSpPr>
+          <p:cNvPr id="378" name="Google Shape;378;p36"/>
+          <p:cNvSpPr txBox="1">
+            <a:spLocks noGrp="1"/>
+          </p:cNvSpPr>
+          <p:nvPr>
+            <p:ph type="sldNum" idx="12"/>
+          </p:nvPr>
+        </p:nvSpPr>
+        <p:spPr>
+          <a:xfrm>
+            <a:off x="8404384" y="6333134"/>
+            <a:ext cx="548700" cy="525000"/>
+          </a:xfrm>
+          <a:prstGeom prst="rect">
+            <a:avLst/>
+          </a:prstGeom>
+        </p:spPr>
+        <p:txBody>
+          <a:bodyPr spcFirstLastPara="1" wrap="square" lIns="91425" tIns="91425" rIns="91425" bIns="91425" anchor="t" anchorCtr="0">
+            <a:noAutofit/>
+          </a:bodyPr>
+          <a:lstStyle/>
+          <a:p>
+            <a:pPr marL="0" lvl="0" indent="0" algn="r" rtl="0">
+              <a:spcBef>
+                <a:spcPts val="0"/>
+              </a:spcBef>
+              <a:spcAft>
+                <a:spcPts val="0"/>
+              </a:spcAft>
+              <a:buNone/>
+            </a:pPr>
+            <a:fld id="{00000000-1234-1234-1234-123412341234}" type="slidenum">
+              <a:rPr lang="en"/>
+              <a:t>20</a:t>
+            </a:fld>
+            <a:endParaRPr/>
+          </a:p>
+        </p:txBody>
+      </p:sp>
+      <p:sp>
+        <p:nvSpPr>
+          <p:cNvPr id="6" name="Google Shape;375;p36"/>
+          <p:cNvSpPr txBox="1">
+            <a:spLocks/>
+          </p:cNvSpPr>
+          <p:nvPr/>
+        </p:nvSpPr>
+        <p:spPr>
+          <a:xfrm>
+            <a:off x="408432" y="1139951"/>
+            <a:ext cx="8177784" cy="5193183"/>
+          </a:xfrm>
+          <a:prstGeom prst="rect">
+            <a:avLst/>
+          </a:prstGeom>
+          <a:noFill/>
+          <a:ln>
+            <a:noFill/>
+          </a:ln>
+        </p:spPr>
+        <p:txBody>
+          <a:bodyPr spcFirstLastPara="1" wrap="square" lIns="91425" tIns="91425" rIns="91425" bIns="91425" anchor="b" anchorCtr="0">
+            <a:noAutofit/>
+          </a:bodyPr>
+          <a:lstStyle>
+            <a:defPPr marR="0" lvl="0" algn="l" rtl="0">
+              <a:lnSpc>
+                <a:spcPct val="100000"/>
+              </a:lnSpc>
+              <a:spcBef>
+                <a:spcPts val="0"/>
+              </a:spcBef>
+              <a:spcAft>
+                <a:spcPts val="0"/>
+              </a:spcAft>
+            </a:defPPr>
+            <a:lvl1pPr marR="0" lvl="0" algn="l" rtl="0">
+              <a:lnSpc>
+                <a:spcPct val="100000"/>
+              </a:lnSpc>
+              <a:spcBef>
+                <a:spcPts val="0"/>
+              </a:spcBef>
+              <a:spcAft>
+                <a:spcPts val="0"/>
+              </a:spcAft>
+              <a:buClr>
+                <a:srgbClr val="0091EA"/>
+              </a:buClr>
+              <a:buSzPts val="2000"/>
+              <a:buFont typeface="Roboto Slab"/>
+              <a:buNone/>
+              <a:defRPr sz="2000" b="0" i="0" u="none" strike="noStrike" cap="none">
+                <a:solidFill>
+                  <a:srgbClr val="0091EA"/>
+                </a:solidFill>
+                <a:latin typeface="Roboto Slab"/>
+                <a:ea typeface="Roboto Slab"/>
+                <a:cs typeface="Roboto Slab"/>
+                <a:sym typeface="Roboto Slab"/>
+              </a:defRPr>
+            </a:lvl1pPr>
+            <a:lvl2pPr marR="0" lvl="1" algn="l" rtl="0">
+              <a:lnSpc>
+                <a:spcPct val="100000"/>
+              </a:lnSpc>
+              <a:spcBef>
+                <a:spcPts val="0"/>
+              </a:spcBef>
+              <a:spcAft>
+                <a:spcPts val="0"/>
+              </a:spcAft>
+              <a:buClr>
+                <a:srgbClr val="0091EA"/>
+              </a:buClr>
+              <a:buSzPts val="2000"/>
+              <a:buFont typeface="Roboto Slab"/>
+              <a:buNone/>
+              <a:defRPr sz="2000" b="0" i="0" u="none" strike="noStrike" cap="none">
+                <a:solidFill>
+                  <a:srgbClr val="0091EA"/>
+                </a:solidFill>
+                <a:latin typeface="Roboto Slab"/>
+                <a:ea typeface="Roboto Slab"/>
+                <a:cs typeface="Roboto Slab"/>
+                <a:sym typeface="Roboto Slab"/>
+              </a:defRPr>
+            </a:lvl2pPr>
+            <a:lvl3pPr marR="0" lvl="2" algn="l" rtl="0">
+              <a:lnSpc>
+                <a:spcPct val="100000"/>
+              </a:lnSpc>
+              <a:spcBef>
+                <a:spcPts val="0"/>
+              </a:spcBef>
+              <a:spcAft>
+                <a:spcPts val="0"/>
+              </a:spcAft>
+              <a:buClr>
+                <a:srgbClr val="0091EA"/>
+              </a:buClr>
+              <a:buSzPts val="2000"/>
+              <a:buFont typeface="Roboto Slab"/>
+              <a:buNone/>
+              <a:defRPr sz="2000" b="0" i="0" u="none" strike="noStrike" cap="none">
+                <a:solidFill>
+                  <a:srgbClr val="0091EA"/>
+                </a:solidFill>
+                <a:latin typeface="Roboto Slab"/>
+                <a:ea typeface="Roboto Slab"/>
+                <a:cs typeface="Roboto Slab"/>
+                <a:sym typeface="Roboto Slab"/>
+              </a:defRPr>
+            </a:lvl3pPr>
+            <a:lvl4pPr marR="0" lvl="3" algn="l" rtl="0">
+              <a:lnSpc>
+                <a:spcPct val="100000"/>
+              </a:lnSpc>
+              <a:spcBef>
+                <a:spcPts val="0"/>
+              </a:spcBef>
+              <a:spcAft>
+                <a:spcPts val="0"/>
+              </a:spcAft>
+              <a:buClr>
+                <a:srgbClr val="0091EA"/>
+              </a:buClr>
+              <a:buSzPts val="2000"/>
+              <a:buFont typeface="Roboto Slab"/>
+              <a:buNone/>
+              <a:defRPr sz="2000" b="0" i="0" u="none" strike="noStrike" cap="none">
+                <a:solidFill>
+                  <a:srgbClr val="0091EA"/>
+                </a:solidFill>
+                <a:latin typeface="Roboto Slab"/>
+                <a:ea typeface="Roboto Slab"/>
+                <a:cs typeface="Roboto Slab"/>
+                <a:sym typeface="Roboto Slab"/>
+              </a:defRPr>
+            </a:lvl4pPr>
+            <a:lvl5pPr marR="0" lvl="4" algn="l" rtl="0">
+              <a:lnSpc>
+                <a:spcPct val="100000"/>
+              </a:lnSpc>
+              <a:spcBef>
+                <a:spcPts val="0"/>
+              </a:spcBef>
+              <a:spcAft>
+                <a:spcPts val="0"/>
+              </a:spcAft>
+              <a:buClr>
+                <a:srgbClr val="0091EA"/>
+              </a:buClr>
+              <a:buSzPts val="2000"/>
+              <a:buFont typeface="Roboto Slab"/>
+              <a:buNone/>
+              <a:defRPr sz="2000" b="0" i="0" u="none" strike="noStrike" cap="none">
+                <a:solidFill>
+                  <a:srgbClr val="0091EA"/>
+                </a:solidFill>
+                <a:latin typeface="Roboto Slab"/>
+                <a:ea typeface="Roboto Slab"/>
+                <a:cs typeface="Roboto Slab"/>
+                <a:sym typeface="Roboto Slab"/>
+              </a:defRPr>
+            </a:lvl5pPr>
+            <a:lvl6pPr marR="0" lvl="5" algn="l" rtl="0">
+              <a:lnSpc>
+                <a:spcPct val="100000"/>
+              </a:lnSpc>
+              <a:spcBef>
+                <a:spcPts val="0"/>
+              </a:spcBef>
+              <a:spcAft>
+                <a:spcPts val="0"/>
+              </a:spcAft>
+              <a:buClr>
+                <a:srgbClr val="0091EA"/>
+              </a:buClr>
+              <a:buSzPts val="2000"/>
+              <a:buFont typeface="Roboto Slab"/>
+              <a:buNone/>
+              <a:defRPr sz="2000" b="0" i="0" u="none" strike="noStrike" cap="none">
+                <a:solidFill>
+                  <a:srgbClr val="0091EA"/>
+                </a:solidFill>
+                <a:latin typeface="Roboto Slab"/>
+                <a:ea typeface="Roboto Slab"/>
+                <a:cs typeface="Roboto Slab"/>
+                <a:sym typeface="Roboto Slab"/>
+              </a:defRPr>
+            </a:lvl6pPr>
+            <a:lvl7pPr marR="0" lvl="6" algn="l" rtl="0">
+              <a:lnSpc>
+                <a:spcPct val="100000"/>
+              </a:lnSpc>
+              <a:spcBef>
+                <a:spcPts val="0"/>
+              </a:spcBef>
+              <a:spcAft>
+                <a:spcPts val="0"/>
+              </a:spcAft>
+              <a:buClr>
+                <a:srgbClr val="0091EA"/>
+              </a:buClr>
+              <a:buSzPts val="2000"/>
+              <a:buFont typeface="Roboto Slab"/>
+              <a:buNone/>
+              <a:defRPr sz="2000" b="0" i="0" u="none" strike="noStrike" cap="none">
+                <a:solidFill>
+                  <a:srgbClr val="0091EA"/>
+                </a:solidFill>
+                <a:latin typeface="Roboto Slab"/>
+                <a:ea typeface="Roboto Slab"/>
+                <a:cs typeface="Roboto Slab"/>
+                <a:sym typeface="Roboto Slab"/>
+              </a:defRPr>
+            </a:lvl7pPr>
+            <a:lvl8pPr marR="0" lvl="7" algn="l" rtl="0">
+              <a:lnSpc>
+                <a:spcPct val="100000"/>
+              </a:lnSpc>
+              <a:spcBef>
+                <a:spcPts val="0"/>
+              </a:spcBef>
+              <a:spcAft>
+                <a:spcPts val="0"/>
+              </a:spcAft>
+              <a:buClr>
+                <a:srgbClr val="0091EA"/>
+              </a:buClr>
+              <a:buSzPts val="2000"/>
+              <a:buFont typeface="Roboto Slab"/>
+              <a:buNone/>
+              <a:defRPr sz="2000" b="0" i="0" u="none" strike="noStrike" cap="none">
+                <a:solidFill>
+                  <a:srgbClr val="0091EA"/>
+                </a:solidFill>
+                <a:latin typeface="Roboto Slab"/>
+                <a:ea typeface="Roboto Slab"/>
+                <a:cs typeface="Roboto Slab"/>
+                <a:sym typeface="Roboto Slab"/>
+              </a:defRPr>
+            </a:lvl8pPr>
+            <a:lvl9pPr marR="0" lvl="8" algn="l" rtl="0">
+              <a:lnSpc>
+                <a:spcPct val="100000"/>
+              </a:lnSpc>
+              <a:spcBef>
+                <a:spcPts val="0"/>
+              </a:spcBef>
+              <a:spcAft>
+                <a:spcPts val="0"/>
+              </a:spcAft>
+              <a:buClr>
+                <a:srgbClr val="0091EA"/>
+              </a:buClr>
+              <a:buSzPts val="2000"/>
+              <a:buFont typeface="Roboto Slab"/>
+              <a:buNone/>
+              <a:defRPr sz="2000" b="0" i="0" u="none" strike="noStrike" cap="none">
+                <a:solidFill>
+                  <a:srgbClr val="0091EA"/>
+                </a:solidFill>
+                <a:latin typeface="Roboto Slab"/>
+                <a:ea typeface="Roboto Slab"/>
+                <a:cs typeface="Roboto Slab"/>
+                <a:sym typeface="Roboto Slab"/>
+              </a:defRPr>
+            </a:lvl9pPr>
+          </a:lstStyle>
+          <a:p>
+            <a:r>
+              <a:rPr lang="en-US" sz="1400" i="1" dirty="0" smtClean="0">
+                <a:solidFill>
+                  <a:schemeClr val="bg2"/>
+                </a:solidFill>
+                <a:latin typeface="Calibri Light" panose="020F0302020204030204" pitchFamily="34" charset="0"/>
+                <a:cs typeface="Calibri Light" panose="020F0302020204030204" pitchFamily="34" charset="0"/>
+              </a:rPr>
+              <a:t>[</a:t>
+            </a:r>
+            <a:r>
+              <a:rPr lang="en-US" sz="1400" i="1" dirty="0">
+                <a:solidFill>
+                  <a:schemeClr val="bg2"/>
+                </a:solidFill>
+                <a:latin typeface="Calibri Light" panose="020F0302020204030204" pitchFamily="34" charset="0"/>
+                <a:cs typeface="Calibri Light" panose="020F0302020204030204" pitchFamily="34" charset="0"/>
+              </a:rPr>
+              <a:t>7</a:t>
+            </a:r>
+            <a:r>
+              <a:rPr lang="en-US" sz="1400" i="1" dirty="0" smtClean="0">
+                <a:solidFill>
+                  <a:schemeClr val="bg2"/>
+                </a:solidFill>
+                <a:latin typeface="Calibri Light" panose="020F0302020204030204" pitchFamily="34" charset="0"/>
+                <a:cs typeface="Calibri Light" panose="020F0302020204030204" pitchFamily="34" charset="0"/>
+              </a:rPr>
+              <a:t>] </a:t>
+            </a:r>
+            <a:r>
+              <a:rPr lang="en-US" sz="1400" i="1" dirty="0" err="1">
+                <a:solidFill>
+                  <a:schemeClr val="bg2"/>
+                </a:solidFill>
+                <a:latin typeface="Calibri Light" panose="020F0302020204030204" pitchFamily="34" charset="0"/>
+                <a:cs typeface="Calibri Light" panose="020F0302020204030204" pitchFamily="34" charset="0"/>
+              </a:rPr>
+              <a:t>Rajamohan</a:t>
+            </a:r>
+            <a:r>
+              <a:rPr lang="en-US" sz="1400" i="1" dirty="0">
+                <a:solidFill>
+                  <a:schemeClr val="bg2"/>
+                </a:solidFill>
+                <a:latin typeface="Calibri Light" panose="020F0302020204030204" pitchFamily="34" charset="0"/>
+                <a:cs typeface="Calibri Light" panose="020F0302020204030204" pitchFamily="34" charset="0"/>
+              </a:rPr>
+              <a:t>, </a:t>
+            </a:r>
+            <a:r>
+              <a:rPr lang="en-US" sz="1400" i="1" dirty="0" err="1">
+                <a:solidFill>
+                  <a:schemeClr val="bg2"/>
+                </a:solidFill>
+                <a:latin typeface="Calibri Light" panose="020F0302020204030204" pitchFamily="34" charset="0"/>
+                <a:cs typeface="Calibri Light" panose="020F0302020204030204" pitchFamily="34" charset="0"/>
+              </a:rPr>
+              <a:t>Anbarasi</a:t>
+            </a:r>
+            <a:r>
+              <a:rPr lang="en-US" sz="1400" i="1" dirty="0">
+                <a:solidFill>
+                  <a:schemeClr val="bg2"/>
+                </a:solidFill>
+                <a:latin typeface="Calibri Light" panose="020F0302020204030204" pitchFamily="34" charset="0"/>
+                <a:cs typeface="Calibri Light" panose="020F0302020204030204" pitchFamily="34" charset="0"/>
+              </a:rPr>
+              <a:t>, R. </a:t>
+            </a:r>
+            <a:r>
+              <a:rPr lang="en-US" sz="1400" i="1" dirty="0" err="1">
+                <a:solidFill>
+                  <a:schemeClr val="bg2"/>
+                </a:solidFill>
+                <a:latin typeface="Calibri Light" panose="020F0302020204030204" pitchFamily="34" charset="0"/>
+                <a:cs typeface="Calibri Light" panose="020F0302020204030204" pitchFamily="34" charset="0"/>
+              </a:rPr>
+              <a:t>Hemavathy</a:t>
+            </a:r>
+            <a:r>
+              <a:rPr lang="en-US" sz="1400" i="1" dirty="0">
+                <a:solidFill>
+                  <a:schemeClr val="bg2"/>
+                </a:solidFill>
+                <a:latin typeface="Calibri Light" panose="020F0302020204030204" pitchFamily="34" charset="0"/>
+                <a:cs typeface="Calibri Light" panose="020F0302020204030204" pitchFamily="34" charset="0"/>
+              </a:rPr>
+              <a:t>, and M. </a:t>
+            </a:r>
+            <a:r>
+              <a:rPr lang="en-US" sz="1400" i="1" dirty="0" err="1">
+                <a:solidFill>
+                  <a:schemeClr val="bg2"/>
+                </a:solidFill>
+                <a:latin typeface="Calibri Light" panose="020F0302020204030204" pitchFamily="34" charset="0"/>
+                <a:cs typeface="Calibri Light" panose="020F0302020204030204" pitchFamily="34" charset="0"/>
+              </a:rPr>
+              <a:t>Dhanalakshmi</a:t>
+            </a:r>
+            <a:r>
+              <a:rPr lang="en-US" sz="1400" i="1" dirty="0">
+                <a:solidFill>
+                  <a:schemeClr val="bg2"/>
+                </a:solidFill>
+                <a:latin typeface="Calibri Light" panose="020F0302020204030204" pitchFamily="34" charset="0"/>
+                <a:cs typeface="Calibri Light" panose="020F0302020204030204" pitchFamily="34" charset="0"/>
+              </a:rPr>
+              <a:t>. "Deaf-mute communication interpreter." International Journal of Scientific Engineering and Technology 2.5 (2013): 336-341</a:t>
+            </a:r>
+            <a:r>
+              <a:rPr lang="en-US" sz="1400" i="1" dirty="0" smtClean="0">
+                <a:solidFill>
+                  <a:schemeClr val="bg2"/>
+                </a:solidFill>
+                <a:latin typeface="Calibri Light" panose="020F0302020204030204" pitchFamily="34" charset="0"/>
+                <a:cs typeface="Calibri Light" panose="020F0302020204030204" pitchFamily="34" charset="0"/>
+              </a:rPr>
+              <a:t>.</a:t>
+            </a:r>
+          </a:p>
+          <a:p>
+            <a:endParaRPr lang="en-US" sz="1400" i="1" dirty="0">
+              <a:solidFill>
+                <a:schemeClr val="bg2"/>
+              </a:solidFill>
+              <a:latin typeface="Calibri Light" panose="020F0302020204030204" pitchFamily="34" charset="0"/>
+              <a:cs typeface="Calibri Light" panose="020F0302020204030204" pitchFamily="34" charset="0"/>
+            </a:endParaRPr>
+          </a:p>
+          <a:p>
+            <a:r>
+              <a:rPr lang="en-US" sz="1400" i="1" dirty="0" smtClean="0">
+                <a:solidFill>
+                  <a:schemeClr val="bg2"/>
+                </a:solidFill>
+                <a:latin typeface="Calibri Light" panose="020F0302020204030204" pitchFamily="34" charset="0"/>
+                <a:cs typeface="Calibri Light" panose="020F0302020204030204" pitchFamily="34" charset="0"/>
+              </a:rPr>
+              <a:t>[</a:t>
+            </a:r>
+            <a:r>
+              <a:rPr lang="en-US" sz="1400" i="1" dirty="0">
+                <a:solidFill>
+                  <a:schemeClr val="bg2"/>
+                </a:solidFill>
+                <a:latin typeface="Calibri Light" panose="020F0302020204030204" pitchFamily="34" charset="0"/>
+                <a:cs typeface="Calibri Light" panose="020F0302020204030204" pitchFamily="34" charset="0"/>
+              </a:rPr>
+              <a:t>8</a:t>
+            </a:r>
+            <a:r>
+              <a:rPr lang="en-US" sz="1400" i="1" dirty="0" smtClean="0">
+                <a:solidFill>
+                  <a:schemeClr val="bg2"/>
+                </a:solidFill>
+                <a:latin typeface="Calibri Light" panose="020F0302020204030204" pitchFamily="34" charset="0"/>
+                <a:cs typeface="Calibri Light" panose="020F0302020204030204" pitchFamily="34" charset="0"/>
+              </a:rPr>
+              <a:t>] </a:t>
+            </a:r>
+            <a:r>
+              <a:rPr lang="en-US" sz="1400" i="1" dirty="0" err="1">
+                <a:solidFill>
+                  <a:schemeClr val="bg2"/>
+                </a:solidFill>
+                <a:latin typeface="Calibri Light" panose="020F0302020204030204" pitchFamily="34" charset="0"/>
+                <a:cs typeface="Calibri Light" panose="020F0302020204030204" pitchFamily="34" charset="0"/>
+              </a:rPr>
+              <a:t>Halawani</a:t>
+            </a:r>
+            <a:r>
+              <a:rPr lang="en-US" sz="1400" i="1" dirty="0">
+                <a:solidFill>
+                  <a:schemeClr val="bg2"/>
+                </a:solidFill>
+                <a:latin typeface="Calibri Light" panose="020F0302020204030204" pitchFamily="34" charset="0"/>
+                <a:cs typeface="Calibri Light" panose="020F0302020204030204" pitchFamily="34" charset="0"/>
+              </a:rPr>
+              <a:t>, Sami M. "Arabic sign language translation system on mobile devices." IJCSNS International Journal of Computer Science and Network Security 8.1 (2008): 251-256</a:t>
+            </a:r>
+            <a:r>
+              <a:rPr lang="en-US" sz="1400" i="1" dirty="0" smtClean="0">
+                <a:solidFill>
+                  <a:schemeClr val="bg2"/>
+                </a:solidFill>
+                <a:latin typeface="Calibri Light" panose="020F0302020204030204" pitchFamily="34" charset="0"/>
+                <a:cs typeface="Calibri Light" panose="020F0302020204030204" pitchFamily="34" charset="0"/>
+              </a:rPr>
+              <a:t>.</a:t>
+            </a:r>
+          </a:p>
+          <a:p>
+            <a:endParaRPr lang="en-US" sz="1400" i="1" dirty="0" smtClean="0">
+              <a:solidFill>
+                <a:schemeClr val="bg2"/>
+              </a:solidFill>
+              <a:latin typeface="Calibri Light" panose="020F0302020204030204" pitchFamily="34" charset="0"/>
+              <a:cs typeface="Calibri Light" panose="020F0302020204030204" pitchFamily="34" charset="0"/>
+            </a:endParaRPr>
+          </a:p>
+          <a:p>
+            <a:r>
+              <a:rPr lang="en-US" sz="1400" i="1" dirty="0" smtClean="0">
+                <a:solidFill>
+                  <a:schemeClr val="bg2"/>
+                </a:solidFill>
+                <a:latin typeface="Calibri Light" panose="020F0302020204030204" pitchFamily="34" charset="0"/>
+                <a:cs typeface="Calibri Light" panose="020F0302020204030204" pitchFamily="34" charset="0"/>
+              </a:rPr>
+              <a:t>[</a:t>
+            </a:r>
+            <a:r>
+              <a:rPr lang="en-US" sz="1400" i="1" dirty="0">
+                <a:solidFill>
+                  <a:schemeClr val="bg2"/>
+                </a:solidFill>
+                <a:latin typeface="Calibri Light" panose="020F0302020204030204" pitchFamily="34" charset="0"/>
+                <a:cs typeface="Calibri Light" panose="020F0302020204030204" pitchFamily="34" charset="0"/>
+              </a:rPr>
+              <a:t>9</a:t>
+            </a:r>
+            <a:r>
+              <a:rPr lang="en-US" sz="1400" i="1" dirty="0" smtClean="0">
+                <a:solidFill>
+                  <a:schemeClr val="bg2"/>
+                </a:solidFill>
+                <a:latin typeface="Calibri Light" panose="020F0302020204030204" pitchFamily="34" charset="0"/>
+                <a:cs typeface="Calibri Light" panose="020F0302020204030204" pitchFamily="34" charset="0"/>
+              </a:rPr>
+              <a:t>] </a:t>
+            </a:r>
+            <a:r>
+              <a:rPr lang="en-US" sz="1400" i="1" dirty="0">
+                <a:solidFill>
+                  <a:schemeClr val="bg2"/>
+                </a:solidFill>
+                <a:latin typeface="Calibri Light" panose="020F0302020204030204" pitchFamily="34" charset="0"/>
+                <a:cs typeface="Calibri Light" panose="020F0302020204030204" pitchFamily="34" charset="0"/>
+              </a:rPr>
+              <a:t>Matthews, T., Carter, S., </a:t>
+            </a:r>
+            <a:r>
+              <a:rPr lang="en-US" sz="1400" i="1" dirty="0" err="1">
+                <a:solidFill>
+                  <a:schemeClr val="bg2"/>
+                </a:solidFill>
+                <a:latin typeface="Calibri Light" panose="020F0302020204030204" pitchFamily="34" charset="0"/>
+                <a:cs typeface="Calibri Light" panose="020F0302020204030204" pitchFamily="34" charset="0"/>
+              </a:rPr>
+              <a:t>Pai</a:t>
+            </a:r>
+            <a:r>
+              <a:rPr lang="en-US" sz="1400" i="1" dirty="0">
+                <a:solidFill>
+                  <a:schemeClr val="bg2"/>
+                </a:solidFill>
+                <a:latin typeface="Calibri Light" panose="020F0302020204030204" pitchFamily="34" charset="0"/>
+                <a:cs typeface="Calibri Light" panose="020F0302020204030204" pitchFamily="34" charset="0"/>
+              </a:rPr>
+              <a:t>, C., Fong, J. and </a:t>
+            </a:r>
+            <a:r>
+              <a:rPr lang="en-US" sz="1400" i="1" dirty="0" err="1">
+                <a:solidFill>
+                  <a:schemeClr val="bg2"/>
+                </a:solidFill>
+                <a:latin typeface="Calibri Light" panose="020F0302020204030204" pitchFamily="34" charset="0"/>
+                <a:cs typeface="Calibri Light" panose="020F0302020204030204" pitchFamily="34" charset="0"/>
+              </a:rPr>
+              <a:t>Mankoff</a:t>
+            </a:r>
+            <a:r>
+              <a:rPr lang="en-US" sz="1400" i="1" dirty="0">
+                <a:solidFill>
+                  <a:schemeClr val="bg2"/>
+                </a:solidFill>
+                <a:latin typeface="Calibri Light" panose="020F0302020204030204" pitchFamily="34" charset="0"/>
+                <a:cs typeface="Calibri Light" panose="020F0302020204030204" pitchFamily="34" charset="0"/>
+              </a:rPr>
+              <a:t>, J., 2006, September. Scribe4Me: Evaluating a mobile sound transcription tool for the deaf. In International Conference on Ubiquitous Computing (pp. 159-176). Springer, Berlin, Heidelberg.</a:t>
+            </a:r>
+            <a:endParaRPr lang="en-US" sz="1400" dirty="0">
+              <a:solidFill>
+                <a:schemeClr val="bg2"/>
+              </a:solidFill>
+              <a:latin typeface="Calibri Light" panose="020F0302020204030204" pitchFamily="34" charset="0"/>
+              <a:cs typeface="Calibri Light" panose="020F0302020204030204" pitchFamily="34" charset="0"/>
+            </a:endParaRPr>
+          </a:p>
+          <a:p>
+            <a:endParaRPr lang="en-US" sz="1400" i="1" dirty="0" smtClean="0">
+              <a:solidFill>
+                <a:schemeClr val="bg2"/>
+              </a:solidFill>
+              <a:latin typeface="Calibri Light" panose="020F0302020204030204" pitchFamily="34" charset="0"/>
+              <a:cs typeface="Calibri Light" panose="020F0302020204030204" pitchFamily="34" charset="0"/>
+            </a:endParaRPr>
+          </a:p>
+          <a:p>
+            <a:r>
+              <a:rPr lang="en-US" sz="1400" i="1" dirty="0">
+                <a:solidFill>
+                  <a:schemeClr val="bg2"/>
+                </a:solidFill>
+                <a:latin typeface="Calibri Light" panose="020F0302020204030204" pitchFamily="34" charset="0"/>
+                <a:cs typeface="Calibri Light" panose="020F0302020204030204" pitchFamily="34" charset="0"/>
+              </a:rPr>
+              <a:t>[</a:t>
+            </a:r>
+            <a:r>
+              <a:rPr lang="en-US" sz="1400" i="1" dirty="0" smtClean="0">
+                <a:solidFill>
+                  <a:schemeClr val="bg2"/>
+                </a:solidFill>
+                <a:latin typeface="Calibri Light" panose="020F0302020204030204" pitchFamily="34" charset="0"/>
+                <a:cs typeface="Calibri Light" panose="020F0302020204030204" pitchFamily="34" charset="0"/>
+              </a:rPr>
+              <a:t>10] </a:t>
+            </a:r>
+            <a:r>
+              <a:rPr lang="en-US" sz="1400" i="1" dirty="0">
+                <a:solidFill>
+                  <a:schemeClr val="bg2"/>
+                </a:solidFill>
+                <a:latin typeface="Calibri Light" panose="020F0302020204030204" pitchFamily="34" charset="0"/>
+                <a:cs typeface="Calibri Light" panose="020F0302020204030204" pitchFamily="34" charset="0"/>
+              </a:rPr>
+              <a:t>San-Segundo, R., Barra, R., </a:t>
+            </a:r>
+            <a:r>
+              <a:rPr lang="en-US" sz="1400" i="1" dirty="0" err="1">
+                <a:solidFill>
+                  <a:schemeClr val="bg2"/>
+                </a:solidFill>
+                <a:latin typeface="Calibri Light" panose="020F0302020204030204" pitchFamily="34" charset="0"/>
+                <a:cs typeface="Calibri Light" panose="020F0302020204030204" pitchFamily="34" charset="0"/>
+              </a:rPr>
+              <a:t>D'Haro</a:t>
+            </a:r>
+            <a:r>
+              <a:rPr lang="en-US" sz="1400" i="1" dirty="0">
+                <a:solidFill>
+                  <a:schemeClr val="bg2"/>
+                </a:solidFill>
+                <a:latin typeface="Calibri Light" panose="020F0302020204030204" pitchFamily="34" charset="0"/>
+                <a:cs typeface="Calibri Light" panose="020F0302020204030204" pitchFamily="34" charset="0"/>
+              </a:rPr>
+              <a:t>, L.F., Montero, J.M., Córdoba, R. and </a:t>
+            </a:r>
+            <a:r>
+              <a:rPr lang="en-US" sz="1400" i="1" dirty="0" err="1">
+                <a:solidFill>
+                  <a:schemeClr val="bg2"/>
+                </a:solidFill>
+                <a:latin typeface="Calibri Light" panose="020F0302020204030204" pitchFamily="34" charset="0"/>
+                <a:cs typeface="Calibri Light" panose="020F0302020204030204" pitchFamily="34" charset="0"/>
+              </a:rPr>
+              <a:t>Ferreiros</a:t>
+            </a:r>
+            <a:r>
+              <a:rPr lang="en-US" sz="1400" i="1" dirty="0">
+                <a:solidFill>
+                  <a:schemeClr val="bg2"/>
+                </a:solidFill>
+                <a:latin typeface="Calibri Light" panose="020F0302020204030204" pitchFamily="34" charset="0"/>
+                <a:cs typeface="Calibri Light" panose="020F0302020204030204" pitchFamily="34" charset="0"/>
+              </a:rPr>
+              <a:t>, J., 2006. A </a:t>
+            </a:r>
+            <a:r>
+              <a:rPr lang="en-US" sz="1400" i="1" dirty="0" err="1">
+                <a:solidFill>
+                  <a:schemeClr val="bg2"/>
+                </a:solidFill>
+                <a:latin typeface="Calibri Light" panose="020F0302020204030204" pitchFamily="34" charset="0"/>
+                <a:cs typeface="Calibri Light" panose="020F0302020204030204" pitchFamily="34" charset="0"/>
+              </a:rPr>
+              <a:t>spanish</a:t>
+            </a:r>
+            <a:r>
+              <a:rPr lang="en-US" sz="1400" i="1" dirty="0">
+                <a:solidFill>
+                  <a:schemeClr val="bg2"/>
+                </a:solidFill>
+                <a:latin typeface="Calibri Light" panose="020F0302020204030204" pitchFamily="34" charset="0"/>
+                <a:cs typeface="Calibri Light" panose="020F0302020204030204" pitchFamily="34" charset="0"/>
+              </a:rPr>
+              <a:t> speech to sign language translation system for assisting deaf-mute people. In Ninth International Conference on Spoken Language Processing</a:t>
+            </a:r>
+            <a:r>
+              <a:rPr lang="en-US" sz="1400" i="1" dirty="0" smtClean="0">
+                <a:solidFill>
+                  <a:schemeClr val="bg2"/>
+                </a:solidFill>
+                <a:latin typeface="Calibri Light" panose="020F0302020204030204" pitchFamily="34" charset="0"/>
+                <a:cs typeface="Calibri Light" panose="020F0302020204030204" pitchFamily="34" charset="0"/>
+              </a:rPr>
+              <a:t>.</a:t>
+            </a:r>
+          </a:p>
+          <a:p>
+            <a:endParaRPr lang="en-US" sz="1400" i="1" dirty="0">
+              <a:solidFill>
+                <a:schemeClr val="bg2"/>
+              </a:solidFill>
+              <a:latin typeface="Calibri Light" panose="020F0302020204030204" pitchFamily="34" charset="0"/>
+              <a:cs typeface="Calibri Light" panose="020F0302020204030204" pitchFamily="34" charset="0"/>
+            </a:endParaRPr>
+          </a:p>
+          <a:p>
+            <a:r>
+              <a:rPr lang="en-US" sz="1400" i="1">
+                <a:solidFill>
+                  <a:schemeClr val="bg2"/>
+                </a:solidFill>
+                <a:latin typeface="Calibri Light" panose="020F0302020204030204" pitchFamily="34" charset="0"/>
+                <a:cs typeface="Calibri Light" panose="020F0302020204030204" pitchFamily="34" charset="0"/>
+              </a:rPr>
+              <a:t>[</a:t>
+            </a:r>
+            <a:r>
+              <a:rPr lang="en-US" sz="1400" i="1" smtClean="0">
+                <a:solidFill>
+                  <a:schemeClr val="bg2"/>
+                </a:solidFill>
+                <a:latin typeface="Calibri Light" panose="020F0302020204030204" pitchFamily="34" charset="0"/>
+                <a:cs typeface="Calibri Light" panose="020F0302020204030204" pitchFamily="34" charset="0"/>
+              </a:rPr>
+              <a:t>11] </a:t>
+            </a:r>
+            <a:r>
+              <a:rPr lang="en-US" sz="1400" i="1" dirty="0" err="1">
+                <a:solidFill>
+                  <a:schemeClr val="bg2"/>
+                </a:solidFill>
+                <a:latin typeface="Calibri Light" panose="020F0302020204030204" pitchFamily="34" charset="0"/>
+                <a:cs typeface="Calibri Light" panose="020F0302020204030204" pitchFamily="34" charset="0"/>
+              </a:rPr>
+              <a:t>Barberis</a:t>
+            </a:r>
+            <a:r>
+              <a:rPr lang="en-US" sz="1400" i="1" dirty="0">
+                <a:solidFill>
+                  <a:schemeClr val="bg2"/>
+                </a:solidFill>
+                <a:latin typeface="Calibri Light" panose="020F0302020204030204" pitchFamily="34" charset="0"/>
+                <a:cs typeface="Calibri Light" panose="020F0302020204030204" pitchFamily="34" charset="0"/>
+              </a:rPr>
+              <a:t>, D., </a:t>
+            </a:r>
+            <a:r>
+              <a:rPr lang="en-US" sz="1400" i="1" dirty="0" err="1">
+                <a:solidFill>
+                  <a:schemeClr val="bg2"/>
+                </a:solidFill>
+                <a:latin typeface="Calibri Light" panose="020F0302020204030204" pitchFamily="34" charset="0"/>
+                <a:cs typeface="Calibri Light" panose="020F0302020204030204" pitchFamily="34" charset="0"/>
+              </a:rPr>
+              <a:t>Garazzino</a:t>
+            </a:r>
+            <a:r>
+              <a:rPr lang="en-US" sz="1400" i="1" dirty="0">
+                <a:solidFill>
+                  <a:schemeClr val="bg2"/>
+                </a:solidFill>
+                <a:latin typeface="Calibri Light" panose="020F0302020204030204" pitchFamily="34" charset="0"/>
+                <a:cs typeface="Calibri Light" panose="020F0302020204030204" pitchFamily="34" charset="0"/>
+              </a:rPr>
+              <a:t>, N., </a:t>
+            </a:r>
+            <a:r>
+              <a:rPr lang="en-US" sz="1400" i="1" dirty="0" err="1">
+                <a:solidFill>
+                  <a:schemeClr val="bg2"/>
+                </a:solidFill>
+                <a:latin typeface="Calibri Light" panose="020F0302020204030204" pitchFamily="34" charset="0"/>
+                <a:cs typeface="Calibri Light" panose="020F0302020204030204" pitchFamily="34" charset="0"/>
+              </a:rPr>
+              <a:t>Prinetto</a:t>
+            </a:r>
+            <a:r>
+              <a:rPr lang="en-US" sz="1400" i="1" dirty="0">
+                <a:solidFill>
+                  <a:schemeClr val="bg2"/>
+                </a:solidFill>
+                <a:latin typeface="Calibri Light" panose="020F0302020204030204" pitchFamily="34" charset="0"/>
+                <a:cs typeface="Calibri Light" panose="020F0302020204030204" pitchFamily="34" charset="0"/>
+              </a:rPr>
+              <a:t>, P., </a:t>
+            </a:r>
+            <a:r>
+              <a:rPr lang="en-US" sz="1400" i="1" dirty="0" err="1">
+                <a:solidFill>
+                  <a:schemeClr val="bg2"/>
+                </a:solidFill>
+                <a:latin typeface="Calibri Light" panose="020F0302020204030204" pitchFamily="34" charset="0"/>
+                <a:cs typeface="Calibri Light" panose="020F0302020204030204" pitchFamily="34" charset="0"/>
+              </a:rPr>
+              <a:t>Tiotto</a:t>
+            </a:r>
+            <a:r>
+              <a:rPr lang="en-US" sz="1400" i="1" dirty="0">
+                <a:solidFill>
+                  <a:schemeClr val="bg2"/>
+                </a:solidFill>
+                <a:latin typeface="Calibri Light" panose="020F0302020204030204" pitchFamily="34" charset="0"/>
+                <a:cs typeface="Calibri Light" panose="020F0302020204030204" pitchFamily="34" charset="0"/>
+              </a:rPr>
+              <a:t>, G., </a:t>
+            </a:r>
+            <a:r>
+              <a:rPr lang="en-US" sz="1400" i="1" dirty="0" err="1">
+                <a:solidFill>
+                  <a:schemeClr val="bg2"/>
+                </a:solidFill>
+                <a:latin typeface="Calibri Light" panose="020F0302020204030204" pitchFamily="34" charset="0"/>
+                <a:cs typeface="Calibri Light" panose="020F0302020204030204" pitchFamily="34" charset="0"/>
+              </a:rPr>
+              <a:t>Savino</a:t>
+            </a:r>
+            <a:r>
+              <a:rPr lang="en-US" sz="1400" i="1" dirty="0">
+                <a:solidFill>
+                  <a:schemeClr val="bg2"/>
+                </a:solidFill>
+                <a:latin typeface="Calibri Light" panose="020F0302020204030204" pitchFamily="34" charset="0"/>
+                <a:cs typeface="Calibri Light" panose="020F0302020204030204" pitchFamily="34" charset="0"/>
+              </a:rPr>
+              <a:t>, A., </a:t>
+            </a:r>
+            <a:r>
+              <a:rPr lang="en-US" sz="1400" i="1" dirty="0" err="1">
+                <a:solidFill>
+                  <a:schemeClr val="bg2"/>
+                </a:solidFill>
+                <a:latin typeface="Calibri Light" panose="020F0302020204030204" pitchFamily="34" charset="0"/>
+                <a:cs typeface="Calibri Light" panose="020F0302020204030204" pitchFamily="34" charset="0"/>
+              </a:rPr>
+              <a:t>Shoaib</a:t>
+            </a:r>
+            <a:r>
+              <a:rPr lang="en-US" sz="1400" i="1" dirty="0">
+                <a:solidFill>
+                  <a:schemeClr val="bg2"/>
+                </a:solidFill>
+                <a:latin typeface="Calibri Light" panose="020F0302020204030204" pitchFamily="34" charset="0"/>
+                <a:cs typeface="Calibri Light" panose="020F0302020204030204" pitchFamily="34" charset="0"/>
+              </a:rPr>
+              <a:t>, U. and Ahmad, N., 2011, November. Language resources for computer assisted translation from </a:t>
+            </a:r>
+            <a:r>
+              <a:rPr lang="en-US" sz="1400" i="1" dirty="0" err="1">
+                <a:solidFill>
+                  <a:schemeClr val="bg2"/>
+                </a:solidFill>
+                <a:latin typeface="Calibri Light" panose="020F0302020204030204" pitchFamily="34" charset="0"/>
+                <a:cs typeface="Calibri Light" panose="020F0302020204030204" pitchFamily="34" charset="0"/>
+              </a:rPr>
+              <a:t>italian</a:t>
+            </a:r>
+            <a:r>
+              <a:rPr lang="en-US" sz="1400" i="1" dirty="0">
+                <a:solidFill>
+                  <a:schemeClr val="bg2"/>
+                </a:solidFill>
+                <a:latin typeface="Calibri Light" panose="020F0302020204030204" pitchFamily="34" charset="0"/>
+                <a:cs typeface="Calibri Light" panose="020F0302020204030204" pitchFamily="34" charset="0"/>
+              </a:rPr>
+              <a:t> to </a:t>
+            </a:r>
+            <a:r>
+              <a:rPr lang="en-US" sz="1400" i="1" dirty="0" err="1">
+                <a:solidFill>
+                  <a:schemeClr val="bg2"/>
+                </a:solidFill>
+                <a:latin typeface="Calibri Light" panose="020F0302020204030204" pitchFamily="34" charset="0"/>
+                <a:cs typeface="Calibri Light" panose="020F0302020204030204" pitchFamily="34" charset="0"/>
+              </a:rPr>
+              <a:t>italian</a:t>
+            </a:r>
+            <a:r>
+              <a:rPr lang="en-US" sz="1400" i="1" dirty="0">
+                <a:solidFill>
+                  <a:schemeClr val="bg2"/>
+                </a:solidFill>
+                <a:latin typeface="Calibri Light" panose="020F0302020204030204" pitchFamily="34" charset="0"/>
+                <a:cs typeface="Calibri Light" panose="020F0302020204030204" pitchFamily="34" charset="0"/>
+              </a:rPr>
+              <a:t> sign language of deaf people. In Proceedings of Accessibility Reaching Everywhere AEGIS Workshop and International Conference, Brussels, Belgium (November 2011).</a:t>
+            </a:r>
+            <a:endParaRPr lang="en-US" sz="1400" dirty="0">
+              <a:solidFill>
+                <a:schemeClr val="bg2"/>
+              </a:solidFill>
+              <a:latin typeface="Calibri Light" panose="020F0302020204030204" pitchFamily="34" charset="0"/>
+              <a:cs typeface="Calibri Light" panose="020F0302020204030204" pitchFamily="34" charset="0"/>
+            </a:endParaRPr>
+          </a:p>
+          <a:p>
+            <a:endParaRPr lang="en-US" sz="1400" dirty="0" smtClean="0">
+              <a:solidFill>
+                <a:schemeClr val="bg2">
+                  <a:lumMod val="75000"/>
+                </a:schemeClr>
+              </a:solidFill>
+              <a:latin typeface="Calibri Light" panose="020F0302020204030204" pitchFamily="34" charset="0"/>
+              <a:cs typeface="Calibri Light" panose="020F0302020204030204" pitchFamily="34" charset="0"/>
+            </a:endParaRPr>
+          </a:p>
+          <a:p>
+            <a:endParaRPr lang="en-US" sz="1600" u="sng" dirty="0" smtClean="0">
+              <a:solidFill>
+                <a:schemeClr val="bg2"/>
+              </a:solidFill>
+              <a:latin typeface="Calibri Light" panose="020F0302020204030204" pitchFamily="34" charset="0"/>
+              <a:cs typeface="Calibri Light" panose="020F0302020204030204" pitchFamily="34" charset="0"/>
+            </a:endParaRPr>
+          </a:p>
+          <a:p>
+            <a:endParaRPr lang="en-US" sz="1600" i="1" dirty="0">
+              <a:solidFill>
+                <a:schemeClr val="bg2"/>
+              </a:solidFill>
+              <a:latin typeface="Calibri Light" panose="020F0302020204030204" pitchFamily="34" charset="0"/>
+              <a:cs typeface="Calibri Light" panose="020F0302020204030204" pitchFamily="34" charset="0"/>
+            </a:endParaRPr>
+          </a:p>
+          <a:p>
+            <a:endParaRPr lang="en-US" sz="1600" dirty="0">
+              <a:solidFill>
+                <a:schemeClr val="bg2"/>
+              </a:solidFill>
+              <a:latin typeface="Calibri Light" panose="020F0302020204030204" pitchFamily="34" charset="0"/>
+              <a:cs typeface="Calibri Light" panose="020F0302020204030204" pitchFamily="34" charset="0"/>
+            </a:endParaRPr>
+          </a:p>
+          <a:p>
+            <a:endParaRPr lang="en-US" sz="1600" dirty="0">
+              <a:solidFill>
+                <a:schemeClr val="bg2">
+                  <a:lumMod val="75000"/>
+                </a:schemeClr>
+              </a:solidFill>
+              <a:latin typeface="Calibri Light" panose="020F0302020204030204" pitchFamily="34" charset="0"/>
+              <a:cs typeface="Calibri Light" panose="020F0302020204030204" pitchFamily="34" charset="0"/>
+            </a:endParaRPr>
+          </a:p>
+        </p:txBody>
+      </p:sp>
+    </p:spTree>
+    <p:extLst>
+      <p:ext uri="{BB962C8B-B14F-4D97-AF65-F5344CB8AC3E}">
+        <p14:creationId xmlns:p14="http://schemas.microsoft.com/office/powerpoint/2010/main" val="126474982"/>
+      </p:ext>
+    </p:extLst>
+  </p:cSld>
+  <p:clrMapOvr>
+    <a:masterClrMapping/>
+  </p:clrMapOvr>
+</p:sld>
+</file>
+
+<file path=ppt/slides/slide21.xml><?xml version="1.0" encoding="utf-8"?>
+<p:sld xmlns:a="http://schemas.openxmlformats.org/drawingml/2006/main" xmlns:r="http://schemas.openxmlformats.org/officeDocument/2006/relationships" xmlns:p="http://schemas.openxmlformats.org/presentationml/2006/main">
+  <p:cSld>
+    <p:spTree>
+      <p:nvGrpSpPr>
+        <p:cNvPr id="1" name="Shape 374"/>
+        <p:cNvGrpSpPr/>
+        <p:nvPr/>
+      </p:nvGrpSpPr>
+      <p:grpSpPr>
+        <a:xfrm>
+          <a:off x="0" y="0"/>
+          <a:ext cx="0" cy="0"/>
+          <a:chOff x="0" y="0"/>
+          <a:chExt cx="0" cy="0"/>
+        </a:xfrm>
+      </p:grpSpPr>
+      <p:sp>
+        <p:nvSpPr>
+          <p:cNvPr id="375" name="Google Shape;375;p36"/>
+          <p:cNvSpPr txBox="1">
+            <a:spLocks noGrp="1"/>
+          </p:cNvSpPr>
+          <p:nvPr>
+            <p:ph type="ctrTitle" idx="4294967295"/>
+          </p:nvPr>
+        </p:nvSpPr>
+        <p:spPr>
+          <a:xfrm>
+            <a:off x="1371600" y="1986155"/>
+            <a:ext cx="6373368" cy="1546500"/>
+          </a:xfrm>
+          <a:prstGeom prst="rect">
+            <a:avLst/>
+          </a:prstGeom>
+        </p:spPr>
+        <p:txBody>
+          <a:bodyPr spcFirstLastPara="1" wrap="square" lIns="91425" tIns="91425" rIns="91425" bIns="91425" anchor="b" anchorCtr="0">
+            <a:noAutofit/>
+          </a:bodyPr>
+          <a:lstStyle/>
+          <a:p>
+            <a:pPr marL="0" lvl="0" indent="0" algn="ctr" rtl="0">
+              <a:spcBef>
+                <a:spcPts val="0"/>
+              </a:spcBef>
+              <a:spcAft>
+                <a:spcPts val="0"/>
+              </a:spcAft>
+              <a:buNone/>
+            </a:pPr>
+            <a:r>
+              <a:rPr lang="en" sz="6000" b="1" dirty="0"/>
+              <a:t>Thanks!</a:t>
+            </a:r>
+            <a:endParaRPr sz="6000" b="1" dirty="0"/>
+          </a:p>
+        </p:txBody>
+      </p:sp>
+      <p:sp>
+        <p:nvSpPr>
+          <p:cNvPr id="378" name="Google Shape;378;p36"/>
+          <p:cNvSpPr txBox="1">
+            <a:spLocks noGrp="1"/>
+          </p:cNvSpPr>
+          <p:nvPr>
+            <p:ph type="sldNum" idx="12"/>
+          </p:nvPr>
+        </p:nvSpPr>
+        <p:spPr>
+          <a:xfrm>
+            <a:off x="8404384" y="6333134"/>
+            <a:ext cx="548700" cy="525000"/>
+          </a:xfrm>
+          <a:prstGeom prst="rect">
+            <a:avLst/>
+          </a:prstGeom>
+        </p:spPr>
+        <p:txBody>
+          <a:bodyPr spcFirstLastPara="1" wrap="square" lIns="91425" tIns="91425" rIns="91425" bIns="91425" anchor="t" anchorCtr="0">
+            <a:noAutofit/>
+          </a:bodyPr>
+          <a:lstStyle/>
+          <a:p>
+            <a:pPr marL="0" lvl="0" indent="0" algn="r" rtl="0">
+              <a:spcBef>
+                <a:spcPts val="0"/>
+              </a:spcBef>
+              <a:spcAft>
+                <a:spcPts val="0"/>
+              </a:spcAft>
+              <a:buNone/>
+            </a:pPr>
+            <a:fld id="{00000000-1234-1234-1234-123412341234}" type="slidenum">
+              <a:rPr lang="en"/>
+              <a:t>21</a:t>
+            </a:fld>
+            <a:endParaRPr/>
+          </a:p>
+        </p:txBody>
+      </p:sp>
+    </p:spTree>
+    <p:extLst>
+      <p:ext uri="{BB962C8B-B14F-4D97-AF65-F5344CB8AC3E}">
+        <p14:creationId xmlns:p14="http://schemas.microsoft.com/office/powerpoint/2010/main" val="1230752816"/>
+      </p:ext>
+    </p:extLst>
+  </p:cSld>
+  <p:clrMapOvr>
+    <a:masterClrMapping/>
+  </p:clrMapOvr>
 </p:sld>
 </file>
 
@@ -10555,7 +14541,7 @@
   <p:cSld>
     <p:spTree>
       <p:nvGrpSpPr>
-        <p:cNvPr id="1" name="Shape 109"/>
+        <p:cNvPr id="1" name="Shape 103"/>
         <p:cNvGrpSpPr/>
         <p:nvPr/>
       </p:nvGrpSpPr>
@@ -10569,49 +14555,7 @@
       </p:grpSpPr>
       <p:sp>
         <p:nvSpPr>
-          <p:cNvPr id="110" name="Google Shape;110;p17"/>
-          <p:cNvSpPr txBox="1">
-            <a:spLocks noGrp="1"/>
-          </p:cNvSpPr>
-          <p:nvPr>
-            <p:ph type="title"/>
-          </p:nvPr>
-        </p:nvSpPr>
-        <p:spPr>
-          <a:xfrm>
-            <a:off x="502920" y="483978"/>
-            <a:ext cx="7571700" cy="936900"/>
-          </a:xfrm>
-          <a:prstGeom prst="rect">
-            <a:avLst/>
-          </a:prstGeom>
-        </p:spPr>
-        <p:txBody>
-          <a:bodyPr spcFirstLastPara="1" wrap="square" lIns="91425" tIns="91425" rIns="91425" bIns="91425" anchor="b" anchorCtr="0">
-            <a:noAutofit/>
-          </a:bodyPr>
-          <a:lstStyle/>
-          <a:p>
-            <a:pPr marL="0" lvl="0" indent="0" algn="l" rtl="0">
-              <a:spcBef>
-                <a:spcPts val="0"/>
-              </a:spcBef>
-              <a:spcAft>
-                <a:spcPts val="0"/>
-              </a:spcAft>
-              <a:buNone/>
-            </a:pPr>
-            <a:r>
-              <a:rPr lang="en-US" sz="4000" dirty="0" smtClean="0"/>
-              <a:t>Goals</a:t>
-            </a:r>
-            <a:endParaRPr sz="4000" dirty="0"/>
-          </a:p>
-        </p:txBody>
-      </p:sp>
-      <p:sp>
-        <p:nvSpPr>
-          <p:cNvPr id="111" name="Google Shape;111;p17"/>
+          <p:cNvPr id="104" name="Google Shape;104;p16"/>
           <p:cNvSpPr txBox="1">
             <a:spLocks noGrp="1"/>
           </p:cNvSpPr>
@@ -10621,8 +14565,8 @@
         </p:nvSpPr>
         <p:spPr>
           <a:xfrm>
-            <a:off x="502920" y="1682267"/>
-            <a:ext cx="8275320" cy="4764900"/>
+            <a:off x="1215300" y="2501400"/>
+            <a:ext cx="6713400" cy="1093200"/>
           </a:xfrm>
           <a:prstGeom prst="rect">
             <a:avLst/>
@@ -10634,87 +14578,28 @@
           </a:bodyPr>
           <a:lstStyle/>
           <a:p>
-            <a:pPr marL="38100" indent="0">
+            <a:pPr marL="0" lvl="0" indent="0">
               <a:buNone/>
             </a:pPr>
             <a:r>
-              <a:rPr lang="en-US" sz="2400" b="1" dirty="0"/>
-              <a:t>This in turn requires the solution of the following problems</a:t>
-            </a:r>
-            <a:r>
-              <a:rPr lang="en-US" sz="2400" b="1" dirty="0" smtClean="0"/>
-              <a:t>:</a:t>
-            </a:r>
-          </a:p>
-          <a:p>
-            <a:pPr marL="38100" indent="0">
-              <a:buNone/>
-            </a:pPr>
-            <a:endParaRPr lang="en-US" sz="2400" b="1" dirty="0"/>
-          </a:p>
-          <a:p>
-            <a:pPr lvl="0"/>
-            <a:r>
-              <a:rPr lang="en-US" sz="1800" dirty="0"/>
-              <a:t>Automatic speech to text conversion (speech Recognition).</a:t>
-            </a:r>
-          </a:p>
-          <a:p>
-            <a:pPr lvl="0"/>
-            <a:r>
-              <a:rPr lang="en-US" sz="1800" dirty="0"/>
-              <a:t>Automatic translation of English text into a suitable representation of sign language using Machine Translation.</a:t>
-            </a:r>
-          </a:p>
-          <a:p>
-            <a:pPr lvl="0"/>
-            <a:r>
-              <a:rPr lang="en-US" sz="1800" dirty="0"/>
-              <a:t>Display of this representation as a sequence of Signs using computer graphics techniques</a:t>
-            </a:r>
-            <a:r>
-              <a:rPr lang="en-US" sz="1800" dirty="0" smtClean="0"/>
-              <a:t>.</a:t>
-            </a:r>
-          </a:p>
-          <a:p>
-            <a:pPr lvl="0"/>
-            <a:r>
-              <a:rPr lang="en-US" sz="1800" dirty="0" smtClean="0"/>
-              <a:t>We </a:t>
-            </a:r>
-            <a:r>
-              <a:rPr lang="en-US" sz="1800" dirty="0"/>
-              <a:t>will suggest an efficient mechanism/system that Deaf can easily communicate with ordinary people to understand their thoughts</a:t>
-            </a:r>
-            <a:r>
-              <a:rPr lang="en-US" sz="1800" dirty="0" smtClean="0"/>
-              <a:t>.</a:t>
-            </a:r>
-          </a:p>
-          <a:p>
-            <a:pPr lvl="0"/>
-            <a:r>
-              <a:rPr lang="en-US" sz="1800" dirty="0" smtClean="0"/>
-              <a:t>We are using International Sign language that later any sign language can be embedded with it.</a:t>
-            </a:r>
-          </a:p>
-          <a:p>
-            <a:pPr lvl="0"/>
-            <a:r>
-              <a:rPr lang="en-US" sz="1800" dirty="0" smtClean="0"/>
-              <a:t>We are using SignWritingOneD.</a:t>
-            </a:r>
-          </a:p>
-          <a:p>
-            <a:pPr lvl="0"/>
-            <a:endParaRPr sz="2000" dirty="0"/>
+              <a:rPr lang="en-US" sz="4800" dirty="0" smtClean="0"/>
+              <a:t>Area </a:t>
+            </a:r>
+            <a:r>
+              <a:rPr lang="en-US" sz="4800" dirty="0" smtClean="0"/>
+              <a:t>3: </a:t>
+            </a:r>
+            <a:r>
+              <a:rPr lang="en-US" sz="4800" dirty="0"/>
+              <a:t>Braille</a:t>
+            </a:r>
+            <a:endParaRPr sz="4800" dirty="0"/>
           </a:p>
         </p:txBody>
       </p:sp>
       <p:sp>
         <p:nvSpPr>
-          <p:cNvPr id="112" name="Google Shape;112;p17"/>
+          <p:cNvPr id="105" name="Google Shape;105;p16"/>
           <p:cNvSpPr txBox="1">
             <a:spLocks noGrp="1"/>
           </p:cNvSpPr>
@@ -10724,8 +14609,8 @@
         </p:nvSpPr>
         <p:spPr>
           <a:xfrm>
-            <a:off x="8404384" y="6333134"/>
-            <a:ext cx="548700" cy="525000"/>
+            <a:off x="-87" y="6333125"/>
+            <a:ext cx="9144000" cy="525000"/>
           </a:xfrm>
           <a:prstGeom prst="rect">
             <a:avLst/>
@@ -10737,7 +14622,7 @@
           </a:bodyPr>
           <a:lstStyle/>
           <a:p>
-            <a:pPr marL="0" lvl="0" indent="0" algn="r" rtl="0">
+            <a:pPr marL="0" lvl="0" indent="0" algn="ctr" rtl="0">
               <a:spcBef>
                 <a:spcPts val="0"/>
               </a:spcBef>
@@ -10754,7 +14639,300 @@
           </a:p>
         </p:txBody>
       </p:sp>
+      <p:sp>
+        <p:nvSpPr>
+          <p:cNvPr id="4" name="Google Shape;104;p16"/>
+          <p:cNvSpPr txBox="1">
+            <a:spLocks/>
+          </p:cNvSpPr>
+          <p:nvPr/>
+        </p:nvSpPr>
+        <p:spPr>
+          <a:xfrm>
+            <a:off x="1285404" y="3522480"/>
+            <a:ext cx="6880188" cy="2155944"/>
+          </a:xfrm>
+          <a:prstGeom prst="rect">
+            <a:avLst/>
+          </a:prstGeom>
+          <a:noFill/>
+          <a:ln>
+            <a:noFill/>
+          </a:ln>
+        </p:spPr>
+        <p:txBody>
+          <a:bodyPr spcFirstLastPara="1" wrap="square" lIns="91425" tIns="91425" rIns="91425" bIns="91425" anchor="t" anchorCtr="0">
+            <a:noAutofit/>
+          </a:bodyPr>
+          <a:lstStyle>
+            <a:defPPr marR="0" lvl="0" algn="l" rtl="0">
+              <a:lnSpc>
+                <a:spcPct val="100000"/>
+              </a:lnSpc>
+              <a:spcBef>
+                <a:spcPts val="0"/>
+              </a:spcBef>
+              <a:spcAft>
+                <a:spcPts val="0"/>
+              </a:spcAft>
+            </a:defPPr>
+            <a:lvl1pPr marL="457200" marR="0" lvl="0" indent="-457200" algn="ctr" rtl="0">
+              <a:lnSpc>
+                <a:spcPct val="100000"/>
+              </a:lnSpc>
+              <a:spcBef>
+                <a:spcPts val="600"/>
+              </a:spcBef>
+              <a:spcAft>
+                <a:spcPts val="0"/>
+              </a:spcAft>
+              <a:buClr>
+                <a:srgbClr val="263238"/>
+              </a:buClr>
+              <a:buSzPts val="3600"/>
+              <a:buFont typeface="Source Sans Pro"/>
+              <a:buChar char="◎"/>
+              <a:defRPr sz="3600" b="0" i="1" u="none" strike="noStrike" cap="none">
+                <a:solidFill>
+                  <a:srgbClr val="263238"/>
+                </a:solidFill>
+                <a:latin typeface="Source Sans Pro"/>
+                <a:ea typeface="Source Sans Pro"/>
+                <a:cs typeface="Source Sans Pro"/>
+                <a:sym typeface="Source Sans Pro"/>
+              </a:defRPr>
+            </a:lvl1pPr>
+            <a:lvl2pPr marL="914400" marR="0" lvl="1" indent="-457200" algn="ctr" rtl="0">
+              <a:lnSpc>
+                <a:spcPct val="100000"/>
+              </a:lnSpc>
+              <a:spcBef>
+                <a:spcPts val="0"/>
+              </a:spcBef>
+              <a:spcAft>
+                <a:spcPts val="0"/>
+              </a:spcAft>
+              <a:buClr>
+                <a:srgbClr val="263238"/>
+              </a:buClr>
+              <a:buSzPts val="3600"/>
+              <a:buFont typeface="Source Sans Pro"/>
+              <a:buChar char="○"/>
+              <a:defRPr sz="3600" b="0" i="1" u="none" strike="noStrike" cap="none">
+                <a:solidFill>
+                  <a:srgbClr val="263238"/>
+                </a:solidFill>
+                <a:latin typeface="Source Sans Pro"/>
+                <a:ea typeface="Source Sans Pro"/>
+                <a:cs typeface="Source Sans Pro"/>
+                <a:sym typeface="Source Sans Pro"/>
+              </a:defRPr>
+            </a:lvl2pPr>
+            <a:lvl3pPr marL="1371600" marR="0" lvl="2" indent="-457200" algn="ctr" rtl="0">
+              <a:lnSpc>
+                <a:spcPct val="100000"/>
+              </a:lnSpc>
+              <a:spcBef>
+                <a:spcPts val="0"/>
+              </a:spcBef>
+              <a:spcAft>
+                <a:spcPts val="0"/>
+              </a:spcAft>
+              <a:buClr>
+                <a:srgbClr val="263238"/>
+              </a:buClr>
+              <a:buSzPts val="3600"/>
+              <a:buFont typeface="Source Sans Pro"/>
+              <a:buChar char="◉"/>
+              <a:defRPr sz="3600" b="0" i="1" u="none" strike="noStrike" cap="none">
+                <a:solidFill>
+                  <a:srgbClr val="263238"/>
+                </a:solidFill>
+                <a:latin typeface="Source Sans Pro"/>
+                <a:ea typeface="Source Sans Pro"/>
+                <a:cs typeface="Source Sans Pro"/>
+                <a:sym typeface="Source Sans Pro"/>
+              </a:defRPr>
+            </a:lvl3pPr>
+            <a:lvl4pPr marL="1828800" marR="0" lvl="3" indent="-457200" algn="ctr" rtl="0">
+              <a:lnSpc>
+                <a:spcPct val="100000"/>
+              </a:lnSpc>
+              <a:spcBef>
+                <a:spcPts val="0"/>
+              </a:spcBef>
+              <a:spcAft>
+                <a:spcPts val="0"/>
+              </a:spcAft>
+              <a:buClr>
+                <a:srgbClr val="263238"/>
+              </a:buClr>
+              <a:buSzPts val="3600"/>
+              <a:buFont typeface="Source Sans Pro"/>
+              <a:buChar char="●"/>
+              <a:defRPr sz="3600" b="0" i="1" u="none" strike="noStrike" cap="none">
+                <a:solidFill>
+                  <a:srgbClr val="263238"/>
+                </a:solidFill>
+                <a:latin typeface="Source Sans Pro"/>
+                <a:ea typeface="Source Sans Pro"/>
+                <a:cs typeface="Source Sans Pro"/>
+                <a:sym typeface="Source Sans Pro"/>
+              </a:defRPr>
+            </a:lvl4pPr>
+            <a:lvl5pPr marL="2286000" marR="0" lvl="4" indent="-457200" algn="ctr" rtl="0">
+              <a:lnSpc>
+                <a:spcPct val="100000"/>
+              </a:lnSpc>
+              <a:spcBef>
+                <a:spcPts val="0"/>
+              </a:spcBef>
+              <a:spcAft>
+                <a:spcPts val="0"/>
+              </a:spcAft>
+              <a:buClr>
+                <a:srgbClr val="263238"/>
+              </a:buClr>
+              <a:buSzPts val="3600"/>
+              <a:buFont typeface="Source Sans Pro"/>
+              <a:buChar char="○"/>
+              <a:defRPr sz="3600" b="0" i="1" u="none" strike="noStrike" cap="none">
+                <a:solidFill>
+                  <a:srgbClr val="263238"/>
+                </a:solidFill>
+                <a:latin typeface="Source Sans Pro"/>
+                <a:ea typeface="Source Sans Pro"/>
+                <a:cs typeface="Source Sans Pro"/>
+                <a:sym typeface="Source Sans Pro"/>
+              </a:defRPr>
+            </a:lvl5pPr>
+            <a:lvl6pPr marL="2743200" marR="0" lvl="5" indent="-457200" algn="ctr" rtl="0">
+              <a:lnSpc>
+                <a:spcPct val="100000"/>
+              </a:lnSpc>
+              <a:spcBef>
+                <a:spcPts val="0"/>
+              </a:spcBef>
+              <a:spcAft>
+                <a:spcPts val="0"/>
+              </a:spcAft>
+              <a:buClr>
+                <a:srgbClr val="263238"/>
+              </a:buClr>
+              <a:buSzPts val="3600"/>
+              <a:buFont typeface="Source Sans Pro"/>
+              <a:buChar char="■"/>
+              <a:defRPr sz="3600" b="0" i="1" u="none" strike="noStrike" cap="none">
+                <a:solidFill>
+                  <a:srgbClr val="263238"/>
+                </a:solidFill>
+                <a:latin typeface="Source Sans Pro"/>
+                <a:ea typeface="Source Sans Pro"/>
+                <a:cs typeface="Source Sans Pro"/>
+                <a:sym typeface="Source Sans Pro"/>
+              </a:defRPr>
+            </a:lvl6pPr>
+            <a:lvl7pPr marL="3200400" marR="0" lvl="6" indent="-457200" algn="ctr" rtl="0">
+              <a:lnSpc>
+                <a:spcPct val="100000"/>
+              </a:lnSpc>
+              <a:spcBef>
+                <a:spcPts val="0"/>
+              </a:spcBef>
+              <a:spcAft>
+                <a:spcPts val="0"/>
+              </a:spcAft>
+              <a:buClr>
+                <a:srgbClr val="263238"/>
+              </a:buClr>
+              <a:buSzPts val="3600"/>
+              <a:buFont typeface="Source Sans Pro"/>
+              <a:buChar char="●"/>
+              <a:defRPr sz="3600" b="0" i="1" u="none" strike="noStrike" cap="none">
+                <a:solidFill>
+                  <a:srgbClr val="263238"/>
+                </a:solidFill>
+                <a:latin typeface="Source Sans Pro"/>
+                <a:ea typeface="Source Sans Pro"/>
+                <a:cs typeface="Source Sans Pro"/>
+                <a:sym typeface="Source Sans Pro"/>
+              </a:defRPr>
+            </a:lvl7pPr>
+            <a:lvl8pPr marL="3657600" marR="0" lvl="7" indent="-457200" algn="ctr" rtl="0">
+              <a:lnSpc>
+                <a:spcPct val="100000"/>
+              </a:lnSpc>
+              <a:spcBef>
+                <a:spcPts val="0"/>
+              </a:spcBef>
+              <a:spcAft>
+                <a:spcPts val="0"/>
+              </a:spcAft>
+              <a:buClr>
+                <a:srgbClr val="263238"/>
+              </a:buClr>
+              <a:buSzPts val="3600"/>
+              <a:buFont typeface="Source Sans Pro"/>
+              <a:buChar char="○"/>
+              <a:defRPr sz="3600" b="0" i="1" u="none" strike="noStrike" cap="none">
+                <a:solidFill>
+                  <a:srgbClr val="263238"/>
+                </a:solidFill>
+                <a:latin typeface="Source Sans Pro"/>
+                <a:ea typeface="Source Sans Pro"/>
+                <a:cs typeface="Source Sans Pro"/>
+                <a:sym typeface="Source Sans Pro"/>
+              </a:defRPr>
+            </a:lvl8pPr>
+            <a:lvl9pPr marL="4114800" marR="0" lvl="8" indent="-457200" algn="ctr" rtl="0">
+              <a:lnSpc>
+                <a:spcPct val="100000"/>
+              </a:lnSpc>
+              <a:spcBef>
+                <a:spcPts val="0"/>
+              </a:spcBef>
+              <a:spcAft>
+                <a:spcPts val="0"/>
+              </a:spcAft>
+              <a:buClr>
+                <a:srgbClr val="263238"/>
+              </a:buClr>
+              <a:buSzPts val="3600"/>
+              <a:buFont typeface="Source Sans Pro"/>
+              <a:buChar char="■"/>
+              <a:defRPr sz="3600" b="0" i="1" u="none" strike="noStrike" cap="none">
+                <a:solidFill>
+                  <a:srgbClr val="263238"/>
+                </a:solidFill>
+                <a:latin typeface="Source Sans Pro"/>
+                <a:ea typeface="Source Sans Pro"/>
+                <a:cs typeface="Source Sans Pro"/>
+                <a:sym typeface="Source Sans Pro"/>
+              </a:defRPr>
+            </a:lvl9pPr>
+          </a:lstStyle>
+          <a:p>
+            <a:pPr marL="0" indent="0">
+              <a:buNone/>
+            </a:pPr>
+            <a:r>
+              <a:rPr lang="en-US" sz="2800" dirty="0"/>
+              <a:t>This system includes a smart glove that translates the Braille alphabet, which is used almost universally by the literate deaf blind population, into text and vice </a:t>
+            </a:r>
+            <a:r>
+              <a:rPr lang="en-US" sz="2800" dirty="0" smtClean="0"/>
+              <a:t>versa. [6]</a:t>
+            </a:r>
+            <a:endParaRPr lang="en-US" sz="2800" i="0" dirty="0"/>
+          </a:p>
+        </p:txBody>
+      </p:sp>
     </p:spTree>
+    <p:extLst>
+      <p:ext uri="{BB962C8B-B14F-4D97-AF65-F5344CB8AC3E}">
+        <p14:creationId xmlns:p14="http://schemas.microsoft.com/office/powerpoint/2010/main" val="1258456746"/>
+      </p:ext>
+    </p:extLst>
   </p:cSld>
   <p:clrMapOvr>
     <a:masterClrMapping/>
@@ -10767,7 +14945,7 @@
   <p:cSld>
     <p:spTree>
       <p:nvGrpSpPr>
-        <p:cNvPr id="1" name="Shape 116"/>
+        <p:cNvPr id="1" name="Shape 103"/>
         <p:cNvGrpSpPr/>
         <p:nvPr/>
       </p:nvGrpSpPr>
@@ -10781,60 +14959,18 @@
       </p:grpSpPr>
       <p:sp>
         <p:nvSpPr>
-          <p:cNvPr id="118" name="Google Shape;118;p18"/>
+          <p:cNvPr id="104" name="Google Shape;104;p16"/>
           <p:cNvSpPr txBox="1">
             <a:spLocks noGrp="1"/>
           </p:cNvSpPr>
           <p:nvPr>
-            <p:ph type="ctrTitle" idx="4294967295"/>
+            <p:ph type="body" idx="1"/>
           </p:nvPr>
         </p:nvSpPr>
         <p:spPr>
           <a:xfrm>
-            <a:off x="700576" y="378434"/>
-            <a:ext cx="7697248" cy="1172579"/>
-          </a:xfrm>
-          <a:prstGeom prst="rect">
-            <a:avLst/>
-          </a:prstGeom>
-        </p:spPr>
-        <p:txBody>
-          <a:bodyPr spcFirstLastPara="1" wrap="square" lIns="91425" tIns="91425" rIns="91425" bIns="91425" anchor="b" anchorCtr="0">
-            <a:noAutofit/>
-          </a:bodyPr>
-          <a:lstStyle/>
-          <a:p>
-            <a:pPr marL="0" lvl="0" indent="0" algn="ctr" rtl="0">
-              <a:spcBef>
-                <a:spcPts val="0"/>
-              </a:spcBef>
-              <a:spcAft>
-                <a:spcPts val="0"/>
-              </a:spcAft>
-              <a:buNone/>
-            </a:pPr>
-            <a:r>
-              <a:rPr lang="en" sz="6000" b="1" dirty="0" smtClean="0"/>
-              <a:t>Dataset Gathering</a:t>
-            </a:r>
-            <a:endParaRPr sz="6000" b="1" dirty="0"/>
-          </a:p>
-        </p:txBody>
-      </p:sp>
-      <p:sp>
-        <p:nvSpPr>
-          <p:cNvPr id="119" name="Google Shape;119;p18"/>
-          <p:cNvSpPr txBox="1">
-            <a:spLocks noGrp="1"/>
-          </p:cNvSpPr>
-          <p:nvPr>
-            <p:ph type="subTitle" idx="4294967295"/>
-          </p:nvPr>
-        </p:nvSpPr>
-        <p:spPr>
-          <a:xfrm>
-            <a:off x="533400" y="1751075"/>
-            <a:ext cx="8244840" cy="4027933"/>
+            <a:off x="1131819" y="1998480"/>
+            <a:ext cx="6713400" cy="1093200"/>
           </a:xfrm>
           <a:prstGeom prst="rect">
             <a:avLst/>
@@ -10846,146 +14982,32 @@
           </a:bodyPr>
           <a:lstStyle/>
           <a:p>
-            <a:pPr marL="285750" indent="-285750"/>
-            <a:r>
-              <a:rPr lang="en-US" sz="1600" dirty="0"/>
-              <a:t>The dataset used is a sample of common words and sentences that deaf are using daily.</a:t>
-            </a:r>
-          </a:p>
-          <a:p>
-            <a:pPr marL="285750" indent="-285750"/>
-            <a:endParaRPr lang="en-US" sz="1600" dirty="0" smtClean="0"/>
-          </a:p>
-          <a:p>
-            <a:pPr marL="285750" indent="-285750"/>
-            <a:r>
-              <a:rPr lang="en-US" sz="1600" dirty="0"/>
-              <a:t>We have searched many sources for gathering dataset such as Wikipedia pages, some books like (Goldilocks &amp; the Three Bears in American Sign Language, The Book of Jonah) , Signbank and other </a:t>
-            </a:r>
-            <a:r>
-              <a:rPr lang="en-US" sz="1600" dirty="0" smtClean="0"/>
-              <a:t>sources</a:t>
-            </a:r>
-          </a:p>
-          <a:p>
-            <a:pPr marL="285750" indent="-285750"/>
-            <a:endParaRPr lang="en-US" sz="1600" dirty="0"/>
-          </a:p>
-          <a:p>
-            <a:pPr marL="285750" indent="-285750"/>
-            <a:r>
-              <a:rPr lang="en-US" sz="1600" dirty="0"/>
-              <a:t>the dataset that was used for this project is a subset of a much larger dataset, as described in </a:t>
-            </a:r>
-            <a:r>
-              <a:rPr lang="en-US" sz="1600" u="sng" dirty="0">
-                <a:hlinkClick r:id="rId3"/>
-              </a:rPr>
-              <a:t>http://</a:t>
-            </a:r>
-            <a:r>
-              <a:rPr lang="en-US" sz="1600" u="sng" dirty="0" smtClean="0">
-                <a:hlinkClick r:id="rId3"/>
-              </a:rPr>
-              <a:t>www.signbank.org/signbank.html</a:t>
-            </a:r>
-            <a:endParaRPr lang="en-US" sz="1600" u="sng" dirty="0" smtClean="0"/>
-          </a:p>
-          <a:p>
-            <a:pPr marL="285750" indent="-285750"/>
-            <a:endParaRPr lang="en-US" sz="1600" u="sng" dirty="0"/>
-          </a:p>
-          <a:p>
-            <a:pPr marL="285750" indent="-285750"/>
-            <a:r>
-              <a:rPr lang="en-US" sz="1600" dirty="0" smtClean="0"/>
-              <a:t>This source includes around 10000 words and sentences.</a:t>
-            </a:r>
-            <a:endParaRPr sz="1600" dirty="0"/>
+            <a:pPr marL="0" indent="0">
+              <a:buNone/>
+            </a:pPr>
+            <a:r>
+              <a:rPr lang="en-US" sz="4400" dirty="0" smtClean="0"/>
+              <a:t>Area </a:t>
+            </a:r>
+            <a:r>
+              <a:rPr lang="en-US" sz="4400" dirty="0"/>
+              <a:t>4</a:t>
+            </a:r>
+            <a:r>
+              <a:rPr lang="en-US" sz="4800" dirty="0" smtClean="0"/>
+              <a:t>: </a:t>
+            </a:r>
+            <a:r>
+              <a:rPr lang="en-US" sz="2000" dirty="0"/>
+              <a:t>Deaf-Mute Communication Interpreter</a:t>
+            </a:r>
+            <a:endParaRPr lang="en-US" sz="4800" dirty="0"/>
           </a:p>
         </p:txBody>
       </p:sp>
-      <p:cxnSp>
-        <p:nvCxnSpPr>
-          <p:cNvPr id="120" name="Google Shape;120;p18"/>
-          <p:cNvCxnSpPr/>
-          <p:nvPr/>
-        </p:nvCxnSpPr>
-        <p:spPr>
-          <a:xfrm rot="10800000" flipH="1">
-            <a:off x="6282450" y="705375"/>
-            <a:ext cx="121500" cy="518700"/>
-          </a:xfrm>
-          <a:prstGeom prst="straightConnector1">
-            <a:avLst/>
-          </a:prstGeom>
-          <a:noFill/>
-          <a:ln w="9525" cap="flat" cmpd="sng">
-            <a:solidFill>
-              <a:srgbClr val="CFD8DC"/>
-            </a:solidFill>
-            <a:prstDash val="solid"/>
-            <a:round/>
-            <a:headEnd type="none" w="med" len="med"/>
-            <a:tailEnd type="none" w="med" len="med"/>
-          </a:ln>
-        </p:spPr>
-      </p:cxnSp>
-      <p:cxnSp>
-        <p:nvCxnSpPr>
-          <p:cNvPr id="121" name="Google Shape;121;p18"/>
-          <p:cNvCxnSpPr/>
-          <p:nvPr/>
-        </p:nvCxnSpPr>
-        <p:spPr>
-          <a:xfrm flipH="1">
-            <a:off x="7133575" y="1483475"/>
-            <a:ext cx="332400" cy="267600"/>
-          </a:xfrm>
-          <a:prstGeom prst="straightConnector1">
-            <a:avLst/>
-          </a:prstGeom>
-          <a:noFill/>
-          <a:ln w="9525" cap="flat" cmpd="sng">
-            <a:solidFill>
-              <a:srgbClr val="CFD8DC"/>
-            </a:solidFill>
-            <a:prstDash val="solid"/>
-            <a:round/>
-            <a:headEnd type="none" w="med" len="med"/>
-            <a:tailEnd type="none" w="med" len="med"/>
-          </a:ln>
-        </p:spPr>
-      </p:cxnSp>
-      <p:cxnSp>
-        <p:nvCxnSpPr>
-          <p:cNvPr id="122" name="Google Shape;122;p18"/>
-          <p:cNvCxnSpPr/>
-          <p:nvPr/>
-        </p:nvCxnSpPr>
-        <p:spPr>
-          <a:xfrm flipH="1">
-            <a:off x="7330800" y="2440126"/>
-            <a:ext cx="1124100" cy="7800"/>
-          </a:xfrm>
-          <a:prstGeom prst="straightConnector1">
-            <a:avLst/>
-          </a:prstGeom>
-          <a:noFill/>
-          <a:ln w="9525" cap="flat" cmpd="sng">
-            <a:solidFill>
-              <a:srgbClr val="CFD8DC"/>
-            </a:solidFill>
-            <a:prstDash val="solid"/>
-            <a:round/>
-            <a:headEnd type="none" w="med" len="med"/>
-            <a:tailEnd type="none" w="med" len="med"/>
-          </a:ln>
-        </p:spPr>
-      </p:cxnSp>
       <p:sp>
         <p:nvSpPr>
-          <p:cNvPr id="127" name="Google Shape;127;p18"/>
+          <p:cNvPr id="105" name="Google Shape;105;p16"/>
           <p:cNvSpPr txBox="1">
             <a:spLocks noGrp="1"/>
           </p:cNvSpPr>
@@ -10995,8 +15017,8 @@
         </p:nvSpPr>
         <p:spPr>
           <a:xfrm>
-            <a:off x="8404384" y="6333134"/>
-            <a:ext cx="548700" cy="525000"/>
+            <a:off x="-87" y="6333125"/>
+            <a:ext cx="9144000" cy="525000"/>
           </a:xfrm>
           <a:prstGeom prst="rect">
             <a:avLst/>
@@ -11008,7 +15030,7 @@
           </a:bodyPr>
           <a:lstStyle/>
           <a:p>
-            <a:pPr marL="0" lvl="0" indent="0" algn="r" rtl="0">
+            <a:pPr marL="0" lvl="0" indent="0" algn="ctr" rtl="0">
               <a:spcBef>
                 <a:spcPts val="0"/>
               </a:spcBef>
@@ -11025,7 +15047,300 @@
           </a:p>
         </p:txBody>
       </p:sp>
+      <p:sp>
+        <p:nvSpPr>
+          <p:cNvPr id="4" name="Google Shape;104;p16"/>
+          <p:cNvSpPr txBox="1">
+            <a:spLocks/>
+          </p:cNvSpPr>
+          <p:nvPr/>
+        </p:nvSpPr>
+        <p:spPr>
+          <a:xfrm>
+            <a:off x="1131819" y="3184152"/>
+            <a:ext cx="6880188" cy="2860032"/>
+          </a:xfrm>
+          <a:prstGeom prst="rect">
+            <a:avLst/>
+          </a:prstGeom>
+          <a:noFill/>
+          <a:ln>
+            <a:noFill/>
+          </a:ln>
+        </p:spPr>
+        <p:txBody>
+          <a:bodyPr spcFirstLastPara="1" wrap="square" lIns="91425" tIns="91425" rIns="91425" bIns="91425" anchor="t" anchorCtr="0">
+            <a:noAutofit/>
+          </a:bodyPr>
+          <a:lstStyle>
+            <a:defPPr marR="0" lvl="0" algn="l" rtl="0">
+              <a:lnSpc>
+                <a:spcPct val="100000"/>
+              </a:lnSpc>
+              <a:spcBef>
+                <a:spcPts val="0"/>
+              </a:spcBef>
+              <a:spcAft>
+                <a:spcPts val="0"/>
+              </a:spcAft>
+            </a:defPPr>
+            <a:lvl1pPr marL="457200" marR="0" lvl="0" indent="-457200" algn="ctr" rtl="0">
+              <a:lnSpc>
+                <a:spcPct val="100000"/>
+              </a:lnSpc>
+              <a:spcBef>
+                <a:spcPts val="600"/>
+              </a:spcBef>
+              <a:spcAft>
+                <a:spcPts val="0"/>
+              </a:spcAft>
+              <a:buClr>
+                <a:srgbClr val="263238"/>
+              </a:buClr>
+              <a:buSzPts val="3600"/>
+              <a:buFont typeface="Source Sans Pro"/>
+              <a:buChar char="◎"/>
+              <a:defRPr sz="3600" b="0" i="1" u="none" strike="noStrike" cap="none">
+                <a:solidFill>
+                  <a:srgbClr val="263238"/>
+                </a:solidFill>
+                <a:latin typeface="Source Sans Pro"/>
+                <a:ea typeface="Source Sans Pro"/>
+                <a:cs typeface="Source Sans Pro"/>
+                <a:sym typeface="Source Sans Pro"/>
+              </a:defRPr>
+            </a:lvl1pPr>
+            <a:lvl2pPr marL="914400" marR="0" lvl="1" indent="-457200" algn="ctr" rtl="0">
+              <a:lnSpc>
+                <a:spcPct val="100000"/>
+              </a:lnSpc>
+              <a:spcBef>
+                <a:spcPts val="0"/>
+              </a:spcBef>
+              <a:spcAft>
+                <a:spcPts val="0"/>
+              </a:spcAft>
+              <a:buClr>
+                <a:srgbClr val="263238"/>
+              </a:buClr>
+              <a:buSzPts val="3600"/>
+              <a:buFont typeface="Source Sans Pro"/>
+              <a:buChar char="○"/>
+              <a:defRPr sz="3600" b="0" i="1" u="none" strike="noStrike" cap="none">
+                <a:solidFill>
+                  <a:srgbClr val="263238"/>
+                </a:solidFill>
+                <a:latin typeface="Source Sans Pro"/>
+                <a:ea typeface="Source Sans Pro"/>
+                <a:cs typeface="Source Sans Pro"/>
+                <a:sym typeface="Source Sans Pro"/>
+              </a:defRPr>
+            </a:lvl2pPr>
+            <a:lvl3pPr marL="1371600" marR="0" lvl="2" indent="-457200" algn="ctr" rtl="0">
+              <a:lnSpc>
+                <a:spcPct val="100000"/>
+              </a:lnSpc>
+              <a:spcBef>
+                <a:spcPts val="0"/>
+              </a:spcBef>
+              <a:spcAft>
+                <a:spcPts val="0"/>
+              </a:spcAft>
+              <a:buClr>
+                <a:srgbClr val="263238"/>
+              </a:buClr>
+              <a:buSzPts val="3600"/>
+              <a:buFont typeface="Source Sans Pro"/>
+              <a:buChar char="◉"/>
+              <a:defRPr sz="3600" b="0" i="1" u="none" strike="noStrike" cap="none">
+                <a:solidFill>
+                  <a:srgbClr val="263238"/>
+                </a:solidFill>
+                <a:latin typeface="Source Sans Pro"/>
+                <a:ea typeface="Source Sans Pro"/>
+                <a:cs typeface="Source Sans Pro"/>
+                <a:sym typeface="Source Sans Pro"/>
+              </a:defRPr>
+            </a:lvl3pPr>
+            <a:lvl4pPr marL="1828800" marR="0" lvl="3" indent="-457200" algn="ctr" rtl="0">
+              <a:lnSpc>
+                <a:spcPct val="100000"/>
+              </a:lnSpc>
+              <a:spcBef>
+                <a:spcPts val="0"/>
+              </a:spcBef>
+              <a:spcAft>
+                <a:spcPts val="0"/>
+              </a:spcAft>
+              <a:buClr>
+                <a:srgbClr val="263238"/>
+              </a:buClr>
+              <a:buSzPts val="3600"/>
+              <a:buFont typeface="Source Sans Pro"/>
+              <a:buChar char="●"/>
+              <a:defRPr sz="3600" b="0" i="1" u="none" strike="noStrike" cap="none">
+                <a:solidFill>
+                  <a:srgbClr val="263238"/>
+                </a:solidFill>
+                <a:latin typeface="Source Sans Pro"/>
+                <a:ea typeface="Source Sans Pro"/>
+                <a:cs typeface="Source Sans Pro"/>
+                <a:sym typeface="Source Sans Pro"/>
+              </a:defRPr>
+            </a:lvl4pPr>
+            <a:lvl5pPr marL="2286000" marR="0" lvl="4" indent="-457200" algn="ctr" rtl="0">
+              <a:lnSpc>
+                <a:spcPct val="100000"/>
+              </a:lnSpc>
+              <a:spcBef>
+                <a:spcPts val="0"/>
+              </a:spcBef>
+              <a:spcAft>
+                <a:spcPts val="0"/>
+              </a:spcAft>
+              <a:buClr>
+                <a:srgbClr val="263238"/>
+              </a:buClr>
+              <a:buSzPts val="3600"/>
+              <a:buFont typeface="Source Sans Pro"/>
+              <a:buChar char="○"/>
+              <a:defRPr sz="3600" b="0" i="1" u="none" strike="noStrike" cap="none">
+                <a:solidFill>
+                  <a:srgbClr val="263238"/>
+                </a:solidFill>
+                <a:latin typeface="Source Sans Pro"/>
+                <a:ea typeface="Source Sans Pro"/>
+                <a:cs typeface="Source Sans Pro"/>
+                <a:sym typeface="Source Sans Pro"/>
+              </a:defRPr>
+            </a:lvl5pPr>
+            <a:lvl6pPr marL="2743200" marR="0" lvl="5" indent="-457200" algn="ctr" rtl="0">
+              <a:lnSpc>
+                <a:spcPct val="100000"/>
+              </a:lnSpc>
+              <a:spcBef>
+                <a:spcPts val="0"/>
+              </a:spcBef>
+              <a:spcAft>
+                <a:spcPts val="0"/>
+              </a:spcAft>
+              <a:buClr>
+                <a:srgbClr val="263238"/>
+              </a:buClr>
+              <a:buSzPts val="3600"/>
+              <a:buFont typeface="Source Sans Pro"/>
+              <a:buChar char="■"/>
+              <a:defRPr sz="3600" b="0" i="1" u="none" strike="noStrike" cap="none">
+                <a:solidFill>
+                  <a:srgbClr val="263238"/>
+                </a:solidFill>
+                <a:latin typeface="Source Sans Pro"/>
+                <a:ea typeface="Source Sans Pro"/>
+                <a:cs typeface="Source Sans Pro"/>
+                <a:sym typeface="Source Sans Pro"/>
+              </a:defRPr>
+            </a:lvl6pPr>
+            <a:lvl7pPr marL="3200400" marR="0" lvl="6" indent="-457200" algn="ctr" rtl="0">
+              <a:lnSpc>
+                <a:spcPct val="100000"/>
+              </a:lnSpc>
+              <a:spcBef>
+                <a:spcPts val="0"/>
+              </a:spcBef>
+              <a:spcAft>
+                <a:spcPts val="0"/>
+              </a:spcAft>
+              <a:buClr>
+                <a:srgbClr val="263238"/>
+              </a:buClr>
+              <a:buSzPts val="3600"/>
+              <a:buFont typeface="Source Sans Pro"/>
+              <a:buChar char="●"/>
+              <a:defRPr sz="3600" b="0" i="1" u="none" strike="noStrike" cap="none">
+                <a:solidFill>
+                  <a:srgbClr val="263238"/>
+                </a:solidFill>
+                <a:latin typeface="Source Sans Pro"/>
+                <a:ea typeface="Source Sans Pro"/>
+                <a:cs typeface="Source Sans Pro"/>
+                <a:sym typeface="Source Sans Pro"/>
+              </a:defRPr>
+            </a:lvl7pPr>
+            <a:lvl8pPr marL="3657600" marR="0" lvl="7" indent="-457200" algn="ctr" rtl="0">
+              <a:lnSpc>
+                <a:spcPct val="100000"/>
+              </a:lnSpc>
+              <a:spcBef>
+                <a:spcPts val="0"/>
+              </a:spcBef>
+              <a:spcAft>
+                <a:spcPts val="0"/>
+              </a:spcAft>
+              <a:buClr>
+                <a:srgbClr val="263238"/>
+              </a:buClr>
+              <a:buSzPts val="3600"/>
+              <a:buFont typeface="Source Sans Pro"/>
+              <a:buChar char="○"/>
+              <a:defRPr sz="3600" b="0" i="1" u="none" strike="noStrike" cap="none">
+                <a:solidFill>
+                  <a:srgbClr val="263238"/>
+                </a:solidFill>
+                <a:latin typeface="Source Sans Pro"/>
+                <a:ea typeface="Source Sans Pro"/>
+                <a:cs typeface="Source Sans Pro"/>
+                <a:sym typeface="Source Sans Pro"/>
+              </a:defRPr>
+            </a:lvl8pPr>
+            <a:lvl9pPr marL="4114800" marR="0" lvl="8" indent="-457200" algn="ctr" rtl="0">
+              <a:lnSpc>
+                <a:spcPct val="100000"/>
+              </a:lnSpc>
+              <a:spcBef>
+                <a:spcPts val="0"/>
+              </a:spcBef>
+              <a:spcAft>
+                <a:spcPts val="0"/>
+              </a:spcAft>
+              <a:buClr>
+                <a:srgbClr val="263238"/>
+              </a:buClr>
+              <a:buSzPts val="3600"/>
+              <a:buFont typeface="Source Sans Pro"/>
+              <a:buChar char="■"/>
+              <a:defRPr sz="3600" b="0" i="1" u="none" strike="noStrike" cap="none">
+                <a:solidFill>
+                  <a:srgbClr val="263238"/>
+                </a:solidFill>
+                <a:latin typeface="Source Sans Pro"/>
+                <a:ea typeface="Source Sans Pro"/>
+                <a:cs typeface="Source Sans Pro"/>
+                <a:sym typeface="Source Sans Pro"/>
+              </a:defRPr>
+            </a:lvl9pPr>
+          </a:lstStyle>
+          <a:p>
+            <a:pPr marL="0" indent="0">
+              <a:buNone/>
+            </a:pPr>
+            <a:r>
+              <a:rPr lang="en-US" sz="2800" dirty="0"/>
+              <a:t>The glove is internally equipped with five flex sensors, tactile sensors and accelerometer. For each specific gesture, the flex sensor produces a proportional change in resistance and accelerometer measures the orientation of hand</a:t>
+            </a:r>
+            <a:r>
+              <a:rPr lang="en-US" sz="2800" dirty="0" smtClean="0"/>
+              <a:t>.[7]</a:t>
+            </a:r>
+            <a:endParaRPr lang="en-US" sz="2800" i="0" dirty="0"/>
+          </a:p>
+        </p:txBody>
+      </p:sp>
     </p:spTree>
+    <p:extLst>
+      <p:ext uri="{BB962C8B-B14F-4D97-AF65-F5344CB8AC3E}">
+        <p14:creationId xmlns:p14="http://schemas.microsoft.com/office/powerpoint/2010/main" val="1771315531"/>
+      </p:ext>
+    </p:extLst>
   </p:cSld>
   <p:clrMapOvr>
     <a:masterClrMapping/>
